--- a/PresetnacionPracticum_4.1.pptx
+++ b/PresetnacionPracticum_4.1.pptx
@@ -6,26 +6,29 @@
     <p:sldMasterId id="2147483661" r:id="rId2"/>
   </p:sldMasterIdLst>
   <p:notesMasterIdLst>
-    <p:notesMasterId r:id="rId17"/>
+    <p:notesMasterId r:id="rId20"/>
   </p:notesMasterIdLst>
   <p:handoutMasterIdLst>
-    <p:handoutMasterId r:id="rId18"/>
+    <p:handoutMasterId r:id="rId21"/>
   </p:handoutMasterIdLst>
   <p:sldIdLst>
     <p:sldId id="271" r:id="rId3"/>
-    <p:sldId id="352" r:id="rId4"/>
-    <p:sldId id="351" r:id="rId5"/>
-    <p:sldId id="354" r:id="rId6"/>
-    <p:sldId id="365" r:id="rId7"/>
-    <p:sldId id="363" r:id="rId8"/>
-    <p:sldId id="368" r:id="rId9"/>
-    <p:sldId id="373" r:id="rId10"/>
-    <p:sldId id="374" r:id="rId11"/>
-    <p:sldId id="375" r:id="rId12"/>
-    <p:sldId id="376" r:id="rId13"/>
-    <p:sldId id="362" r:id="rId14"/>
-    <p:sldId id="347" r:id="rId15"/>
-    <p:sldId id="350" r:id="rId16"/>
+    <p:sldId id="351" r:id="rId4"/>
+    <p:sldId id="354" r:id="rId5"/>
+    <p:sldId id="365" r:id="rId6"/>
+    <p:sldId id="363" r:id="rId7"/>
+    <p:sldId id="368" r:id="rId8"/>
+    <p:sldId id="383" r:id="rId9"/>
+    <p:sldId id="375" r:id="rId10"/>
+    <p:sldId id="377" r:id="rId11"/>
+    <p:sldId id="378" r:id="rId12"/>
+    <p:sldId id="379" r:id="rId13"/>
+    <p:sldId id="380" r:id="rId14"/>
+    <p:sldId id="382" r:id="rId15"/>
+    <p:sldId id="376" r:id="rId16"/>
+    <p:sldId id="362" r:id="rId17"/>
+    <p:sldId id="347" r:id="rId18"/>
+    <p:sldId id="350" r:id="rId19"/>
   </p:sldIdLst>
   <p:sldSz cx="9144000" cy="6858000" type="screen4x3"/>
   <p:notesSz cx="9926638" cy="6797675"/>
@@ -3145,1500 +3148,6 @@
 </dgm:colorsDef>
 </file>
 
-<file path=ppt/diagrams/colors5.xml><?xml version="1.0" encoding="utf-8"?>
-<dgm:colorsDef xmlns:dgm="http://schemas.openxmlformats.org/drawingml/2006/diagram" xmlns:a="http://schemas.openxmlformats.org/drawingml/2006/main" uniqueId="urn:microsoft.com/office/officeart/2005/8/colors/accent1_2">
-  <dgm:title val=""/>
-  <dgm:desc val=""/>
-  <dgm:catLst>
-    <dgm:cat type="accent1" pri="11200"/>
-  </dgm:catLst>
-  <dgm:styleLbl name="node0">
-    <dgm:fillClrLst meth="repeat">
-      <a:schemeClr val="accent1"/>
-    </dgm:fillClrLst>
-    <dgm:linClrLst meth="repeat">
-      <a:schemeClr val="lt1"/>
-    </dgm:linClrLst>
-    <dgm:effectClrLst/>
-    <dgm:txLinClrLst/>
-    <dgm:txFillClrLst/>
-    <dgm:txEffectClrLst/>
-  </dgm:styleLbl>
-  <dgm:styleLbl name="alignNode1">
-    <dgm:fillClrLst meth="repeat">
-      <a:schemeClr val="accent1"/>
-    </dgm:fillClrLst>
-    <dgm:linClrLst meth="repeat">
-      <a:schemeClr val="accent1"/>
-    </dgm:linClrLst>
-    <dgm:effectClrLst/>
-    <dgm:txLinClrLst/>
-    <dgm:txFillClrLst/>
-    <dgm:txEffectClrLst/>
-  </dgm:styleLbl>
-  <dgm:styleLbl name="node1">
-    <dgm:fillClrLst meth="repeat">
-      <a:schemeClr val="accent1"/>
-    </dgm:fillClrLst>
-    <dgm:linClrLst meth="repeat">
-      <a:schemeClr val="lt1"/>
-    </dgm:linClrLst>
-    <dgm:effectClrLst/>
-    <dgm:txLinClrLst/>
-    <dgm:txFillClrLst/>
-    <dgm:txEffectClrLst/>
-  </dgm:styleLbl>
-  <dgm:styleLbl name="lnNode1">
-    <dgm:fillClrLst meth="repeat">
-      <a:schemeClr val="accent1"/>
-    </dgm:fillClrLst>
-    <dgm:linClrLst meth="repeat">
-      <a:schemeClr val="lt1"/>
-    </dgm:linClrLst>
-    <dgm:effectClrLst/>
-    <dgm:txLinClrLst/>
-    <dgm:txFillClrLst/>
-    <dgm:txEffectClrLst/>
-  </dgm:styleLbl>
-  <dgm:styleLbl name="vennNode1">
-    <dgm:fillClrLst meth="repeat">
-      <a:schemeClr val="accent1">
-        <a:alpha val="50000"/>
-      </a:schemeClr>
-    </dgm:fillClrLst>
-    <dgm:linClrLst meth="repeat">
-      <a:schemeClr val="lt1"/>
-    </dgm:linClrLst>
-    <dgm:effectClrLst/>
-    <dgm:txLinClrLst/>
-    <dgm:txFillClrLst/>
-    <dgm:txEffectClrLst/>
-  </dgm:styleLbl>
-  <dgm:styleLbl name="node2">
-    <dgm:fillClrLst meth="repeat">
-      <a:schemeClr val="accent1"/>
-    </dgm:fillClrLst>
-    <dgm:linClrLst meth="repeat">
-      <a:schemeClr val="lt1"/>
-    </dgm:linClrLst>
-    <dgm:effectClrLst/>
-    <dgm:txLinClrLst/>
-    <dgm:txFillClrLst/>
-    <dgm:txEffectClrLst/>
-  </dgm:styleLbl>
-  <dgm:styleLbl name="node3">
-    <dgm:fillClrLst meth="repeat">
-      <a:schemeClr val="accent1"/>
-    </dgm:fillClrLst>
-    <dgm:linClrLst meth="repeat">
-      <a:schemeClr val="lt1"/>
-    </dgm:linClrLst>
-    <dgm:effectClrLst/>
-    <dgm:txLinClrLst/>
-    <dgm:txFillClrLst/>
-    <dgm:txEffectClrLst/>
-  </dgm:styleLbl>
-  <dgm:styleLbl name="node4">
-    <dgm:fillClrLst meth="repeat">
-      <a:schemeClr val="accent1"/>
-    </dgm:fillClrLst>
-    <dgm:linClrLst meth="repeat">
-      <a:schemeClr val="lt1"/>
-    </dgm:linClrLst>
-    <dgm:effectClrLst/>
-    <dgm:txLinClrLst/>
-    <dgm:txFillClrLst/>
-    <dgm:txEffectClrLst/>
-  </dgm:styleLbl>
-  <dgm:styleLbl name="fgImgPlace1">
-    <dgm:fillClrLst meth="repeat">
-      <a:schemeClr val="accent1">
-        <a:tint val="50000"/>
-      </a:schemeClr>
-    </dgm:fillClrLst>
-    <dgm:linClrLst meth="repeat">
-      <a:schemeClr val="lt1"/>
-    </dgm:linClrLst>
-    <dgm:effectClrLst/>
-    <dgm:txLinClrLst/>
-    <dgm:txFillClrLst meth="repeat">
-      <a:schemeClr val="lt1"/>
-    </dgm:txFillClrLst>
-    <dgm:txEffectClrLst/>
-  </dgm:styleLbl>
-  <dgm:styleLbl name="alignImgPlace1">
-    <dgm:fillClrLst meth="repeat">
-      <a:schemeClr val="accent1">
-        <a:tint val="50000"/>
-      </a:schemeClr>
-    </dgm:fillClrLst>
-    <dgm:linClrLst meth="repeat">
-      <a:schemeClr val="lt1"/>
-    </dgm:linClrLst>
-    <dgm:effectClrLst/>
-    <dgm:txLinClrLst/>
-    <dgm:txFillClrLst meth="repeat">
-      <a:schemeClr val="lt1"/>
-    </dgm:txFillClrLst>
-    <dgm:txEffectClrLst/>
-  </dgm:styleLbl>
-  <dgm:styleLbl name="bgImgPlace1">
-    <dgm:fillClrLst meth="repeat">
-      <a:schemeClr val="accent1">
-        <a:tint val="50000"/>
-      </a:schemeClr>
-    </dgm:fillClrLst>
-    <dgm:linClrLst meth="repeat">
-      <a:schemeClr val="lt1"/>
-    </dgm:linClrLst>
-    <dgm:effectClrLst/>
-    <dgm:txLinClrLst/>
-    <dgm:txFillClrLst meth="repeat">
-      <a:schemeClr val="lt1"/>
-    </dgm:txFillClrLst>
-    <dgm:txEffectClrLst/>
-  </dgm:styleLbl>
-  <dgm:styleLbl name="sibTrans2D1">
-    <dgm:fillClrLst meth="repeat">
-      <a:schemeClr val="accent1">
-        <a:tint val="60000"/>
-      </a:schemeClr>
-    </dgm:fillClrLst>
-    <dgm:linClrLst meth="repeat">
-      <a:schemeClr val="accent1">
-        <a:tint val="60000"/>
-      </a:schemeClr>
-    </dgm:linClrLst>
-    <dgm:effectClrLst/>
-    <dgm:txLinClrLst/>
-    <dgm:txFillClrLst/>
-    <dgm:txEffectClrLst/>
-  </dgm:styleLbl>
-  <dgm:styleLbl name="fgSibTrans2D1">
-    <dgm:fillClrLst meth="repeat">
-      <a:schemeClr val="accent1">
-        <a:tint val="60000"/>
-      </a:schemeClr>
-    </dgm:fillClrLst>
-    <dgm:linClrLst meth="repeat">
-      <a:schemeClr val="accent1">
-        <a:tint val="60000"/>
-      </a:schemeClr>
-    </dgm:linClrLst>
-    <dgm:effectClrLst/>
-    <dgm:txLinClrLst/>
-    <dgm:txFillClrLst/>
-    <dgm:txEffectClrLst/>
-  </dgm:styleLbl>
-  <dgm:styleLbl name="bgSibTrans2D1">
-    <dgm:fillClrLst meth="repeat">
-      <a:schemeClr val="accent1">
-        <a:tint val="60000"/>
-      </a:schemeClr>
-    </dgm:fillClrLst>
-    <dgm:linClrLst meth="repeat">
-      <a:schemeClr val="accent1">
-        <a:tint val="60000"/>
-      </a:schemeClr>
-    </dgm:linClrLst>
-    <dgm:effectClrLst/>
-    <dgm:txLinClrLst/>
-    <dgm:txFillClrLst/>
-    <dgm:txEffectClrLst/>
-  </dgm:styleLbl>
-  <dgm:styleLbl name="sibTrans1D1">
-    <dgm:fillClrLst meth="repeat">
-      <a:schemeClr val="accent1"/>
-    </dgm:fillClrLst>
-    <dgm:linClrLst meth="repeat">
-      <a:schemeClr val="accent1"/>
-    </dgm:linClrLst>
-    <dgm:effectClrLst/>
-    <dgm:txLinClrLst/>
-    <dgm:txFillClrLst meth="repeat">
-      <a:schemeClr val="tx1"/>
-    </dgm:txFillClrLst>
-    <dgm:txEffectClrLst/>
-  </dgm:styleLbl>
-  <dgm:styleLbl name="callout">
-    <dgm:fillClrLst meth="repeat">
-      <a:schemeClr val="accent1"/>
-    </dgm:fillClrLst>
-    <dgm:linClrLst meth="repeat">
-      <a:schemeClr val="accent1">
-        <a:tint val="50000"/>
-      </a:schemeClr>
-    </dgm:linClrLst>
-    <dgm:effectClrLst/>
-    <dgm:txLinClrLst/>
-    <dgm:txFillClrLst meth="repeat">
-      <a:schemeClr val="tx1"/>
-    </dgm:txFillClrLst>
-    <dgm:txEffectClrLst/>
-  </dgm:styleLbl>
-  <dgm:styleLbl name="asst0">
-    <dgm:fillClrLst meth="repeat">
-      <a:schemeClr val="accent1"/>
-    </dgm:fillClrLst>
-    <dgm:linClrLst meth="repeat">
-      <a:schemeClr val="lt1"/>
-    </dgm:linClrLst>
-    <dgm:effectClrLst/>
-    <dgm:txLinClrLst/>
-    <dgm:txFillClrLst/>
-    <dgm:txEffectClrLst/>
-  </dgm:styleLbl>
-  <dgm:styleLbl name="asst1">
-    <dgm:fillClrLst meth="repeat">
-      <a:schemeClr val="accent1"/>
-    </dgm:fillClrLst>
-    <dgm:linClrLst meth="repeat">
-      <a:schemeClr val="lt1"/>
-    </dgm:linClrLst>
-    <dgm:effectClrLst/>
-    <dgm:txLinClrLst/>
-    <dgm:txFillClrLst/>
-    <dgm:txEffectClrLst/>
-  </dgm:styleLbl>
-  <dgm:styleLbl name="asst2">
-    <dgm:fillClrLst meth="repeat">
-      <a:schemeClr val="accent1"/>
-    </dgm:fillClrLst>
-    <dgm:linClrLst meth="repeat">
-      <a:schemeClr val="lt1"/>
-    </dgm:linClrLst>
-    <dgm:effectClrLst/>
-    <dgm:txLinClrLst/>
-    <dgm:txFillClrLst/>
-    <dgm:txEffectClrLst/>
-  </dgm:styleLbl>
-  <dgm:styleLbl name="asst3">
-    <dgm:fillClrLst meth="repeat">
-      <a:schemeClr val="accent1"/>
-    </dgm:fillClrLst>
-    <dgm:linClrLst meth="repeat">
-      <a:schemeClr val="lt1"/>
-    </dgm:linClrLst>
-    <dgm:effectClrLst/>
-    <dgm:txLinClrLst/>
-    <dgm:txFillClrLst/>
-    <dgm:txEffectClrLst/>
-  </dgm:styleLbl>
-  <dgm:styleLbl name="asst4">
-    <dgm:fillClrLst meth="repeat">
-      <a:schemeClr val="accent1"/>
-    </dgm:fillClrLst>
-    <dgm:linClrLst meth="repeat">
-      <a:schemeClr val="lt1"/>
-    </dgm:linClrLst>
-    <dgm:effectClrLst/>
-    <dgm:txLinClrLst/>
-    <dgm:txFillClrLst/>
-    <dgm:txEffectClrLst/>
-  </dgm:styleLbl>
-  <dgm:styleLbl name="parChTrans2D1">
-    <dgm:fillClrLst meth="repeat">
-      <a:schemeClr val="accent1">
-        <a:tint val="60000"/>
-      </a:schemeClr>
-    </dgm:fillClrLst>
-    <dgm:linClrLst meth="repeat">
-      <a:schemeClr val="accent1">
-        <a:tint val="60000"/>
-      </a:schemeClr>
-    </dgm:linClrLst>
-    <dgm:effectClrLst/>
-    <dgm:txLinClrLst/>
-    <dgm:txFillClrLst meth="repeat">
-      <a:schemeClr val="lt1"/>
-    </dgm:txFillClrLst>
-    <dgm:txEffectClrLst/>
-  </dgm:styleLbl>
-  <dgm:styleLbl name="parChTrans2D2">
-    <dgm:fillClrLst meth="repeat">
-      <a:schemeClr val="accent1"/>
-    </dgm:fillClrLst>
-    <dgm:linClrLst meth="repeat">
-      <a:schemeClr val="accent1"/>
-    </dgm:linClrLst>
-    <dgm:effectClrLst/>
-    <dgm:txLinClrLst/>
-    <dgm:txFillClrLst meth="repeat">
-      <a:schemeClr val="lt1"/>
-    </dgm:txFillClrLst>
-    <dgm:txEffectClrLst/>
-  </dgm:styleLbl>
-  <dgm:styleLbl name="parChTrans2D3">
-    <dgm:fillClrLst meth="repeat">
-      <a:schemeClr val="accent1"/>
-    </dgm:fillClrLst>
-    <dgm:linClrLst meth="repeat">
-      <a:schemeClr val="accent1"/>
-    </dgm:linClrLst>
-    <dgm:effectClrLst/>
-    <dgm:txLinClrLst/>
-    <dgm:txFillClrLst meth="repeat">
-      <a:schemeClr val="lt1"/>
-    </dgm:txFillClrLst>
-    <dgm:txEffectClrLst/>
-  </dgm:styleLbl>
-  <dgm:styleLbl name="parChTrans2D4">
-    <dgm:fillClrLst meth="repeat">
-      <a:schemeClr val="accent1"/>
-    </dgm:fillClrLst>
-    <dgm:linClrLst meth="repeat">
-      <a:schemeClr val="accent1"/>
-    </dgm:linClrLst>
-    <dgm:effectClrLst/>
-    <dgm:txLinClrLst/>
-    <dgm:txFillClrLst meth="repeat">
-      <a:schemeClr val="lt1"/>
-    </dgm:txFillClrLst>
-    <dgm:txEffectClrLst/>
-  </dgm:styleLbl>
-  <dgm:styleLbl name="parChTrans1D1">
-    <dgm:fillClrLst meth="repeat">
-      <a:schemeClr val="accent1"/>
-    </dgm:fillClrLst>
-    <dgm:linClrLst meth="repeat">
-      <a:schemeClr val="accent1">
-        <a:shade val="60000"/>
-      </a:schemeClr>
-    </dgm:linClrLst>
-    <dgm:effectClrLst/>
-    <dgm:txLinClrLst/>
-    <dgm:txFillClrLst meth="repeat">
-      <a:schemeClr val="tx1"/>
-    </dgm:txFillClrLst>
-    <dgm:txEffectClrLst/>
-  </dgm:styleLbl>
-  <dgm:styleLbl name="parChTrans1D2">
-    <dgm:fillClrLst meth="repeat">
-      <a:schemeClr val="accent1"/>
-    </dgm:fillClrLst>
-    <dgm:linClrLst meth="repeat">
-      <a:schemeClr val="accent1">
-        <a:shade val="60000"/>
-      </a:schemeClr>
-    </dgm:linClrLst>
-    <dgm:effectClrLst/>
-    <dgm:txLinClrLst/>
-    <dgm:txFillClrLst meth="repeat">
-      <a:schemeClr val="tx1"/>
-    </dgm:txFillClrLst>
-    <dgm:txEffectClrLst/>
-  </dgm:styleLbl>
-  <dgm:styleLbl name="parChTrans1D3">
-    <dgm:fillClrLst meth="repeat">
-      <a:schemeClr val="accent1"/>
-    </dgm:fillClrLst>
-    <dgm:linClrLst meth="repeat">
-      <a:schemeClr val="accent1">
-        <a:shade val="80000"/>
-      </a:schemeClr>
-    </dgm:linClrLst>
-    <dgm:effectClrLst/>
-    <dgm:txLinClrLst/>
-    <dgm:txFillClrLst meth="repeat">
-      <a:schemeClr val="tx1"/>
-    </dgm:txFillClrLst>
-    <dgm:txEffectClrLst/>
-  </dgm:styleLbl>
-  <dgm:styleLbl name="parChTrans1D4">
-    <dgm:fillClrLst meth="repeat">
-      <a:schemeClr val="accent1"/>
-    </dgm:fillClrLst>
-    <dgm:linClrLst meth="repeat">
-      <a:schemeClr val="accent1">
-        <a:shade val="80000"/>
-      </a:schemeClr>
-    </dgm:linClrLst>
-    <dgm:effectClrLst/>
-    <dgm:txLinClrLst/>
-    <dgm:txFillClrLst meth="repeat">
-      <a:schemeClr val="tx1"/>
-    </dgm:txFillClrLst>
-    <dgm:txEffectClrLst/>
-  </dgm:styleLbl>
-  <dgm:styleLbl name="fgAcc1">
-    <dgm:fillClrLst meth="repeat">
-      <a:schemeClr val="lt1">
-        <a:alpha val="90000"/>
-      </a:schemeClr>
-    </dgm:fillClrLst>
-    <dgm:linClrLst meth="repeat">
-      <a:schemeClr val="accent1"/>
-    </dgm:linClrLst>
-    <dgm:effectClrLst/>
-    <dgm:txLinClrLst/>
-    <dgm:txFillClrLst meth="repeat">
-      <a:schemeClr val="dk1"/>
-    </dgm:txFillClrLst>
-    <dgm:txEffectClrLst/>
-  </dgm:styleLbl>
-  <dgm:styleLbl name="conFgAcc1">
-    <dgm:fillClrLst meth="repeat">
-      <a:schemeClr val="lt1">
-        <a:alpha val="90000"/>
-      </a:schemeClr>
-    </dgm:fillClrLst>
-    <dgm:linClrLst meth="repeat">
-      <a:schemeClr val="accent1"/>
-    </dgm:linClrLst>
-    <dgm:effectClrLst/>
-    <dgm:txLinClrLst/>
-    <dgm:txFillClrLst meth="repeat">
-      <a:schemeClr val="dk1"/>
-    </dgm:txFillClrLst>
-    <dgm:txEffectClrLst/>
-  </dgm:styleLbl>
-  <dgm:styleLbl name="alignAcc1">
-    <dgm:fillClrLst meth="repeat">
-      <a:schemeClr val="lt1">
-        <a:alpha val="90000"/>
-      </a:schemeClr>
-    </dgm:fillClrLst>
-    <dgm:linClrLst meth="repeat">
-      <a:schemeClr val="accent1"/>
-    </dgm:linClrLst>
-    <dgm:effectClrLst/>
-    <dgm:txLinClrLst/>
-    <dgm:txFillClrLst meth="repeat">
-      <a:schemeClr val="dk1"/>
-    </dgm:txFillClrLst>
-    <dgm:txEffectClrLst/>
-  </dgm:styleLbl>
-  <dgm:styleLbl name="trAlignAcc1">
-    <dgm:fillClrLst meth="repeat">
-      <a:schemeClr val="lt1">
-        <a:alpha val="40000"/>
-      </a:schemeClr>
-    </dgm:fillClrLst>
-    <dgm:linClrLst meth="repeat">
-      <a:schemeClr val="accent1"/>
-    </dgm:linClrLst>
-    <dgm:effectClrLst/>
-    <dgm:txLinClrLst/>
-    <dgm:txFillClrLst meth="repeat">
-      <a:schemeClr val="dk1"/>
-    </dgm:txFillClrLst>
-    <dgm:txEffectClrLst/>
-  </dgm:styleLbl>
-  <dgm:styleLbl name="bgAcc1">
-    <dgm:fillClrLst meth="repeat">
-      <a:schemeClr val="lt1">
-        <a:alpha val="90000"/>
-      </a:schemeClr>
-    </dgm:fillClrLst>
-    <dgm:linClrLst meth="repeat">
-      <a:schemeClr val="accent1"/>
-    </dgm:linClrLst>
-    <dgm:effectClrLst/>
-    <dgm:txLinClrLst/>
-    <dgm:txFillClrLst meth="repeat">
-      <a:schemeClr val="dk1"/>
-    </dgm:txFillClrLst>
-    <dgm:txEffectClrLst/>
-  </dgm:styleLbl>
-  <dgm:styleLbl name="solidFgAcc1">
-    <dgm:fillClrLst meth="repeat">
-      <a:schemeClr val="lt1"/>
-    </dgm:fillClrLst>
-    <dgm:linClrLst meth="repeat">
-      <a:schemeClr val="accent1"/>
-    </dgm:linClrLst>
-    <dgm:effectClrLst/>
-    <dgm:txLinClrLst/>
-    <dgm:txFillClrLst meth="repeat">
-      <a:schemeClr val="dk1"/>
-    </dgm:txFillClrLst>
-    <dgm:txEffectClrLst/>
-  </dgm:styleLbl>
-  <dgm:styleLbl name="solidAlignAcc1">
-    <dgm:fillClrLst meth="repeat">
-      <a:schemeClr val="lt1"/>
-    </dgm:fillClrLst>
-    <dgm:linClrLst meth="repeat">
-      <a:schemeClr val="accent1"/>
-    </dgm:linClrLst>
-    <dgm:effectClrLst/>
-    <dgm:txLinClrLst/>
-    <dgm:txFillClrLst meth="repeat">
-      <a:schemeClr val="dk1"/>
-    </dgm:txFillClrLst>
-    <dgm:txEffectClrLst/>
-  </dgm:styleLbl>
-  <dgm:styleLbl name="solidBgAcc1">
-    <dgm:fillClrLst meth="repeat">
-      <a:schemeClr val="lt1"/>
-    </dgm:fillClrLst>
-    <dgm:linClrLst meth="repeat">
-      <a:schemeClr val="accent1"/>
-    </dgm:linClrLst>
-    <dgm:effectClrLst/>
-    <dgm:txLinClrLst/>
-    <dgm:txFillClrLst meth="repeat">
-      <a:schemeClr val="dk1"/>
-    </dgm:txFillClrLst>
-    <dgm:txEffectClrLst/>
-  </dgm:styleLbl>
-  <dgm:styleLbl name="fgAccFollowNode1">
-    <dgm:fillClrLst meth="repeat">
-      <a:schemeClr val="accent1">
-        <a:alpha val="90000"/>
-        <a:tint val="40000"/>
-      </a:schemeClr>
-    </dgm:fillClrLst>
-    <dgm:linClrLst meth="repeat">
-      <a:schemeClr val="accent1">
-        <a:alpha val="90000"/>
-        <a:tint val="40000"/>
-      </a:schemeClr>
-    </dgm:linClrLst>
-    <dgm:effectClrLst/>
-    <dgm:txLinClrLst/>
-    <dgm:txFillClrLst meth="repeat">
-      <a:schemeClr val="dk1"/>
-    </dgm:txFillClrLst>
-    <dgm:txEffectClrLst/>
-  </dgm:styleLbl>
-  <dgm:styleLbl name="alignAccFollowNode1">
-    <dgm:fillClrLst meth="repeat">
-      <a:schemeClr val="accent1">
-        <a:alpha val="90000"/>
-        <a:tint val="40000"/>
-      </a:schemeClr>
-    </dgm:fillClrLst>
-    <dgm:linClrLst meth="repeat">
-      <a:schemeClr val="accent1">
-        <a:alpha val="90000"/>
-        <a:tint val="40000"/>
-      </a:schemeClr>
-    </dgm:linClrLst>
-    <dgm:effectClrLst/>
-    <dgm:txLinClrLst/>
-    <dgm:txFillClrLst meth="repeat">
-      <a:schemeClr val="dk1"/>
-    </dgm:txFillClrLst>
-    <dgm:txEffectClrLst/>
-  </dgm:styleLbl>
-  <dgm:styleLbl name="bgAccFollowNode1">
-    <dgm:fillClrLst meth="repeat">
-      <a:schemeClr val="accent1">
-        <a:alpha val="90000"/>
-        <a:tint val="40000"/>
-      </a:schemeClr>
-    </dgm:fillClrLst>
-    <dgm:linClrLst meth="repeat">
-      <a:schemeClr val="accent1">
-        <a:alpha val="90000"/>
-        <a:tint val="40000"/>
-      </a:schemeClr>
-    </dgm:linClrLst>
-    <dgm:effectClrLst/>
-    <dgm:txLinClrLst/>
-    <dgm:txFillClrLst meth="repeat">
-      <a:schemeClr val="dk1"/>
-    </dgm:txFillClrLst>
-    <dgm:txEffectClrLst/>
-  </dgm:styleLbl>
-  <dgm:styleLbl name="fgAcc0">
-    <dgm:fillClrLst meth="repeat">
-      <a:schemeClr val="lt1">
-        <a:alpha val="90000"/>
-      </a:schemeClr>
-    </dgm:fillClrLst>
-    <dgm:linClrLst meth="repeat">
-      <a:schemeClr val="accent1"/>
-    </dgm:linClrLst>
-    <dgm:effectClrLst/>
-    <dgm:txLinClrLst/>
-    <dgm:txFillClrLst meth="repeat">
-      <a:schemeClr val="dk1"/>
-    </dgm:txFillClrLst>
-    <dgm:txEffectClrLst/>
-  </dgm:styleLbl>
-  <dgm:styleLbl name="fgAcc2">
-    <dgm:fillClrLst meth="repeat">
-      <a:schemeClr val="lt1">
-        <a:alpha val="90000"/>
-      </a:schemeClr>
-    </dgm:fillClrLst>
-    <dgm:linClrLst meth="repeat">
-      <a:schemeClr val="accent1"/>
-    </dgm:linClrLst>
-    <dgm:effectClrLst/>
-    <dgm:txLinClrLst/>
-    <dgm:txFillClrLst meth="repeat">
-      <a:schemeClr val="dk1"/>
-    </dgm:txFillClrLst>
-    <dgm:txEffectClrLst/>
-  </dgm:styleLbl>
-  <dgm:styleLbl name="fgAcc3">
-    <dgm:fillClrLst meth="repeat">
-      <a:schemeClr val="lt1">
-        <a:alpha val="90000"/>
-      </a:schemeClr>
-    </dgm:fillClrLst>
-    <dgm:linClrLst meth="repeat">
-      <a:schemeClr val="accent1"/>
-    </dgm:linClrLst>
-    <dgm:effectClrLst/>
-    <dgm:txLinClrLst/>
-    <dgm:txFillClrLst meth="repeat">
-      <a:schemeClr val="dk1"/>
-    </dgm:txFillClrLst>
-    <dgm:txEffectClrLst/>
-  </dgm:styleLbl>
-  <dgm:styleLbl name="fgAcc4">
-    <dgm:fillClrLst meth="repeat">
-      <a:schemeClr val="lt1">
-        <a:alpha val="90000"/>
-      </a:schemeClr>
-    </dgm:fillClrLst>
-    <dgm:linClrLst meth="repeat">
-      <a:schemeClr val="accent1"/>
-    </dgm:linClrLst>
-    <dgm:effectClrLst/>
-    <dgm:txLinClrLst/>
-    <dgm:txFillClrLst meth="repeat">
-      <a:schemeClr val="dk1"/>
-    </dgm:txFillClrLst>
-    <dgm:txEffectClrLst/>
-  </dgm:styleLbl>
-  <dgm:styleLbl name="bgShp">
-    <dgm:fillClrLst meth="repeat">
-      <a:schemeClr val="accent1">
-        <a:tint val="40000"/>
-      </a:schemeClr>
-    </dgm:fillClrLst>
-    <dgm:linClrLst meth="repeat">
-      <a:schemeClr val="accent1"/>
-    </dgm:linClrLst>
-    <dgm:effectClrLst/>
-    <dgm:txLinClrLst/>
-    <dgm:txFillClrLst meth="repeat">
-      <a:schemeClr val="dk1"/>
-    </dgm:txFillClrLst>
-    <dgm:txEffectClrLst/>
-  </dgm:styleLbl>
-  <dgm:styleLbl name="dkBgShp">
-    <dgm:fillClrLst meth="repeat">
-      <a:schemeClr val="accent1">
-        <a:shade val="80000"/>
-      </a:schemeClr>
-    </dgm:fillClrLst>
-    <dgm:linClrLst meth="repeat">
-      <a:schemeClr val="accent1"/>
-    </dgm:linClrLst>
-    <dgm:effectClrLst/>
-    <dgm:txLinClrLst/>
-    <dgm:txFillClrLst meth="repeat">
-      <a:schemeClr val="lt1"/>
-    </dgm:txFillClrLst>
-    <dgm:txEffectClrLst/>
-  </dgm:styleLbl>
-  <dgm:styleLbl name="trBgShp">
-    <dgm:fillClrLst meth="repeat">
-      <a:schemeClr val="accent1">
-        <a:tint val="50000"/>
-        <a:alpha val="40000"/>
-      </a:schemeClr>
-    </dgm:fillClrLst>
-    <dgm:linClrLst meth="repeat">
-      <a:schemeClr val="accent1"/>
-    </dgm:linClrLst>
-    <dgm:effectClrLst/>
-    <dgm:txLinClrLst/>
-    <dgm:txFillClrLst meth="repeat">
-      <a:schemeClr val="lt1"/>
-    </dgm:txFillClrLst>
-    <dgm:txEffectClrLst/>
-  </dgm:styleLbl>
-  <dgm:styleLbl name="fgShp">
-    <dgm:fillClrLst meth="repeat">
-      <a:schemeClr val="accent1">
-        <a:tint val="60000"/>
-      </a:schemeClr>
-    </dgm:fillClrLst>
-    <dgm:linClrLst meth="repeat">
-      <a:schemeClr val="lt1"/>
-    </dgm:linClrLst>
-    <dgm:effectClrLst/>
-    <dgm:txLinClrLst/>
-    <dgm:txFillClrLst meth="repeat">
-      <a:schemeClr val="dk1"/>
-    </dgm:txFillClrLst>
-    <dgm:txEffectClrLst/>
-  </dgm:styleLbl>
-  <dgm:styleLbl name="revTx">
-    <dgm:fillClrLst meth="repeat">
-      <a:schemeClr val="lt1">
-        <a:alpha val="0"/>
-      </a:schemeClr>
-    </dgm:fillClrLst>
-    <dgm:linClrLst meth="repeat">
-      <a:schemeClr val="dk1">
-        <a:alpha val="0"/>
-      </a:schemeClr>
-    </dgm:linClrLst>
-    <dgm:effectClrLst/>
-    <dgm:txLinClrLst/>
-    <dgm:txFillClrLst meth="repeat">
-      <a:schemeClr val="tx1"/>
-    </dgm:txFillClrLst>
-    <dgm:txEffectClrLst/>
-  </dgm:styleLbl>
-</dgm:colorsDef>
-</file>
-
-<file path=ppt/diagrams/colors6.xml><?xml version="1.0" encoding="utf-8"?>
-<dgm:colorsDef xmlns:dgm="http://schemas.openxmlformats.org/drawingml/2006/diagram" xmlns:a="http://schemas.openxmlformats.org/drawingml/2006/main" uniqueId="urn:microsoft.com/office/officeart/2005/8/colors/accent1_2">
-  <dgm:title val=""/>
-  <dgm:desc val=""/>
-  <dgm:catLst>
-    <dgm:cat type="accent1" pri="11200"/>
-  </dgm:catLst>
-  <dgm:styleLbl name="node0">
-    <dgm:fillClrLst meth="repeat">
-      <a:schemeClr val="accent1"/>
-    </dgm:fillClrLst>
-    <dgm:linClrLst meth="repeat">
-      <a:schemeClr val="lt1"/>
-    </dgm:linClrLst>
-    <dgm:effectClrLst/>
-    <dgm:txLinClrLst/>
-    <dgm:txFillClrLst/>
-    <dgm:txEffectClrLst/>
-  </dgm:styleLbl>
-  <dgm:styleLbl name="alignNode1">
-    <dgm:fillClrLst meth="repeat">
-      <a:schemeClr val="accent1"/>
-    </dgm:fillClrLst>
-    <dgm:linClrLst meth="repeat">
-      <a:schemeClr val="accent1"/>
-    </dgm:linClrLst>
-    <dgm:effectClrLst/>
-    <dgm:txLinClrLst/>
-    <dgm:txFillClrLst/>
-    <dgm:txEffectClrLst/>
-  </dgm:styleLbl>
-  <dgm:styleLbl name="node1">
-    <dgm:fillClrLst meth="repeat">
-      <a:schemeClr val="accent1"/>
-    </dgm:fillClrLst>
-    <dgm:linClrLst meth="repeat">
-      <a:schemeClr val="lt1"/>
-    </dgm:linClrLst>
-    <dgm:effectClrLst/>
-    <dgm:txLinClrLst/>
-    <dgm:txFillClrLst/>
-    <dgm:txEffectClrLst/>
-  </dgm:styleLbl>
-  <dgm:styleLbl name="lnNode1">
-    <dgm:fillClrLst meth="repeat">
-      <a:schemeClr val="accent1"/>
-    </dgm:fillClrLst>
-    <dgm:linClrLst meth="repeat">
-      <a:schemeClr val="lt1"/>
-    </dgm:linClrLst>
-    <dgm:effectClrLst/>
-    <dgm:txLinClrLst/>
-    <dgm:txFillClrLst/>
-    <dgm:txEffectClrLst/>
-  </dgm:styleLbl>
-  <dgm:styleLbl name="vennNode1">
-    <dgm:fillClrLst meth="repeat">
-      <a:schemeClr val="accent1">
-        <a:alpha val="50000"/>
-      </a:schemeClr>
-    </dgm:fillClrLst>
-    <dgm:linClrLst meth="repeat">
-      <a:schemeClr val="lt1"/>
-    </dgm:linClrLst>
-    <dgm:effectClrLst/>
-    <dgm:txLinClrLst/>
-    <dgm:txFillClrLst/>
-    <dgm:txEffectClrLst/>
-  </dgm:styleLbl>
-  <dgm:styleLbl name="node2">
-    <dgm:fillClrLst meth="repeat">
-      <a:schemeClr val="accent1"/>
-    </dgm:fillClrLst>
-    <dgm:linClrLst meth="repeat">
-      <a:schemeClr val="lt1"/>
-    </dgm:linClrLst>
-    <dgm:effectClrLst/>
-    <dgm:txLinClrLst/>
-    <dgm:txFillClrLst/>
-    <dgm:txEffectClrLst/>
-  </dgm:styleLbl>
-  <dgm:styleLbl name="node3">
-    <dgm:fillClrLst meth="repeat">
-      <a:schemeClr val="accent1"/>
-    </dgm:fillClrLst>
-    <dgm:linClrLst meth="repeat">
-      <a:schemeClr val="lt1"/>
-    </dgm:linClrLst>
-    <dgm:effectClrLst/>
-    <dgm:txLinClrLst/>
-    <dgm:txFillClrLst/>
-    <dgm:txEffectClrLst/>
-  </dgm:styleLbl>
-  <dgm:styleLbl name="node4">
-    <dgm:fillClrLst meth="repeat">
-      <a:schemeClr val="accent1"/>
-    </dgm:fillClrLst>
-    <dgm:linClrLst meth="repeat">
-      <a:schemeClr val="lt1"/>
-    </dgm:linClrLst>
-    <dgm:effectClrLst/>
-    <dgm:txLinClrLst/>
-    <dgm:txFillClrLst/>
-    <dgm:txEffectClrLst/>
-  </dgm:styleLbl>
-  <dgm:styleLbl name="fgImgPlace1">
-    <dgm:fillClrLst meth="repeat">
-      <a:schemeClr val="accent1">
-        <a:tint val="50000"/>
-      </a:schemeClr>
-    </dgm:fillClrLst>
-    <dgm:linClrLst meth="repeat">
-      <a:schemeClr val="lt1"/>
-    </dgm:linClrLst>
-    <dgm:effectClrLst/>
-    <dgm:txLinClrLst/>
-    <dgm:txFillClrLst meth="repeat">
-      <a:schemeClr val="lt1"/>
-    </dgm:txFillClrLst>
-    <dgm:txEffectClrLst/>
-  </dgm:styleLbl>
-  <dgm:styleLbl name="alignImgPlace1">
-    <dgm:fillClrLst meth="repeat">
-      <a:schemeClr val="accent1">
-        <a:tint val="50000"/>
-      </a:schemeClr>
-    </dgm:fillClrLst>
-    <dgm:linClrLst meth="repeat">
-      <a:schemeClr val="lt1"/>
-    </dgm:linClrLst>
-    <dgm:effectClrLst/>
-    <dgm:txLinClrLst/>
-    <dgm:txFillClrLst meth="repeat">
-      <a:schemeClr val="lt1"/>
-    </dgm:txFillClrLst>
-    <dgm:txEffectClrLst/>
-  </dgm:styleLbl>
-  <dgm:styleLbl name="bgImgPlace1">
-    <dgm:fillClrLst meth="repeat">
-      <a:schemeClr val="accent1">
-        <a:tint val="50000"/>
-      </a:schemeClr>
-    </dgm:fillClrLst>
-    <dgm:linClrLst meth="repeat">
-      <a:schemeClr val="lt1"/>
-    </dgm:linClrLst>
-    <dgm:effectClrLst/>
-    <dgm:txLinClrLst/>
-    <dgm:txFillClrLst meth="repeat">
-      <a:schemeClr val="lt1"/>
-    </dgm:txFillClrLst>
-    <dgm:txEffectClrLst/>
-  </dgm:styleLbl>
-  <dgm:styleLbl name="sibTrans2D1">
-    <dgm:fillClrLst meth="repeat">
-      <a:schemeClr val="accent1">
-        <a:tint val="60000"/>
-      </a:schemeClr>
-    </dgm:fillClrLst>
-    <dgm:linClrLst meth="repeat">
-      <a:schemeClr val="accent1">
-        <a:tint val="60000"/>
-      </a:schemeClr>
-    </dgm:linClrLst>
-    <dgm:effectClrLst/>
-    <dgm:txLinClrLst/>
-    <dgm:txFillClrLst/>
-    <dgm:txEffectClrLst/>
-  </dgm:styleLbl>
-  <dgm:styleLbl name="fgSibTrans2D1">
-    <dgm:fillClrLst meth="repeat">
-      <a:schemeClr val="accent1">
-        <a:tint val="60000"/>
-      </a:schemeClr>
-    </dgm:fillClrLst>
-    <dgm:linClrLst meth="repeat">
-      <a:schemeClr val="accent1">
-        <a:tint val="60000"/>
-      </a:schemeClr>
-    </dgm:linClrLst>
-    <dgm:effectClrLst/>
-    <dgm:txLinClrLst/>
-    <dgm:txFillClrLst/>
-    <dgm:txEffectClrLst/>
-  </dgm:styleLbl>
-  <dgm:styleLbl name="bgSibTrans2D1">
-    <dgm:fillClrLst meth="repeat">
-      <a:schemeClr val="accent1">
-        <a:tint val="60000"/>
-      </a:schemeClr>
-    </dgm:fillClrLst>
-    <dgm:linClrLst meth="repeat">
-      <a:schemeClr val="accent1">
-        <a:tint val="60000"/>
-      </a:schemeClr>
-    </dgm:linClrLst>
-    <dgm:effectClrLst/>
-    <dgm:txLinClrLst/>
-    <dgm:txFillClrLst/>
-    <dgm:txEffectClrLst/>
-  </dgm:styleLbl>
-  <dgm:styleLbl name="sibTrans1D1">
-    <dgm:fillClrLst meth="repeat">
-      <a:schemeClr val="accent1"/>
-    </dgm:fillClrLst>
-    <dgm:linClrLst meth="repeat">
-      <a:schemeClr val="accent1"/>
-    </dgm:linClrLst>
-    <dgm:effectClrLst/>
-    <dgm:txLinClrLst/>
-    <dgm:txFillClrLst meth="repeat">
-      <a:schemeClr val="tx1"/>
-    </dgm:txFillClrLst>
-    <dgm:txEffectClrLst/>
-  </dgm:styleLbl>
-  <dgm:styleLbl name="callout">
-    <dgm:fillClrLst meth="repeat">
-      <a:schemeClr val="accent1"/>
-    </dgm:fillClrLst>
-    <dgm:linClrLst meth="repeat">
-      <a:schemeClr val="accent1">
-        <a:tint val="50000"/>
-      </a:schemeClr>
-    </dgm:linClrLst>
-    <dgm:effectClrLst/>
-    <dgm:txLinClrLst/>
-    <dgm:txFillClrLst meth="repeat">
-      <a:schemeClr val="tx1"/>
-    </dgm:txFillClrLst>
-    <dgm:txEffectClrLst/>
-  </dgm:styleLbl>
-  <dgm:styleLbl name="asst0">
-    <dgm:fillClrLst meth="repeat">
-      <a:schemeClr val="accent1"/>
-    </dgm:fillClrLst>
-    <dgm:linClrLst meth="repeat">
-      <a:schemeClr val="lt1"/>
-    </dgm:linClrLst>
-    <dgm:effectClrLst/>
-    <dgm:txLinClrLst/>
-    <dgm:txFillClrLst/>
-    <dgm:txEffectClrLst/>
-  </dgm:styleLbl>
-  <dgm:styleLbl name="asst1">
-    <dgm:fillClrLst meth="repeat">
-      <a:schemeClr val="accent1"/>
-    </dgm:fillClrLst>
-    <dgm:linClrLst meth="repeat">
-      <a:schemeClr val="lt1"/>
-    </dgm:linClrLst>
-    <dgm:effectClrLst/>
-    <dgm:txLinClrLst/>
-    <dgm:txFillClrLst/>
-    <dgm:txEffectClrLst/>
-  </dgm:styleLbl>
-  <dgm:styleLbl name="asst2">
-    <dgm:fillClrLst meth="repeat">
-      <a:schemeClr val="accent1"/>
-    </dgm:fillClrLst>
-    <dgm:linClrLst meth="repeat">
-      <a:schemeClr val="lt1"/>
-    </dgm:linClrLst>
-    <dgm:effectClrLst/>
-    <dgm:txLinClrLst/>
-    <dgm:txFillClrLst/>
-    <dgm:txEffectClrLst/>
-  </dgm:styleLbl>
-  <dgm:styleLbl name="asst3">
-    <dgm:fillClrLst meth="repeat">
-      <a:schemeClr val="accent1"/>
-    </dgm:fillClrLst>
-    <dgm:linClrLst meth="repeat">
-      <a:schemeClr val="lt1"/>
-    </dgm:linClrLst>
-    <dgm:effectClrLst/>
-    <dgm:txLinClrLst/>
-    <dgm:txFillClrLst/>
-    <dgm:txEffectClrLst/>
-  </dgm:styleLbl>
-  <dgm:styleLbl name="asst4">
-    <dgm:fillClrLst meth="repeat">
-      <a:schemeClr val="accent1"/>
-    </dgm:fillClrLst>
-    <dgm:linClrLst meth="repeat">
-      <a:schemeClr val="lt1"/>
-    </dgm:linClrLst>
-    <dgm:effectClrLst/>
-    <dgm:txLinClrLst/>
-    <dgm:txFillClrLst/>
-    <dgm:txEffectClrLst/>
-  </dgm:styleLbl>
-  <dgm:styleLbl name="parChTrans2D1">
-    <dgm:fillClrLst meth="repeat">
-      <a:schemeClr val="accent1">
-        <a:tint val="60000"/>
-      </a:schemeClr>
-    </dgm:fillClrLst>
-    <dgm:linClrLst meth="repeat">
-      <a:schemeClr val="accent1">
-        <a:tint val="60000"/>
-      </a:schemeClr>
-    </dgm:linClrLst>
-    <dgm:effectClrLst/>
-    <dgm:txLinClrLst/>
-    <dgm:txFillClrLst meth="repeat">
-      <a:schemeClr val="lt1"/>
-    </dgm:txFillClrLst>
-    <dgm:txEffectClrLst/>
-  </dgm:styleLbl>
-  <dgm:styleLbl name="parChTrans2D2">
-    <dgm:fillClrLst meth="repeat">
-      <a:schemeClr val="accent1"/>
-    </dgm:fillClrLst>
-    <dgm:linClrLst meth="repeat">
-      <a:schemeClr val="accent1"/>
-    </dgm:linClrLst>
-    <dgm:effectClrLst/>
-    <dgm:txLinClrLst/>
-    <dgm:txFillClrLst meth="repeat">
-      <a:schemeClr val="lt1"/>
-    </dgm:txFillClrLst>
-    <dgm:txEffectClrLst/>
-  </dgm:styleLbl>
-  <dgm:styleLbl name="parChTrans2D3">
-    <dgm:fillClrLst meth="repeat">
-      <a:schemeClr val="accent1"/>
-    </dgm:fillClrLst>
-    <dgm:linClrLst meth="repeat">
-      <a:schemeClr val="accent1"/>
-    </dgm:linClrLst>
-    <dgm:effectClrLst/>
-    <dgm:txLinClrLst/>
-    <dgm:txFillClrLst meth="repeat">
-      <a:schemeClr val="lt1"/>
-    </dgm:txFillClrLst>
-    <dgm:txEffectClrLst/>
-  </dgm:styleLbl>
-  <dgm:styleLbl name="parChTrans2D4">
-    <dgm:fillClrLst meth="repeat">
-      <a:schemeClr val="accent1"/>
-    </dgm:fillClrLst>
-    <dgm:linClrLst meth="repeat">
-      <a:schemeClr val="accent1"/>
-    </dgm:linClrLst>
-    <dgm:effectClrLst/>
-    <dgm:txLinClrLst/>
-    <dgm:txFillClrLst meth="repeat">
-      <a:schemeClr val="lt1"/>
-    </dgm:txFillClrLst>
-    <dgm:txEffectClrLst/>
-  </dgm:styleLbl>
-  <dgm:styleLbl name="parChTrans1D1">
-    <dgm:fillClrLst meth="repeat">
-      <a:schemeClr val="accent1"/>
-    </dgm:fillClrLst>
-    <dgm:linClrLst meth="repeat">
-      <a:schemeClr val="accent1">
-        <a:shade val="60000"/>
-      </a:schemeClr>
-    </dgm:linClrLst>
-    <dgm:effectClrLst/>
-    <dgm:txLinClrLst/>
-    <dgm:txFillClrLst meth="repeat">
-      <a:schemeClr val="tx1"/>
-    </dgm:txFillClrLst>
-    <dgm:txEffectClrLst/>
-  </dgm:styleLbl>
-  <dgm:styleLbl name="parChTrans1D2">
-    <dgm:fillClrLst meth="repeat">
-      <a:schemeClr val="accent1"/>
-    </dgm:fillClrLst>
-    <dgm:linClrLst meth="repeat">
-      <a:schemeClr val="accent1">
-        <a:shade val="60000"/>
-      </a:schemeClr>
-    </dgm:linClrLst>
-    <dgm:effectClrLst/>
-    <dgm:txLinClrLst/>
-    <dgm:txFillClrLst meth="repeat">
-      <a:schemeClr val="tx1"/>
-    </dgm:txFillClrLst>
-    <dgm:txEffectClrLst/>
-  </dgm:styleLbl>
-  <dgm:styleLbl name="parChTrans1D3">
-    <dgm:fillClrLst meth="repeat">
-      <a:schemeClr val="accent1"/>
-    </dgm:fillClrLst>
-    <dgm:linClrLst meth="repeat">
-      <a:schemeClr val="accent1">
-        <a:shade val="80000"/>
-      </a:schemeClr>
-    </dgm:linClrLst>
-    <dgm:effectClrLst/>
-    <dgm:txLinClrLst/>
-    <dgm:txFillClrLst meth="repeat">
-      <a:schemeClr val="tx1"/>
-    </dgm:txFillClrLst>
-    <dgm:txEffectClrLst/>
-  </dgm:styleLbl>
-  <dgm:styleLbl name="parChTrans1D4">
-    <dgm:fillClrLst meth="repeat">
-      <a:schemeClr val="accent1"/>
-    </dgm:fillClrLst>
-    <dgm:linClrLst meth="repeat">
-      <a:schemeClr val="accent1">
-        <a:shade val="80000"/>
-      </a:schemeClr>
-    </dgm:linClrLst>
-    <dgm:effectClrLst/>
-    <dgm:txLinClrLst/>
-    <dgm:txFillClrLst meth="repeat">
-      <a:schemeClr val="tx1"/>
-    </dgm:txFillClrLst>
-    <dgm:txEffectClrLst/>
-  </dgm:styleLbl>
-  <dgm:styleLbl name="fgAcc1">
-    <dgm:fillClrLst meth="repeat">
-      <a:schemeClr val="lt1">
-        <a:alpha val="90000"/>
-      </a:schemeClr>
-    </dgm:fillClrLst>
-    <dgm:linClrLst meth="repeat">
-      <a:schemeClr val="accent1"/>
-    </dgm:linClrLst>
-    <dgm:effectClrLst/>
-    <dgm:txLinClrLst/>
-    <dgm:txFillClrLst meth="repeat">
-      <a:schemeClr val="dk1"/>
-    </dgm:txFillClrLst>
-    <dgm:txEffectClrLst/>
-  </dgm:styleLbl>
-  <dgm:styleLbl name="conFgAcc1">
-    <dgm:fillClrLst meth="repeat">
-      <a:schemeClr val="lt1">
-        <a:alpha val="90000"/>
-      </a:schemeClr>
-    </dgm:fillClrLst>
-    <dgm:linClrLst meth="repeat">
-      <a:schemeClr val="accent1"/>
-    </dgm:linClrLst>
-    <dgm:effectClrLst/>
-    <dgm:txLinClrLst/>
-    <dgm:txFillClrLst meth="repeat">
-      <a:schemeClr val="dk1"/>
-    </dgm:txFillClrLst>
-    <dgm:txEffectClrLst/>
-  </dgm:styleLbl>
-  <dgm:styleLbl name="alignAcc1">
-    <dgm:fillClrLst meth="repeat">
-      <a:schemeClr val="lt1">
-        <a:alpha val="90000"/>
-      </a:schemeClr>
-    </dgm:fillClrLst>
-    <dgm:linClrLst meth="repeat">
-      <a:schemeClr val="accent1"/>
-    </dgm:linClrLst>
-    <dgm:effectClrLst/>
-    <dgm:txLinClrLst/>
-    <dgm:txFillClrLst meth="repeat">
-      <a:schemeClr val="dk1"/>
-    </dgm:txFillClrLst>
-    <dgm:txEffectClrLst/>
-  </dgm:styleLbl>
-  <dgm:styleLbl name="trAlignAcc1">
-    <dgm:fillClrLst meth="repeat">
-      <a:schemeClr val="lt1">
-        <a:alpha val="40000"/>
-      </a:schemeClr>
-    </dgm:fillClrLst>
-    <dgm:linClrLst meth="repeat">
-      <a:schemeClr val="accent1"/>
-    </dgm:linClrLst>
-    <dgm:effectClrLst/>
-    <dgm:txLinClrLst/>
-    <dgm:txFillClrLst meth="repeat">
-      <a:schemeClr val="dk1"/>
-    </dgm:txFillClrLst>
-    <dgm:txEffectClrLst/>
-  </dgm:styleLbl>
-  <dgm:styleLbl name="bgAcc1">
-    <dgm:fillClrLst meth="repeat">
-      <a:schemeClr val="lt1">
-        <a:alpha val="90000"/>
-      </a:schemeClr>
-    </dgm:fillClrLst>
-    <dgm:linClrLst meth="repeat">
-      <a:schemeClr val="accent1"/>
-    </dgm:linClrLst>
-    <dgm:effectClrLst/>
-    <dgm:txLinClrLst/>
-    <dgm:txFillClrLst meth="repeat">
-      <a:schemeClr val="dk1"/>
-    </dgm:txFillClrLst>
-    <dgm:txEffectClrLst/>
-  </dgm:styleLbl>
-  <dgm:styleLbl name="solidFgAcc1">
-    <dgm:fillClrLst meth="repeat">
-      <a:schemeClr val="lt1"/>
-    </dgm:fillClrLst>
-    <dgm:linClrLst meth="repeat">
-      <a:schemeClr val="accent1"/>
-    </dgm:linClrLst>
-    <dgm:effectClrLst/>
-    <dgm:txLinClrLst/>
-    <dgm:txFillClrLst meth="repeat">
-      <a:schemeClr val="dk1"/>
-    </dgm:txFillClrLst>
-    <dgm:txEffectClrLst/>
-  </dgm:styleLbl>
-  <dgm:styleLbl name="solidAlignAcc1">
-    <dgm:fillClrLst meth="repeat">
-      <a:schemeClr val="lt1"/>
-    </dgm:fillClrLst>
-    <dgm:linClrLst meth="repeat">
-      <a:schemeClr val="accent1"/>
-    </dgm:linClrLst>
-    <dgm:effectClrLst/>
-    <dgm:txLinClrLst/>
-    <dgm:txFillClrLst meth="repeat">
-      <a:schemeClr val="dk1"/>
-    </dgm:txFillClrLst>
-    <dgm:txEffectClrLst/>
-  </dgm:styleLbl>
-  <dgm:styleLbl name="solidBgAcc1">
-    <dgm:fillClrLst meth="repeat">
-      <a:schemeClr val="lt1"/>
-    </dgm:fillClrLst>
-    <dgm:linClrLst meth="repeat">
-      <a:schemeClr val="accent1"/>
-    </dgm:linClrLst>
-    <dgm:effectClrLst/>
-    <dgm:txLinClrLst/>
-    <dgm:txFillClrLst meth="repeat">
-      <a:schemeClr val="dk1"/>
-    </dgm:txFillClrLst>
-    <dgm:txEffectClrLst/>
-  </dgm:styleLbl>
-  <dgm:styleLbl name="fgAccFollowNode1">
-    <dgm:fillClrLst meth="repeat">
-      <a:schemeClr val="accent1">
-        <a:alpha val="90000"/>
-        <a:tint val="40000"/>
-      </a:schemeClr>
-    </dgm:fillClrLst>
-    <dgm:linClrLst meth="repeat">
-      <a:schemeClr val="accent1">
-        <a:alpha val="90000"/>
-        <a:tint val="40000"/>
-      </a:schemeClr>
-    </dgm:linClrLst>
-    <dgm:effectClrLst/>
-    <dgm:txLinClrLst/>
-    <dgm:txFillClrLst meth="repeat">
-      <a:schemeClr val="dk1"/>
-    </dgm:txFillClrLst>
-    <dgm:txEffectClrLst/>
-  </dgm:styleLbl>
-  <dgm:styleLbl name="alignAccFollowNode1">
-    <dgm:fillClrLst meth="repeat">
-      <a:schemeClr val="accent1">
-        <a:alpha val="90000"/>
-        <a:tint val="40000"/>
-      </a:schemeClr>
-    </dgm:fillClrLst>
-    <dgm:linClrLst meth="repeat">
-      <a:schemeClr val="accent1">
-        <a:alpha val="90000"/>
-        <a:tint val="40000"/>
-      </a:schemeClr>
-    </dgm:linClrLst>
-    <dgm:effectClrLst/>
-    <dgm:txLinClrLst/>
-    <dgm:txFillClrLst meth="repeat">
-      <a:schemeClr val="dk1"/>
-    </dgm:txFillClrLst>
-    <dgm:txEffectClrLst/>
-  </dgm:styleLbl>
-  <dgm:styleLbl name="bgAccFollowNode1">
-    <dgm:fillClrLst meth="repeat">
-      <a:schemeClr val="accent1">
-        <a:alpha val="90000"/>
-        <a:tint val="40000"/>
-      </a:schemeClr>
-    </dgm:fillClrLst>
-    <dgm:linClrLst meth="repeat">
-      <a:schemeClr val="accent1">
-        <a:alpha val="90000"/>
-        <a:tint val="40000"/>
-      </a:schemeClr>
-    </dgm:linClrLst>
-    <dgm:effectClrLst/>
-    <dgm:txLinClrLst/>
-    <dgm:txFillClrLst meth="repeat">
-      <a:schemeClr val="dk1"/>
-    </dgm:txFillClrLst>
-    <dgm:txEffectClrLst/>
-  </dgm:styleLbl>
-  <dgm:styleLbl name="fgAcc0">
-    <dgm:fillClrLst meth="repeat">
-      <a:schemeClr val="lt1">
-        <a:alpha val="90000"/>
-      </a:schemeClr>
-    </dgm:fillClrLst>
-    <dgm:linClrLst meth="repeat">
-      <a:schemeClr val="accent1"/>
-    </dgm:linClrLst>
-    <dgm:effectClrLst/>
-    <dgm:txLinClrLst/>
-    <dgm:txFillClrLst meth="repeat">
-      <a:schemeClr val="dk1"/>
-    </dgm:txFillClrLst>
-    <dgm:txEffectClrLst/>
-  </dgm:styleLbl>
-  <dgm:styleLbl name="fgAcc2">
-    <dgm:fillClrLst meth="repeat">
-      <a:schemeClr val="lt1">
-        <a:alpha val="90000"/>
-      </a:schemeClr>
-    </dgm:fillClrLst>
-    <dgm:linClrLst meth="repeat">
-      <a:schemeClr val="accent1"/>
-    </dgm:linClrLst>
-    <dgm:effectClrLst/>
-    <dgm:txLinClrLst/>
-    <dgm:txFillClrLst meth="repeat">
-      <a:schemeClr val="dk1"/>
-    </dgm:txFillClrLst>
-    <dgm:txEffectClrLst/>
-  </dgm:styleLbl>
-  <dgm:styleLbl name="fgAcc3">
-    <dgm:fillClrLst meth="repeat">
-      <a:schemeClr val="lt1">
-        <a:alpha val="90000"/>
-      </a:schemeClr>
-    </dgm:fillClrLst>
-    <dgm:linClrLst meth="repeat">
-      <a:schemeClr val="accent1"/>
-    </dgm:linClrLst>
-    <dgm:effectClrLst/>
-    <dgm:txLinClrLst/>
-    <dgm:txFillClrLst meth="repeat">
-      <a:schemeClr val="dk1"/>
-    </dgm:txFillClrLst>
-    <dgm:txEffectClrLst/>
-  </dgm:styleLbl>
-  <dgm:styleLbl name="fgAcc4">
-    <dgm:fillClrLst meth="repeat">
-      <a:schemeClr val="lt1">
-        <a:alpha val="90000"/>
-      </a:schemeClr>
-    </dgm:fillClrLst>
-    <dgm:linClrLst meth="repeat">
-      <a:schemeClr val="accent1"/>
-    </dgm:linClrLst>
-    <dgm:effectClrLst/>
-    <dgm:txLinClrLst/>
-    <dgm:txFillClrLst meth="repeat">
-      <a:schemeClr val="dk1"/>
-    </dgm:txFillClrLst>
-    <dgm:txEffectClrLst/>
-  </dgm:styleLbl>
-  <dgm:styleLbl name="bgShp">
-    <dgm:fillClrLst meth="repeat">
-      <a:schemeClr val="accent1">
-        <a:tint val="40000"/>
-      </a:schemeClr>
-    </dgm:fillClrLst>
-    <dgm:linClrLst meth="repeat">
-      <a:schemeClr val="accent1"/>
-    </dgm:linClrLst>
-    <dgm:effectClrLst/>
-    <dgm:txLinClrLst/>
-    <dgm:txFillClrLst meth="repeat">
-      <a:schemeClr val="dk1"/>
-    </dgm:txFillClrLst>
-    <dgm:txEffectClrLst/>
-  </dgm:styleLbl>
-  <dgm:styleLbl name="dkBgShp">
-    <dgm:fillClrLst meth="repeat">
-      <a:schemeClr val="accent1">
-        <a:shade val="80000"/>
-      </a:schemeClr>
-    </dgm:fillClrLst>
-    <dgm:linClrLst meth="repeat">
-      <a:schemeClr val="accent1"/>
-    </dgm:linClrLst>
-    <dgm:effectClrLst/>
-    <dgm:txLinClrLst/>
-    <dgm:txFillClrLst meth="repeat">
-      <a:schemeClr val="lt1"/>
-    </dgm:txFillClrLst>
-    <dgm:txEffectClrLst/>
-  </dgm:styleLbl>
-  <dgm:styleLbl name="trBgShp">
-    <dgm:fillClrLst meth="repeat">
-      <a:schemeClr val="accent1">
-        <a:tint val="50000"/>
-        <a:alpha val="40000"/>
-      </a:schemeClr>
-    </dgm:fillClrLst>
-    <dgm:linClrLst meth="repeat">
-      <a:schemeClr val="accent1"/>
-    </dgm:linClrLst>
-    <dgm:effectClrLst/>
-    <dgm:txLinClrLst/>
-    <dgm:txFillClrLst meth="repeat">
-      <a:schemeClr val="lt1"/>
-    </dgm:txFillClrLst>
-    <dgm:txEffectClrLst/>
-  </dgm:styleLbl>
-  <dgm:styleLbl name="fgShp">
-    <dgm:fillClrLst meth="repeat">
-      <a:schemeClr val="accent1">
-        <a:tint val="60000"/>
-      </a:schemeClr>
-    </dgm:fillClrLst>
-    <dgm:linClrLst meth="repeat">
-      <a:schemeClr val="lt1"/>
-    </dgm:linClrLst>
-    <dgm:effectClrLst/>
-    <dgm:txLinClrLst/>
-    <dgm:txFillClrLst meth="repeat">
-      <a:schemeClr val="dk1"/>
-    </dgm:txFillClrLst>
-    <dgm:txEffectClrLst/>
-  </dgm:styleLbl>
-  <dgm:styleLbl name="revTx">
-    <dgm:fillClrLst meth="repeat">
-      <a:schemeClr val="lt1">
-        <a:alpha val="0"/>
-      </a:schemeClr>
-    </dgm:fillClrLst>
-    <dgm:linClrLst meth="repeat">
-      <a:schemeClr val="dk1">
-        <a:alpha val="0"/>
-      </a:schemeClr>
-    </dgm:linClrLst>
-    <dgm:effectClrLst/>
-    <dgm:txLinClrLst/>
-    <dgm:txFillClrLst meth="repeat">
-      <a:schemeClr val="tx1"/>
-    </dgm:txFillClrLst>
-    <dgm:txEffectClrLst/>
-  </dgm:styleLbl>
-</dgm:colorsDef>
-</file>
-
 <file path=ppt/diagrams/data1.xml><?xml version="1.0" encoding="utf-8"?>
 <dgm:dataModel xmlns:dgm="http://schemas.openxmlformats.org/drawingml/2006/diagram" xmlns:a="http://schemas.openxmlformats.org/drawingml/2006/main">
   <dgm:ptLst>
@@ -4699,7 +3208,11 @@
         <a:p>
           <a:r>
             <a:rPr lang="es-ES_tradnl" sz="1600" dirty="0" smtClean="0"/>
-            <a:t>Estado del Arte</a:t>
+            <a:t>Marco </a:t>
+          </a:r>
+          <a:r>
+            <a:rPr lang="es-ES_tradnl" sz="1600" dirty="0" err="1" smtClean="0"/>
+            <a:t>Teorico</a:t>
           </a:r>
           <a:endParaRPr lang="es-ES_tradnl" sz="1600" dirty="0"/>
         </a:p>
@@ -5424,8 +3937,8 @@
     <dgm:cxn modelId="{D4753516-E0A0-4E25-A518-4A0A4AC79885}" type="presOf" srcId="{EDE4D6DB-6713-4FBF-B4F8-B937784F83D6}" destId="{D36091E5-5420-4C08-9740-46E02AFC485C}" srcOrd="0" destOrd="2" presId="urn:microsoft.com/office/officeart/2005/8/layout/vList2"/>
     <dgm:cxn modelId="{926FF674-AC38-1541-8923-1B5C1C27175A}" type="presOf" srcId="{927CFBBD-7561-3441-9293-83FC6B8C6F6D}" destId="{CC70B8A7-1F3F-8C41-9594-C9064B821710}" srcOrd="0" destOrd="0" presId="urn:microsoft.com/office/officeart/2005/8/layout/vList2"/>
     <dgm:cxn modelId="{37BB0345-5E37-7F49-8C36-7169EFCE5C36}" srcId="{E0895953-413D-EA40-9010-D79FE0AB8E3F}" destId="{9B54C6BB-365F-954F-A75C-1806E798F7C3}" srcOrd="2" destOrd="0" parTransId="{61FCCB0A-1EF9-B34C-BA92-ACC707B372D4}" sibTransId="{E83B81BA-F0EA-6848-B3BA-BE831A3B8C3B}"/>
+    <dgm:cxn modelId="{C49C4BF9-8832-C344-9951-68A900E67F56}" type="presOf" srcId="{9B54C6BB-365F-954F-A75C-1806E798F7C3}" destId="{A33BF93F-4A22-BD47-B982-ED9E6DB595B6}" srcOrd="0" destOrd="2" presId="urn:microsoft.com/office/officeart/2005/8/layout/vList2"/>
     <dgm:cxn modelId="{EA88BF92-93A5-784D-AEE8-F56DEB8F67AC}" type="presOf" srcId="{406419E1-0FFF-354F-A0D0-2719B35FB9C6}" destId="{A33BF93F-4A22-BD47-B982-ED9E6DB595B6}" srcOrd="0" destOrd="0" presId="urn:microsoft.com/office/officeart/2005/8/layout/vList2"/>
-    <dgm:cxn modelId="{C49C4BF9-8832-C344-9951-68A900E67F56}" type="presOf" srcId="{9B54C6BB-365F-954F-A75C-1806E798F7C3}" destId="{A33BF93F-4A22-BD47-B982-ED9E6DB595B6}" srcOrd="0" destOrd="2" presId="urn:microsoft.com/office/officeart/2005/8/layout/vList2"/>
     <dgm:cxn modelId="{46DD0596-73A3-C245-9C46-B7FC61E35022}" type="presOf" srcId="{62D99AE4-E350-0C45-93C9-3C2E0D0B4208}" destId="{DBD3C224-E551-D240-AA2B-D1A316CE8069}" srcOrd="0" destOrd="0" presId="urn:microsoft.com/office/officeart/2005/8/layout/vList2"/>
     <dgm:cxn modelId="{3D5B008E-32A8-4A50-8443-DB9FC55892AF}" type="presOf" srcId="{7BB3C59E-4DA2-4EA2-B01D-479CBCC3E33B}" destId="{D36091E5-5420-4C08-9740-46E02AFC485C}" srcOrd="0" destOrd="3" presId="urn:microsoft.com/office/officeart/2005/8/layout/vList2"/>
     <dgm:cxn modelId="{9521986F-CA1E-4E92-9456-B91EEB046889}" srcId="{C18F7C84-1395-43AC-8526-FCD74B2FEACB}" destId="{689F8407-8502-44D3-9CB6-3F30C284DC89}" srcOrd="0" destOrd="0" parTransId="{BF90B063-8E5B-4099-AB8C-332DBE472534}" sibTransId="{4EA21741-C9D8-46D5-B525-CF0B8FAC2D95}"/>
@@ -5633,117 +4146,6 @@
         </a:p>
       </dgm:t>
     </dgm:pt>
-    <dgm:pt modelId="{96B75234-D76B-174D-9740-A26518A7FE40}">
-      <dgm:prSet phldrT="[Texto]" custT="1"/>
-      <dgm:spPr/>
-      <dgm:t>
-        <a:bodyPr/>
-        <a:lstStyle/>
-        <a:p>
-          <a:r>
-            <a:rPr lang="es-ES_tradnl" sz="2400" b="1" dirty="0" smtClean="0"/>
-            <a:t>Problemas encontrados </a:t>
-          </a:r>
-          <a:endParaRPr lang="es-ES_tradnl" sz="2400" b="1" dirty="0"/>
-        </a:p>
-      </dgm:t>
-    </dgm:pt>
-    <dgm:pt modelId="{E71C125F-01EB-CF47-8FE3-7FE4C88C054D}" type="parTrans" cxnId="{76195E20-7A90-2F48-8E5B-AB0E4BF4277C}">
-      <dgm:prSet/>
-      <dgm:spPr/>
-      <dgm:t>
-        <a:bodyPr/>
-        <a:lstStyle/>
-        <a:p>
-          <a:endParaRPr lang="es-ES_tradnl"/>
-        </a:p>
-      </dgm:t>
-    </dgm:pt>
-    <dgm:pt modelId="{2ED66174-39D3-1747-8125-9B96727717F8}" type="sibTrans" cxnId="{76195E20-7A90-2F48-8E5B-AB0E4BF4277C}">
-      <dgm:prSet/>
-      <dgm:spPr/>
-      <dgm:t>
-        <a:bodyPr/>
-        <a:lstStyle/>
-        <a:p>
-          <a:endParaRPr lang="es-ES_tradnl"/>
-        </a:p>
-      </dgm:t>
-    </dgm:pt>
-    <dgm:pt modelId="{276F7011-1D27-B644-B757-7CB205AE0D85}">
-      <dgm:prSet phldrT="[Texto]" custT="1"/>
-      <dgm:spPr/>
-      <dgm:t>
-        <a:bodyPr/>
-        <a:lstStyle/>
-        <a:p>
-          <a:r>
-            <a:rPr lang="es-ES_tradnl" sz="2400" dirty="0" smtClean="0"/>
-            <a:t>Seleccionar la tecnologías a utilizar</a:t>
-          </a:r>
-          <a:endParaRPr lang="es-ES_tradnl" sz="2400" dirty="0"/>
-        </a:p>
-      </dgm:t>
-    </dgm:pt>
-    <dgm:pt modelId="{65417372-67C8-0449-809E-932CD7D3A075}" type="parTrans" cxnId="{133C7637-D5E6-2C46-A02A-267577018F22}">
-      <dgm:prSet/>
-      <dgm:spPr/>
-      <dgm:t>
-        <a:bodyPr/>
-        <a:lstStyle/>
-        <a:p>
-          <a:endParaRPr lang="es-ES_tradnl"/>
-        </a:p>
-      </dgm:t>
-    </dgm:pt>
-    <dgm:pt modelId="{7423E876-EC27-C248-B18F-20432F16B5A6}" type="sibTrans" cxnId="{133C7637-D5E6-2C46-A02A-267577018F22}">
-      <dgm:prSet/>
-      <dgm:spPr/>
-      <dgm:t>
-        <a:bodyPr/>
-        <a:lstStyle/>
-        <a:p>
-          <a:endParaRPr lang="es-ES_tradnl"/>
-        </a:p>
-      </dgm:t>
-    </dgm:pt>
-    <dgm:pt modelId="{FB90B8AB-C5E6-8647-B183-9B6CB29B46F4}">
-      <dgm:prSet phldrT="[Texto]" custT="1"/>
-      <dgm:spPr/>
-      <dgm:t>
-        <a:bodyPr/>
-        <a:lstStyle/>
-        <a:p>
-          <a:r>
-            <a:rPr lang="es-ES_tradnl" sz="2400" b="1" dirty="0" smtClean="0"/>
-            <a:t>Aportes más importantes</a:t>
-          </a:r>
-          <a:endParaRPr lang="es-ES_tradnl" sz="2400" b="1" dirty="0"/>
-        </a:p>
-      </dgm:t>
-    </dgm:pt>
-    <dgm:pt modelId="{E9CD4B3D-CE3B-B84B-A084-D0BB6D985442}" type="parTrans" cxnId="{418340F2-196D-4D44-B68A-826AA913C0B1}">
-      <dgm:prSet/>
-      <dgm:spPr/>
-      <dgm:t>
-        <a:bodyPr/>
-        <a:lstStyle/>
-        <a:p>
-          <a:endParaRPr lang="es-ES_tradnl"/>
-        </a:p>
-      </dgm:t>
-    </dgm:pt>
-    <dgm:pt modelId="{3B8C62B7-7D5D-F543-807B-BE4B0613E0D2}" type="sibTrans" cxnId="{418340F2-196D-4D44-B68A-826AA913C0B1}">
-      <dgm:prSet/>
-      <dgm:spPr/>
-      <dgm:t>
-        <a:bodyPr/>
-        <a:lstStyle/>
-        <a:p>
-          <a:endParaRPr lang="es-ES_tradnl"/>
-        </a:p>
-      </dgm:t>
-    </dgm:pt>
     <dgm:pt modelId="{37281C8E-5E19-9443-B8CC-323D54BBAAC6}">
       <dgm:prSet phldrT="[Texto]" custT="1"/>
       <dgm:spPr/>
@@ -5826,43 +4228,6 @@
         </a:p>
       </dgm:t>
     </dgm:pt>
-    <dgm:pt modelId="{A9337B06-23F0-A84B-9210-20B537D8F04B}">
-      <dgm:prSet phldrT="[Texto]" custT="1"/>
-      <dgm:spPr/>
-      <dgm:t>
-        <a:bodyPr/>
-        <a:lstStyle/>
-        <a:p>
-          <a:r>
-            <a:rPr lang="es-ES_tradnl" sz="2400" b="1" dirty="0" smtClean="0"/>
-            <a:t>Temas pendientes</a:t>
-          </a:r>
-          <a:endParaRPr lang="es-ES_tradnl" sz="2400" b="1" dirty="0"/>
-        </a:p>
-      </dgm:t>
-    </dgm:pt>
-    <dgm:pt modelId="{738FC2B3-E74D-304B-A10C-044F7C6E42F2}" type="sibTrans" cxnId="{35C503A9-D7DF-0D47-AA26-DB2DDB121748}">
-      <dgm:prSet/>
-      <dgm:spPr/>
-      <dgm:t>
-        <a:bodyPr/>
-        <a:lstStyle/>
-        <a:p>
-          <a:endParaRPr lang="es-ES"/>
-        </a:p>
-      </dgm:t>
-    </dgm:pt>
-    <dgm:pt modelId="{AD321878-B6EF-D944-9914-E559CA2E69AA}" type="parTrans" cxnId="{35C503A9-D7DF-0D47-AA26-DB2DDB121748}">
-      <dgm:prSet/>
-      <dgm:spPr/>
-      <dgm:t>
-        <a:bodyPr/>
-        <a:lstStyle/>
-        <a:p>
-          <a:endParaRPr lang="es-ES"/>
-        </a:p>
-      </dgm:t>
-    </dgm:pt>
     <dgm:pt modelId="{93AD242E-5196-0644-B8AF-125C0C321C50}" type="pres">
       <dgm:prSet presAssocID="{927CFBBD-7561-3441-9293-83FC6B8C6F6D}" presName="linear" presStyleCnt="0">
         <dgm:presLayoutVars>
@@ -5880,7 +4245,7 @@
       </dgm:t>
     </dgm:pt>
     <dgm:pt modelId="{78C8E693-FE6C-6F46-8864-984326505708}" type="pres">
-      <dgm:prSet presAssocID="{E0895953-413D-EA40-9010-D79FE0AB8E3F}" presName="parentText" presStyleLbl="node1" presStyleIdx="0" presStyleCnt="1">
+      <dgm:prSet presAssocID="{E0895953-413D-EA40-9010-D79FE0AB8E3F}" presName="parentText" presStyleLbl="node1" presStyleIdx="0" presStyleCnt="1" custLinFactNeighborX="-1203" custLinFactNeighborY="-38594">
         <dgm:presLayoutVars>
           <dgm:chMax val="0"/>
           <dgm:bulletEnabled val="1"/>
@@ -5896,7 +4261,7 @@
       </dgm:t>
     </dgm:pt>
     <dgm:pt modelId="{8B14C782-AF89-0F47-9D34-C6D40538E8B7}" type="pres">
-      <dgm:prSet presAssocID="{E0895953-413D-EA40-9010-D79FE0AB8E3F}" presName="childText" presStyleLbl="revTx" presStyleIdx="0" presStyleCnt="1">
+      <dgm:prSet presAssocID="{E0895953-413D-EA40-9010-D79FE0AB8E3F}" presName="childText" presStyleLbl="revTx" presStyleIdx="0" presStyleCnt="1" custLinFactNeighborX="-602" custLinFactNeighborY="-59840">
         <dgm:presLayoutVars>
           <dgm:bulletEnabled val="1"/>
         </dgm:presLayoutVars>
@@ -5912,27 +4277,19 @@
     </dgm:pt>
   </dgm:ptLst>
   <dgm:cxnLst>
-    <dgm:cxn modelId="{1A718440-51F1-1A43-8E20-B4BB807B3425}" type="presOf" srcId="{0541EA34-580B-094F-B05A-74D64D7E8998}" destId="{8B14C782-AF89-0F47-9D34-C6D40538E8B7}" srcOrd="0" destOrd="2" presId="urn:microsoft.com/office/officeart/2005/8/layout/vList2"/>
-    <dgm:cxn modelId="{BB0F9B75-8687-EF48-A69D-BA755F0EE576}" type="presOf" srcId="{276F7011-1D27-B644-B757-7CB205AE0D85}" destId="{8B14C782-AF89-0F47-9D34-C6D40538E8B7}" srcOrd="0" destOrd="7" presId="urn:microsoft.com/office/officeart/2005/8/layout/vList2"/>
+    <dgm:cxn modelId="{2AEFB4CA-F6D0-6245-A2BE-60A2C2C16ABB}" srcId="{E0895953-413D-EA40-9010-D79FE0AB8E3F}" destId="{406419E1-0FFF-354F-A0D0-2719B35FB9C6}" srcOrd="0" destOrd="0" parTransId="{8AAFB291-E321-DB4D-B6D6-C650B0CD73D9}" sibTransId="{2839BF11-547B-AC46-B8F2-7C1E804CC372}"/>
+    <dgm:cxn modelId="{1E1FAA53-6646-E847-87EB-EA447A460F76}" srcId="{927CFBBD-7561-3441-9293-83FC6B8C6F6D}" destId="{E0895953-413D-EA40-9010-D79FE0AB8E3F}" srcOrd="0" destOrd="0" parTransId="{E1D4A0E2-3747-D64D-936F-93E38018B35F}" sibTransId="{E16724E5-1FA4-354F-9542-B610759A7E54}"/>
+    <dgm:cxn modelId="{6FA3700D-6A1E-0243-BECD-D84D389F9DF9}" srcId="{E38E36DC-8476-8648-95EA-7EC93365B916}" destId="{0541EA34-580B-094F-B05A-74D64D7E8998}" srcOrd="0" destOrd="0" parTransId="{CA7083C4-DA5B-2A46-8ADF-77F1100C837A}" sibTransId="{F3C38E9E-E99A-494F-BAD4-8E1514A66D35}"/>
+    <dgm:cxn modelId="{38418F25-9C62-A34D-B722-8FC154586176}" type="presOf" srcId="{406419E1-0FFF-354F-A0D0-2719B35FB9C6}" destId="{8B14C782-AF89-0F47-9D34-C6D40538E8B7}" srcOrd="0" destOrd="0" presId="urn:microsoft.com/office/officeart/2005/8/layout/vList2"/>
+    <dgm:cxn modelId="{13F6F8C7-36BD-5641-A020-C150A1A6FBF6}" type="presOf" srcId="{927CFBBD-7561-3441-9293-83FC6B8C6F6D}" destId="{93AD242E-5196-0644-B8AF-125C0C321C50}" srcOrd="0" destOrd="0" presId="urn:microsoft.com/office/officeart/2005/8/layout/vList2"/>
     <dgm:cxn modelId="{92F21B2D-0305-AB49-B26E-DB2C93F0900A}" type="presOf" srcId="{E0895953-413D-EA40-9010-D79FE0AB8E3F}" destId="{78C8E693-FE6C-6F46-8864-984326505708}" srcOrd="0" destOrd="0" presId="urn:microsoft.com/office/officeart/2005/8/layout/vList2"/>
     <dgm:cxn modelId="{8C9A3490-42A6-2445-8B03-1B939DBD088A}" srcId="{E38E36DC-8476-8648-95EA-7EC93365B916}" destId="{A8D0801F-EBE8-F948-81F1-CB703CE76717}" srcOrd="2" destOrd="0" parTransId="{BB491F28-DF63-D94D-95C6-263089F6EF21}" sibTransId="{C05A3788-5FF9-B348-B53F-C21BCDCB1AE5}"/>
-    <dgm:cxn modelId="{35C503A9-D7DF-0D47-AA26-DB2DDB121748}" srcId="{E0895953-413D-EA40-9010-D79FE0AB8E3F}" destId="{A9337B06-23F0-A84B-9210-20B537D8F04B}" srcOrd="4" destOrd="0" parTransId="{AD321878-B6EF-D944-9914-E559CA2E69AA}" sibTransId="{738FC2B3-E74D-304B-A10C-044F7C6E42F2}"/>
-    <dgm:cxn modelId="{1E1FAA53-6646-E847-87EB-EA447A460F76}" srcId="{927CFBBD-7561-3441-9293-83FC6B8C6F6D}" destId="{E0895953-413D-EA40-9010-D79FE0AB8E3F}" srcOrd="0" destOrd="0" parTransId="{E1D4A0E2-3747-D64D-936F-93E38018B35F}" sibTransId="{E16724E5-1FA4-354F-9542-B610759A7E54}"/>
+    <dgm:cxn modelId="{8A59AAF6-C36C-B24D-9715-DE5D94F8D180}" srcId="{E0895953-413D-EA40-9010-D79FE0AB8E3F}" destId="{E38E36DC-8476-8648-95EA-7EC93365B916}" srcOrd="1" destOrd="0" parTransId="{2E419D6C-5DFE-C94C-864E-B12C0008B28B}" sibTransId="{34FB6567-8C44-604A-83DA-200AC62F80AC}"/>
+    <dgm:cxn modelId="{1A718440-51F1-1A43-8E20-B4BB807B3425}" type="presOf" srcId="{0541EA34-580B-094F-B05A-74D64D7E8998}" destId="{8B14C782-AF89-0F47-9D34-C6D40538E8B7}" srcOrd="0" destOrd="2" presId="urn:microsoft.com/office/officeart/2005/8/layout/vList2"/>
+    <dgm:cxn modelId="{4C7C036C-620C-6349-A04B-4FCD8466C310}" type="presOf" srcId="{E38E36DC-8476-8648-95EA-7EC93365B916}" destId="{8B14C782-AF89-0F47-9D34-C6D40538E8B7}" srcOrd="0" destOrd="1" presId="urn:microsoft.com/office/officeart/2005/8/layout/vList2"/>
+    <dgm:cxn modelId="{0026D858-8D3B-3743-A25D-C75CC7FE741A}" type="presOf" srcId="{37281C8E-5E19-9443-B8CC-323D54BBAAC6}" destId="{8B14C782-AF89-0F47-9D34-C6D40538E8B7}" srcOrd="0" destOrd="3" presId="urn:microsoft.com/office/officeart/2005/8/layout/vList2"/>
     <dgm:cxn modelId="{CAFA082C-194C-D141-8D68-5F9B238EA13A}" srcId="{E38E36DC-8476-8648-95EA-7EC93365B916}" destId="{37281C8E-5E19-9443-B8CC-323D54BBAAC6}" srcOrd="1" destOrd="0" parTransId="{11BE7DA1-E3F1-CE49-B223-D7E8137B2DBE}" sibTransId="{228B2B64-9538-9446-BB39-C806072CD33A}"/>
-    <dgm:cxn modelId="{5D354E11-2AFE-2F4F-B849-A19C3BBE29D1}" type="presOf" srcId="{A9337B06-23F0-A84B-9210-20B537D8F04B}" destId="{8B14C782-AF89-0F47-9D34-C6D40538E8B7}" srcOrd="0" destOrd="8" presId="urn:microsoft.com/office/officeart/2005/8/layout/vList2"/>
-    <dgm:cxn modelId="{8A59AAF6-C36C-B24D-9715-DE5D94F8D180}" srcId="{E0895953-413D-EA40-9010-D79FE0AB8E3F}" destId="{E38E36DC-8476-8648-95EA-7EC93365B916}" srcOrd="1" destOrd="0" parTransId="{2E419D6C-5DFE-C94C-864E-B12C0008B28B}" sibTransId="{34FB6567-8C44-604A-83DA-200AC62F80AC}"/>
-    <dgm:cxn modelId="{13F6F8C7-36BD-5641-A020-C150A1A6FBF6}" type="presOf" srcId="{927CFBBD-7561-3441-9293-83FC6B8C6F6D}" destId="{93AD242E-5196-0644-B8AF-125C0C321C50}" srcOrd="0" destOrd="0" presId="urn:microsoft.com/office/officeart/2005/8/layout/vList2"/>
-    <dgm:cxn modelId="{7B756BC0-B6FF-A24F-84CE-AA241989419B}" type="presOf" srcId="{96B75234-D76B-174D-9740-A26518A7FE40}" destId="{8B14C782-AF89-0F47-9D34-C6D40538E8B7}" srcOrd="0" destOrd="6" presId="urn:microsoft.com/office/officeart/2005/8/layout/vList2"/>
-    <dgm:cxn modelId="{0026D858-8D3B-3743-A25D-C75CC7FE741A}" type="presOf" srcId="{37281C8E-5E19-9443-B8CC-323D54BBAAC6}" destId="{8B14C782-AF89-0F47-9D34-C6D40538E8B7}" srcOrd="0" destOrd="3" presId="urn:microsoft.com/office/officeart/2005/8/layout/vList2"/>
-    <dgm:cxn modelId="{BEB793A1-67D8-284D-A5C8-B56A7F2271EB}" type="presOf" srcId="{FB90B8AB-C5E6-8647-B183-9B6CB29B46F4}" destId="{8B14C782-AF89-0F47-9D34-C6D40538E8B7}" srcOrd="0" destOrd="5" presId="urn:microsoft.com/office/officeart/2005/8/layout/vList2"/>
-    <dgm:cxn modelId="{6FA3700D-6A1E-0243-BECD-D84D389F9DF9}" srcId="{E38E36DC-8476-8648-95EA-7EC93365B916}" destId="{0541EA34-580B-094F-B05A-74D64D7E8998}" srcOrd="0" destOrd="0" parTransId="{CA7083C4-DA5B-2A46-8ADF-77F1100C837A}" sibTransId="{F3C38E9E-E99A-494F-BAD4-8E1514A66D35}"/>
-    <dgm:cxn modelId="{418340F2-196D-4D44-B68A-826AA913C0B1}" srcId="{E0895953-413D-EA40-9010-D79FE0AB8E3F}" destId="{FB90B8AB-C5E6-8647-B183-9B6CB29B46F4}" srcOrd="2" destOrd="0" parTransId="{E9CD4B3D-CE3B-B84B-A084-D0BB6D985442}" sibTransId="{3B8C62B7-7D5D-F543-807B-BE4B0613E0D2}"/>
-    <dgm:cxn modelId="{76195E20-7A90-2F48-8E5B-AB0E4BF4277C}" srcId="{E0895953-413D-EA40-9010-D79FE0AB8E3F}" destId="{96B75234-D76B-174D-9740-A26518A7FE40}" srcOrd="3" destOrd="0" parTransId="{E71C125F-01EB-CF47-8FE3-7FE4C88C054D}" sibTransId="{2ED66174-39D3-1747-8125-9B96727717F8}"/>
-    <dgm:cxn modelId="{2AEFB4CA-F6D0-6245-A2BE-60A2C2C16ABB}" srcId="{E0895953-413D-EA40-9010-D79FE0AB8E3F}" destId="{406419E1-0FFF-354F-A0D0-2719B35FB9C6}" srcOrd="0" destOrd="0" parTransId="{8AAFB291-E321-DB4D-B6D6-C650B0CD73D9}" sibTransId="{2839BF11-547B-AC46-B8F2-7C1E804CC372}"/>
-    <dgm:cxn modelId="{4C7C036C-620C-6349-A04B-4FCD8466C310}" type="presOf" srcId="{E38E36DC-8476-8648-95EA-7EC93365B916}" destId="{8B14C782-AF89-0F47-9D34-C6D40538E8B7}" srcOrd="0" destOrd="1" presId="urn:microsoft.com/office/officeart/2005/8/layout/vList2"/>
     <dgm:cxn modelId="{4A4793A3-2D74-EC47-8B02-04B8AB17C376}" type="presOf" srcId="{A8D0801F-EBE8-F948-81F1-CB703CE76717}" destId="{8B14C782-AF89-0F47-9D34-C6D40538E8B7}" srcOrd="0" destOrd="4" presId="urn:microsoft.com/office/officeart/2005/8/layout/vList2"/>
-    <dgm:cxn modelId="{38418F25-9C62-A34D-B722-8FC154586176}" type="presOf" srcId="{406419E1-0FFF-354F-A0D0-2719B35FB9C6}" destId="{8B14C782-AF89-0F47-9D34-C6D40538E8B7}" srcOrd="0" destOrd="0" presId="urn:microsoft.com/office/officeart/2005/8/layout/vList2"/>
-    <dgm:cxn modelId="{133C7637-D5E6-2C46-A02A-267577018F22}" srcId="{96B75234-D76B-174D-9740-A26518A7FE40}" destId="{276F7011-1D27-B644-B757-7CB205AE0D85}" srcOrd="0" destOrd="0" parTransId="{65417372-67C8-0449-809E-932CD7D3A075}" sibTransId="{7423E876-EC27-C248-B18F-20432F16B5A6}"/>
     <dgm:cxn modelId="{533E2D37-B13C-7349-80FB-5847CDAECEE8}" type="presParOf" srcId="{93AD242E-5196-0644-B8AF-125C0C321C50}" destId="{78C8E693-FE6C-6F46-8864-984326505708}" srcOrd="0" destOrd="0" presId="urn:microsoft.com/office/officeart/2005/8/layout/vList2"/>
     <dgm:cxn modelId="{FD6124FF-EA5B-3449-B3C6-F0C9B8509E32}" type="presParOf" srcId="{93AD242E-5196-0644-B8AF-125C0C321C50}" destId="{8B14C782-AF89-0F47-9D34-C6D40538E8B7}" srcOrd="1" destOrd="0" presId="urn:microsoft.com/office/officeart/2005/8/layout/vList2"/>
   </dgm:cxnLst>
@@ -5947,714 +4304,6 @@
 </file>
 
 <file path=ppt/diagrams/data3.xml><?xml version="1.0" encoding="utf-8"?>
-<dgm:dataModel xmlns:dgm="http://schemas.openxmlformats.org/drawingml/2006/diagram" xmlns:a="http://schemas.openxmlformats.org/drawingml/2006/main">
-  <dgm:ptLst>
-    <dgm:pt modelId="{927CFBBD-7561-3441-9293-83FC6B8C6F6D}" type="doc">
-      <dgm:prSet loTypeId="urn:microsoft.com/office/officeart/2005/8/layout/vList2" loCatId="list" qsTypeId="urn:microsoft.com/office/officeart/2005/8/quickstyle/simple4" qsCatId="simple" csTypeId="urn:microsoft.com/office/officeart/2005/8/colors/accent1_2" csCatId="accent1" phldr="1"/>
-      <dgm:spPr/>
-      <dgm:t>
-        <a:bodyPr/>
-        <a:lstStyle/>
-        <a:p>
-          <a:endParaRPr lang="es-ES_tradnl"/>
-        </a:p>
-      </dgm:t>
-    </dgm:pt>
-    <dgm:pt modelId="{E0895953-413D-EA40-9010-D79FE0AB8E3F}">
-      <dgm:prSet phldrT="[Texto]" custT="1"/>
-      <dgm:spPr/>
-      <dgm:t>
-        <a:bodyPr/>
-        <a:lstStyle/>
-        <a:p>
-          <a:r>
-            <a:rPr lang="es-EC" sz="2400" b="1" dirty="0" smtClean="0"/>
-            <a:t>Vocabulario RDF para el desarrollo del WS</a:t>
-          </a:r>
-          <a:endParaRPr lang="es-ES_tradnl" sz="2400" b="1" dirty="0"/>
-        </a:p>
-      </dgm:t>
-    </dgm:pt>
-    <dgm:pt modelId="{E1D4A0E2-3747-D64D-936F-93E38018B35F}" type="parTrans" cxnId="{1E1FAA53-6646-E847-87EB-EA447A460F76}">
-      <dgm:prSet/>
-      <dgm:spPr/>
-      <dgm:t>
-        <a:bodyPr/>
-        <a:lstStyle/>
-        <a:p>
-          <a:endParaRPr lang="es-ES_tradnl"/>
-        </a:p>
-      </dgm:t>
-    </dgm:pt>
-    <dgm:pt modelId="{E16724E5-1FA4-354F-9542-B610759A7E54}" type="sibTrans" cxnId="{1E1FAA53-6646-E847-87EB-EA447A460F76}">
-      <dgm:prSet/>
-      <dgm:spPr/>
-      <dgm:t>
-        <a:bodyPr/>
-        <a:lstStyle/>
-        <a:p>
-          <a:endParaRPr lang="es-ES_tradnl" dirty="0"/>
-        </a:p>
-      </dgm:t>
-    </dgm:pt>
-    <dgm:pt modelId="{406419E1-0FFF-354F-A0D0-2719B35FB9C6}">
-      <dgm:prSet phldrT="[Texto]" custT="1"/>
-      <dgm:spPr/>
-      <dgm:t>
-        <a:bodyPr/>
-        <a:lstStyle/>
-        <a:p>
-          <a:r>
-            <a:rPr lang="es-ES_tradnl" sz="2400" smtClean="0"/>
-            <a:t>Definir Ontología y Vocabulario para descripción de Servicios Web</a:t>
-          </a:r>
-          <a:endParaRPr lang="es-ES_tradnl" sz="2400" dirty="0"/>
-        </a:p>
-      </dgm:t>
-    </dgm:pt>
-    <dgm:pt modelId="{8AAFB291-E321-DB4D-B6D6-C650B0CD73D9}" type="parTrans" cxnId="{2AEFB4CA-F6D0-6245-A2BE-60A2C2C16ABB}">
-      <dgm:prSet/>
-      <dgm:spPr/>
-      <dgm:t>
-        <a:bodyPr/>
-        <a:lstStyle/>
-        <a:p>
-          <a:endParaRPr lang="es-ES_tradnl"/>
-        </a:p>
-      </dgm:t>
-    </dgm:pt>
-    <dgm:pt modelId="{2839BF11-547B-AC46-B8F2-7C1E804CC372}" type="sibTrans" cxnId="{2AEFB4CA-F6D0-6245-A2BE-60A2C2C16ABB}">
-      <dgm:prSet/>
-      <dgm:spPr/>
-      <dgm:t>
-        <a:bodyPr/>
-        <a:lstStyle/>
-        <a:p>
-          <a:endParaRPr lang="es-ES_tradnl"/>
-        </a:p>
-      </dgm:t>
-    </dgm:pt>
-    <dgm:pt modelId="{E38E36DC-8476-8648-95EA-7EC93365B916}">
-      <dgm:prSet phldrT="[Texto]" custT="1"/>
-      <dgm:spPr/>
-      <dgm:t>
-        <a:bodyPr/>
-        <a:lstStyle/>
-        <a:p>
-          <a:r>
-            <a:rPr lang="es-ES_tradnl" sz="2400" b="1" dirty="0" smtClean="0"/>
-            <a:t>Entregables:</a:t>
-          </a:r>
-          <a:r>
-            <a:rPr lang="es-ES_tradnl" sz="2400" dirty="0" smtClean="0"/>
-            <a:t>	</a:t>
-          </a:r>
-          <a:endParaRPr lang="es-ES_tradnl" sz="2400" dirty="0"/>
-        </a:p>
-      </dgm:t>
-    </dgm:pt>
-    <dgm:pt modelId="{2E419D6C-5DFE-C94C-864E-B12C0008B28B}" type="parTrans" cxnId="{8A59AAF6-C36C-B24D-9715-DE5D94F8D180}">
-      <dgm:prSet/>
-      <dgm:spPr/>
-      <dgm:t>
-        <a:bodyPr/>
-        <a:lstStyle/>
-        <a:p>
-          <a:endParaRPr lang="es-ES_tradnl"/>
-        </a:p>
-      </dgm:t>
-    </dgm:pt>
-    <dgm:pt modelId="{34FB6567-8C44-604A-83DA-200AC62F80AC}" type="sibTrans" cxnId="{8A59AAF6-C36C-B24D-9715-DE5D94F8D180}">
-      <dgm:prSet/>
-      <dgm:spPr/>
-      <dgm:t>
-        <a:bodyPr/>
-        <a:lstStyle/>
-        <a:p>
-          <a:endParaRPr lang="es-ES_tradnl"/>
-        </a:p>
-      </dgm:t>
-    </dgm:pt>
-    <dgm:pt modelId="{0541EA34-580B-094F-B05A-74D64D7E8998}">
-      <dgm:prSet phldrT="[Texto]" custT="1"/>
-      <dgm:spPr/>
-      <dgm:t>
-        <a:bodyPr/>
-        <a:lstStyle/>
-        <a:p>
-          <a:r>
-            <a:rPr lang="es-ES_tradnl" sz="2400" dirty="0" smtClean="0"/>
-            <a:t>Ontología y Vocabulario para descripción de Servicios Web</a:t>
-          </a:r>
-          <a:endParaRPr lang="es-ES_tradnl" sz="2400" dirty="0"/>
-        </a:p>
-      </dgm:t>
-    </dgm:pt>
-    <dgm:pt modelId="{CA7083C4-DA5B-2A46-8ADF-77F1100C837A}" type="parTrans" cxnId="{6FA3700D-6A1E-0243-BECD-D84D389F9DF9}">
-      <dgm:prSet/>
-      <dgm:spPr/>
-      <dgm:t>
-        <a:bodyPr/>
-        <a:lstStyle/>
-        <a:p>
-          <a:endParaRPr lang="es-ES_tradnl"/>
-        </a:p>
-      </dgm:t>
-    </dgm:pt>
-    <dgm:pt modelId="{F3C38E9E-E99A-494F-BAD4-8E1514A66D35}" type="sibTrans" cxnId="{6FA3700D-6A1E-0243-BECD-D84D389F9DF9}">
-      <dgm:prSet/>
-      <dgm:spPr/>
-      <dgm:t>
-        <a:bodyPr/>
-        <a:lstStyle/>
-        <a:p>
-          <a:endParaRPr lang="es-ES_tradnl"/>
-        </a:p>
-      </dgm:t>
-    </dgm:pt>
-    <dgm:pt modelId="{96B75234-D76B-174D-9740-A26518A7FE40}">
-      <dgm:prSet phldrT="[Texto]" custT="1"/>
-      <dgm:spPr/>
-      <dgm:t>
-        <a:bodyPr/>
-        <a:lstStyle/>
-        <a:p>
-          <a:r>
-            <a:rPr lang="es-ES_tradnl" sz="2400" b="1" dirty="0" smtClean="0"/>
-            <a:t>Problemas encontrados </a:t>
-          </a:r>
-          <a:endParaRPr lang="es-ES_tradnl" sz="2400" b="1" dirty="0"/>
-        </a:p>
-      </dgm:t>
-    </dgm:pt>
-    <dgm:pt modelId="{E71C125F-01EB-CF47-8FE3-7FE4C88C054D}" type="parTrans" cxnId="{76195E20-7A90-2F48-8E5B-AB0E4BF4277C}">
-      <dgm:prSet/>
-      <dgm:spPr/>
-      <dgm:t>
-        <a:bodyPr/>
-        <a:lstStyle/>
-        <a:p>
-          <a:endParaRPr lang="es-ES_tradnl"/>
-        </a:p>
-      </dgm:t>
-    </dgm:pt>
-    <dgm:pt modelId="{2ED66174-39D3-1747-8125-9B96727717F8}" type="sibTrans" cxnId="{76195E20-7A90-2F48-8E5B-AB0E4BF4277C}">
-      <dgm:prSet/>
-      <dgm:spPr/>
-      <dgm:t>
-        <a:bodyPr/>
-        <a:lstStyle/>
-        <a:p>
-          <a:endParaRPr lang="es-ES_tradnl"/>
-        </a:p>
-      </dgm:t>
-    </dgm:pt>
-    <dgm:pt modelId="{FB90B8AB-C5E6-8647-B183-9B6CB29B46F4}">
-      <dgm:prSet phldrT="[Texto]" custT="1"/>
-      <dgm:spPr/>
-      <dgm:t>
-        <a:bodyPr/>
-        <a:lstStyle/>
-        <a:p>
-          <a:r>
-            <a:rPr lang="es-ES_tradnl" sz="2400" b="1" dirty="0" smtClean="0"/>
-            <a:t>Aportes más importantes</a:t>
-          </a:r>
-          <a:endParaRPr lang="es-ES_tradnl" sz="2400" b="1" dirty="0"/>
-        </a:p>
-      </dgm:t>
-    </dgm:pt>
-    <dgm:pt modelId="{E9CD4B3D-CE3B-B84B-A084-D0BB6D985442}" type="parTrans" cxnId="{418340F2-196D-4D44-B68A-826AA913C0B1}">
-      <dgm:prSet/>
-      <dgm:spPr/>
-      <dgm:t>
-        <a:bodyPr/>
-        <a:lstStyle/>
-        <a:p>
-          <a:endParaRPr lang="es-ES_tradnl"/>
-        </a:p>
-      </dgm:t>
-    </dgm:pt>
-    <dgm:pt modelId="{3B8C62B7-7D5D-F543-807B-BE4B0613E0D2}" type="sibTrans" cxnId="{418340F2-196D-4D44-B68A-826AA913C0B1}">
-      <dgm:prSet/>
-      <dgm:spPr/>
-      <dgm:t>
-        <a:bodyPr/>
-        <a:lstStyle/>
-        <a:p>
-          <a:endParaRPr lang="es-ES_tradnl"/>
-        </a:p>
-      </dgm:t>
-    </dgm:pt>
-    <dgm:pt modelId="{A9337B06-23F0-A84B-9210-20B537D8F04B}">
-      <dgm:prSet phldrT="[Texto]" custT="1"/>
-      <dgm:spPr/>
-      <dgm:t>
-        <a:bodyPr/>
-        <a:lstStyle/>
-        <a:p>
-          <a:r>
-            <a:rPr lang="es-ES_tradnl" sz="2400" b="1" dirty="0" smtClean="0"/>
-            <a:t>Temas pendientes</a:t>
-          </a:r>
-          <a:endParaRPr lang="es-ES_tradnl" sz="2400" b="1" dirty="0"/>
-        </a:p>
-      </dgm:t>
-    </dgm:pt>
-    <dgm:pt modelId="{AD321878-B6EF-D944-9914-E559CA2E69AA}" type="parTrans" cxnId="{35C503A9-D7DF-0D47-AA26-DB2DDB121748}">
-      <dgm:prSet/>
-      <dgm:spPr/>
-      <dgm:t>
-        <a:bodyPr/>
-        <a:lstStyle/>
-        <a:p>
-          <a:endParaRPr lang="es-ES"/>
-        </a:p>
-      </dgm:t>
-    </dgm:pt>
-    <dgm:pt modelId="{738FC2B3-E74D-304B-A10C-044F7C6E42F2}" type="sibTrans" cxnId="{35C503A9-D7DF-0D47-AA26-DB2DDB121748}">
-      <dgm:prSet/>
-      <dgm:spPr/>
-      <dgm:t>
-        <a:bodyPr/>
-        <a:lstStyle/>
-        <a:p>
-          <a:endParaRPr lang="es-ES"/>
-        </a:p>
-      </dgm:t>
-    </dgm:pt>
-    <dgm:pt modelId="{93AD242E-5196-0644-B8AF-125C0C321C50}" type="pres">
-      <dgm:prSet presAssocID="{927CFBBD-7561-3441-9293-83FC6B8C6F6D}" presName="linear" presStyleCnt="0">
-        <dgm:presLayoutVars>
-          <dgm:animLvl val="lvl"/>
-          <dgm:resizeHandles val="exact"/>
-        </dgm:presLayoutVars>
-      </dgm:prSet>
-      <dgm:spPr/>
-      <dgm:t>
-        <a:bodyPr/>
-        <a:lstStyle/>
-        <a:p>
-          <a:endParaRPr lang="es-ES_tradnl"/>
-        </a:p>
-      </dgm:t>
-    </dgm:pt>
-    <dgm:pt modelId="{78C8E693-FE6C-6F46-8864-984326505708}" type="pres">
-      <dgm:prSet presAssocID="{E0895953-413D-EA40-9010-D79FE0AB8E3F}" presName="parentText" presStyleLbl="node1" presStyleIdx="0" presStyleCnt="1">
-        <dgm:presLayoutVars>
-          <dgm:chMax val="0"/>
-          <dgm:bulletEnabled val="1"/>
-        </dgm:presLayoutVars>
-      </dgm:prSet>
-      <dgm:spPr/>
-      <dgm:t>
-        <a:bodyPr/>
-        <a:lstStyle/>
-        <a:p>
-          <a:endParaRPr lang="es-ES_tradnl"/>
-        </a:p>
-      </dgm:t>
-    </dgm:pt>
-    <dgm:pt modelId="{8B14C782-AF89-0F47-9D34-C6D40538E8B7}" type="pres">
-      <dgm:prSet presAssocID="{E0895953-413D-EA40-9010-D79FE0AB8E3F}" presName="childText" presStyleLbl="revTx" presStyleIdx="0" presStyleCnt="1">
-        <dgm:presLayoutVars>
-          <dgm:bulletEnabled val="1"/>
-        </dgm:presLayoutVars>
-      </dgm:prSet>
-      <dgm:spPr/>
-      <dgm:t>
-        <a:bodyPr/>
-        <a:lstStyle/>
-        <a:p>
-          <a:endParaRPr lang="es-ES_tradnl"/>
-        </a:p>
-      </dgm:t>
-    </dgm:pt>
-  </dgm:ptLst>
-  <dgm:cxnLst>
-    <dgm:cxn modelId="{E8230494-824E-E04E-97D5-0485A04C19E8}" type="presOf" srcId="{E38E36DC-8476-8648-95EA-7EC93365B916}" destId="{8B14C782-AF89-0F47-9D34-C6D40538E8B7}" srcOrd="0" destOrd="1" presId="urn:microsoft.com/office/officeart/2005/8/layout/vList2"/>
-    <dgm:cxn modelId="{35C503A9-D7DF-0D47-AA26-DB2DDB121748}" srcId="{E0895953-413D-EA40-9010-D79FE0AB8E3F}" destId="{A9337B06-23F0-A84B-9210-20B537D8F04B}" srcOrd="4" destOrd="0" parTransId="{AD321878-B6EF-D944-9914-E559CA2E69AA}" sibTransId="{738FC2B3-E74D-304B-A10C-044F7C6E42F2}"/>
-    <dgm:cxn modelId="{2AEFB4CA-F6D0-6245-A2BE-60A2C2C16ABB}" srcId="{E0895953-413D-EA40-9010-D79FE0AB8E3F}" destId="{406419E1-0FFF-354F-A0D0-2719B35FB9C6}" srcOrd="0" destOrd="0" parTransId="{8AAFB291-E321-DB4D-B6D6-C650B0CD73D9}" sibTransId="{2839BF11-547B-AC46-B8F2-7C1E804CC372}"/>
-    <dgm:cxn modelId="{1E1FAA53-6646-E847-87EB-EA447A460F76}" srcId="{927CFBBD-7561-3441-9293-83FC6B8C6F6D}" destId="{E0895953-413D-EA40-9010-D79FE0AB8E3F}" srcOrd="0" destOrd="0" parTransId="{E1D4A0E2-3747-D64D-936F-93E38018B35F}" sibTransId="{E16724E5-1FA4-354F-9542-B610759A7E54}"/>
-    <dgm:cxn modelId="{2FA621F8-E89B-A345-979F-8DBABEB72A17}" type="presOf" srcId="{E0895953-413D-EA40-9010-D79FE0AB8E3F}" destId="{78C8E693-FE6C-6F46-8864-984326505708}" srcOrd="0" destOrd="0" presId="urn:microsoft.com/office/officeart/2005/8/layout/vList2"/>
-    <dgm:cxn modelId="{6FA3700D-6A1E-0243-BECD-D84D389F9DF9}" srcId="{E38E36DC-8476-8648-95EA-7EC93365B916}" destId="{0541EA34-580B-094F-B05A-74D64D7E8998}" srcOrd="0" destOrd="0" parTransId="{CA7083C4-DA5B-2A46-8ADF-77F1100C837A}" sibTransId="{F3C38E9E-E99A-494F-BAD4-8E1514A66D35}"/>
-    <dgm:cxn modelId="{8EB276C8-02F4-234F-BEA3-E0393A092D3A}" type="presOf" srcId="{0541EA34-580B-094F-B05A-74D64D7E8998}" destId="{8B14C782-AF89-0F47-9D34-C6D40538E8B7}" srcOrd="0" destOrd="2" presId="urn:microsoft.com/office/officeart/2005/8/layout/vList2"/>
-    <dgm:cxn modelId="{418340F2-196D-4D44-B68A-826AA913C0B1}" srcId="{E0895953-413D-EA40-9010-D79FE0AB8E3F}" destId="{FB90B8AB-C5E6-8647-B183-9B6CB29B46F4}" srcOrd="2" destOrd="0" parTransId="{E9CD4B3D-CE3B-B84B-A084-D0BB6D985442}" sibTransId="{3B8C62B7-7D5D-F543-807B-BE4B0613E0D2}"/>
-    <dgm:cxn modelId="{ADE9DE4C-BBE2-8F47-A2F0-0B2A727F43B3}" type="presOf" srcId="{927CFBBD-7561-3441-9293-83FC6B8C6F6D}" destId="{93AD242E-5196-0644-B8AF-125C0C321C50}" srcOrd="0" destOrd="0" presId="urn:microsoft.com/office/officeart/2005/8/layout/vList2"/>
-    <dgm:cxn modelId="{74FBB693-90E1-7B4C-94B0-BC8278799303}" type="presOf" srcId="{406419E1-0FFF-354F-A0D0-2719B35FB9C6}" destId="{8B14C782-AF89-0F47-9D34-C6D40538E8B7}" srcOrd="0" destOrd="0" presId="urn:microsoft.com/office/officeart/2005/8/layout/vList2"/>
-    <dgm:cxn modelId="{8A59AAF6-C36C-B24D-9715-DE5D94F8D180}" srcId="{E0895953-413D-EA40-9010-D79FE0AB8E3F}" destId="{E38E36DC-8476-8648-95EA-7EC93365B916}" srcOrd="1" destOrd="0" parTransId="{2E419D6C-5DFE-C94C-864E-B12C0008B28B}" sibTransId="{34FB6567-8C44-604A-83DA-200AC62F80AC}"/>
-    <dgm:cxn modelId="{D3EF84D7-E590-884B-9117-65F20025044F}" type="presOf" srcId="{A9337B06-23F0-A84B-9210-20B537D8F04B}" destId="{8B14C782-AF89-0F47-9D34-C6D40538E8B7}" srcOrd="0" destOrd="5" presId="urn:microsoft.com/office/officeart/2005/8/layout/vList2"/>
-    <dgm:cxn modelId="{F124F628-D502-044B-B3C1-C61CC6BCEF62}" type="presOf" srcId="{FB90B8AB-C5E6-8647-B183-9B6CB29B46F4}" destId="{8B14C782-AF89-0F47-9D34-C6D40538E8B7}" srcOrd="0" destOrd="3" presId="urn:microsoft.com/office/officeart/2005/8/layout/vList2"/>
-    <dgm:cxn modelId="{C21438FD-64AF-6248-89DF-C9ABD097B511}" type="presOf" srcId="{96B75234-D76B-174D-9740-A26518A7FE40}" destId="{8B14C782-AF89-0F47-9D34-C6D40538E8B7}" srcOrd="0" destOrd="4" presId="urn:microsoft.com/office/officeart/2005/8/layout/vList2"/>
-    <dgm:cxn modelId="{76195E20-7A90-2F48-8E5B-AB0E4BF4277C}" srcId="{E0895953-413D-EA40-9010-D79FE0AB8E3F}" destId="{96B75234-D76B-174D-9740-A26518A7FE40}" srcOrd="3" destOrd="0" parTransId="{E71C125F-01EB-CF47-8FE3-7FE4C88C054D}" sibTransId="{2ED66174-39D3-1747-8125-9B96727717F8}"/>
-    <dgm:cxn modelId="{438399FA-A989-604C-837C-90D8D456A8C9}" type="presParOf" srcId="{93AD242E-5196-0644-B8AF-125C0C321C50}" destId="{78C8E693-FE6C-6F46-8864-984326505708}" srcOrd="0" destOrd="0" presId="urn:microsoft.com/office/officeart/2005/8/layout/vList2"/>
-    <dgm:cxn modelId="{63FD3EB1-D1B9-7444-A51D-B1359E4E54CB}" type="presParOf" srcId="{93AD242E-5196-0644-B8AF-125C0C321C50}" destId="{8B14C782-AF89-0F47-9D34-C6D40538E8B7}" srcOrd="1" destOrd="0" presId="urn:microsoft.com/office/officeart/2005/8/layout/vList2"/>
-  </dgm:cxnLst>
-  <dgm:bg/>
-  <dgm:whole/>
-  <dgm:extLst>
-    <a:ext uri="http://schemas.microsoft.com/office/drawing/2008/diagram">
-      <dsp:dataModelExt xmlns:dsp="http://schemas.microsoft.com/office/drawing/2008/diagram" relId="rId6" minVer="http://schemas.openxmlformats.org/drawingml/2006/diagram"/>
-    </a:ext>
-  </dgm:extLst>
-</dgm:dataModel>
-</file>
-
-<file path=ppt/diagrams/data4.xml><?xml version="1.0" encoding="utf-8"?>
-<dgm:dataModel xmlns:dgm="http://schemas.openxmlformats.org/drawingml/2006/diagram" xmlns:a="http://schemas.openxmlformats.org/drawingml/2006/main">
-  <dgm:ptLst>
-    <dgm:pt modelId="{927CFBBD-7561-3441-9293-83FC6B8C6F6D}" type="doc">
-      <dgm:prSet loTypeId="urn:microsoft.com/office/officeart/2005/8/layout/vList2" loCatId="list" qsTypeId="urn:microsoft.com/office/officeart/2005/8/quickstyle/simple4" qsCatId="simple" csTypeId="urn:microsoft.com/office/officeart/2005/8/colors/accent1_2" csCatId="accent1" phldr="1"/>
-      <dgm:spPr/>
-      <dgm:t>
-        <a:bodyPr/>
-        <a:lstStyle/>
-        <a:p>
-          <a:endParaRPr lang="es-ES_tradnl"/>
-        </a:p>
-      </dgm:t>
-    </dgm:pt>
-    <dgm:pt modelId="{E0895953-413D-EA40-9010-D79FE0AB8E3F}">
-      <dgm:prSet phldrT="[Texto]" custT="1"/>
-      <dgm:spPr/>
-      <dgm:t>
-        <a:bodyPr/>
-        <a:lstStyle/>
-        <a:p>
-          <a:r>
-            <a:rPr lang="es-EC" sz="2400" b="1" dirty="0" smtClean="0"/>
-            <a:t>Base de Conocimiento</a:t>
-          </a:r>
-          <a:endParaRPr lang="es-ES_tradnl" sz="2400" b="1" dirty="0"/>
-        </a:p>
-      </dgm:t>
-    </dgm:pt>
-    <dgm:pt modelId="{E1D4A0E2-3747-D64D-936F-93E38018B35F}" type="parTrans" cxnId="{1E1FAA53-6646-E847-87EB-EA447A460F76}">
-      <dgm:prSet/>
-      <dgm:spPr/>
-      <dgm:t>
-        <a:bodyPr/>
-        <a:lstStyle/>
-        <a:p>
-          <a:endParaRPr lang="es-ES_tradnl"/>
-        </a:p>
-      </dgm:t>
-    </dgm:pt>
-    <dgm:pt modelId="{E16724E5-1FA4-354F-9542-B610759A7E54}" type="sibTrans" cxnId="{1E1FAA53-6646-E847-87EB-EA447A460F76}">
-      <dgm:prSet/>
-      <dgm:spPr/>
-      <dgm:t>
-        <a:bodyPr/>
-        <a:lstStyle/>
-        <a:p>
-          <a:endParaRPr lang="es-ES_tradnl" dirty="0"/>
-        </a:p>
-      </dgm:t>
-    </dgm:pt>
-    <dgm:pt modelId="{406419E1-0FFF-354F-A0D0-2719B35FB9C6}">
-      <dgm:prSet phldrT="[Texto]" custT="1"/>
-      <dgm:spPr/>
-      <dgm:t>
-        <a:bodyPr/>
-        <a:lstStyle/>
-        <a:p>
-          <a:r>
-            <a:rPr lang="es-ES_tradnl" sz="2400" dirty="0" smtClean="0"/>
-            <a:t>Ingrese descripción de la fase con su objetivo  </a:t>
-          </a:r>
-          <a:endParaRPr lang="es-ES_tradnl" sz="2400" dirty="0"/>
-        </a:p>
-      </dgm:t>
-    </dgm:pt>
-    <dgm:pt modelId="{8AAFB291-E321-DB4D-B6D6-C650B0CD73D9}" type="parTrans" cxnId="{2AEFB4CA-F6D0-6245-A2BE-60A2C2C16ABB}">
-      <dgm:prSet/>
-      <dgm:spPr/>
-      <dgm:t>
-        <a:bodyPr/>
-        <a:lstStyle/>
-        <a:p>
-          <a:endParaRPr lang="es-ES_tradnl"/>
-        </a:p>
-      </dgm:t>
-    </dgm:pt>
-    <dgm:pt modelId="{2839BF11-547B-AC46-B8F2-7C1E804CC372}" type="sibTrans" cxnId="{2AEFB4CA-F6D0-6245-A2BE-60A2C2C16ABB}">
-      <dgm:prSet/>
-      <dgm:spPr/>
-      <dgm:t>
-        <a:bodyPr/>
-        <a:lstStyle/>
-        <a:p>
-          <a:endParaRPr lang="es-ES_tradnl"/>
-        </a:p>
-      </dgm:t>
-    </dgm:pt>
-    <dgm:pt modelId="{E38E36DC-8476-8648-95EA-7EC93365B916}">
-      <dgm:prSet phldrT="[Texto]" custT="1"/>
-      <dgm:spPr/>
-      <dgm:t>
-        <a:bodyPr/>
-        <a:lstStyle/>
-        <a:p>
-          <a:r>
-            <a:rPr lang="es-ES_tradnl" sz="2400" b="1" dirty="0" smtClean="0"/>
-            <a:t>Entregables:</a:t>
-          </a:r>
-          <a:r>
-            <a:rPr lang="es-ES_tradnl" sz="2400" dirty="0" smtClean="0"/>
-            <a:t>	</a:t>
-          </a:r>
-          <a:endParaRPr lang="es-ES_tradnl" sz="2400" dirty="0"/>
-        </a:p>
-      </dgm:t>
-    </dgm:pt>
-    <dgm:pt modelId="{2E419D6C-5DFE-C94C-864E-B12C0008B28B}" type="parTrans" cxnId="{8A59AAF6-C36C-B24D-9715-DE5D94F8D180}">
-      <dgm:prSet/>
-      <dgm:spPr/>
-      <dgm:t>
-        <a:bodyPr/>
-        <a:lstStyle/>
-        <a:p>
-          <a:endParaRPr lang="es-ES_tradnl"/>
-        </a:p>
-      </dgm:t>
-    </dgm:pt>
-    <dgm:pt modelId="{34FB6567-8C44-604A-83DA-200AC62F80AC}" type="sibTrans" cxnId="{8A59AAF6-C36C-B24D-9715-DE5D94F8D180}">
-      <dgm:prSet/>
-      <dgm:spPr/>
-      <dgm:t>
-        <a:bodyPr/>
-        <a:lstStyle/>
-        <a:p>
-          <a:endParaRPr lang="es-ES_tradnl"/>
-        </a:p>
-      </dgm:t>
-    </dgm:pt>
-    <dgm:pt modelId="{0541EA34-580B-094F-B05A-74D64D7E8998}">
-      <dgm:prSet phldrT="[Texto]" custT="1"/>
-      <dgm:spPr/>
-      <dgm:t>
-        <a:bodyPr/>
-        <a:lstStyle/>
-        <a:p>
-          <a:r>
-            <a:rPr lang="es-ES_tradnl" sz="2400" smtClean="0"/>
-            <a:t>Base de Conocimiento</a:t>
-          </a:r>
-          <a:endParaRPr lang="es-ES_tradnl" sz="2400" dirty="0"/>
-        </a:p>
-      </dgm:t>
-    </dgm:pt>
-    <dgm:pt modelId="{CA7083C4-DA5B-2A46-8ADF-77F1100C837A}" type="parTrans" cxnId="{6FA3700D-6A1E-0243-BECD-D84D389F9DF9}">
-      <dgm:prSet/>
-      <dgm:spPr/>
-      <dgm:t>
-        <a:bodyPr/>
-        <a:lstStyle/>
-        <a:p>
-          <a:endParaRPr lang="es-ES_tradnl"/>
-        </a:p>
-      </dgm:t>
-    </dgm:pt>
-    <dgm:pt modelId="{F3C38E9E-E99A-494F-BAD4-8E1514A66D35}" type="sibTrans" cxnId="{6FA3700D-6A1E-0243-BECD-D84D389F9DF9}">
-      <dgm:prSet/>
-      <dgm:spPr/>
-      <dgm:t>
-        <a:bodyPr/>
-        <a:lstStyle/>
-        <a:p>
-          <a:endParaRPr lang="es-ES_tradnl"/>
-        </a:p>
-      </dgm:t>
-    </dgm:pt>
-    <dgm:pt modelId="{96B75234-D76B-174D-9740-A26518A7FE40}">
-      <dgm:prSet phldrT="[Texto]" custT="1"/>
-      <dgm:spPr/>
-      <dgm:t>
-        <a:bodyPr/>
-        <a:lstStyle/>
-        <a:p>
-          <a:r>
-            <a:rPr lang="es-ES_tradnl" sz="2400" b="1" dirty="0" smtClean="0"/>
-            <a:t>Problemas encontrados </a:t>
-          </a:r>
-          <a:endParaRPr lang="es-ES_tradnl" sz="2400" b="1" dirty="0"/>
-        </a:p>
-      </dgm:t>
-    </dgm:pt>
-    <dgm:pt modelId="{E71C125F-01EB-CF47-8FE3-7FE4C88C054D}" type="parTrans" cxnId="{76195E20-7A90-2F48-8E5B-AB0E4BF4277C}">
-      <dgm:prSet/>
-      <dgm:spPr/>
-      <dgm:t>
-        <a:bodyPr/>
-        <a:lstStyle/>
-        <a:p>
-          <a:endParaRPr lang="es-ES_tradnl"/>
-        </a:p>
-      </dgm:t>
-    </dgm:pt>
-    <dgm:pt modelId="{2ED66174-39D3-1747-8125-9B96727717F8}" type="sibTrans" cxnId="{76195E20-7A90-2F48-8E5B-AB0E4BF4277C}">
-      <dgm:prSet/>
-      <dgm:spPr/>
-      <dgm:t>
-        <a:bodyPr/>
-        <a:lstStyle/>
-        <a:p>
-          <a:endParaRPr lang="es-ES_tradnl"/>
-        </a:p>
-      </dgm:t>
-    </dgm:pt>
-    <dgm:pt modelId="{FB90B8AB-C5E6-8647-B183-9B6CB29B46F4}">
-      <dgm:prSet phldrT="[Texto]" custT="1"/>
-      <dgm:spPr/>
-      <dgm:t>
-        <a:bodyPr/>
-        <a:lstStyle/>
-        <a:p>
-          <a:r>
-            <a:rPr lang="es-ES_tradnl" sz="2400" b="1" dirty="0" smtClean="0"/>
-            <a:t>Aportes más importantes</a:t>
-          </a:r>
-          <a:endParaRPr lang="es-ES_tradnl" sz="2400" b="1" dirty="0"/>
-        </a:p>
-      </dgm:t>
-    </dgm:pt>
-    <dgm:pt modelId="{E9CD4B3D-CE3B-B84B-A084-D0BB6D985442}" type="parTrans" cxnId="{418340F2-196D-4D44-B68A-826AA913C0B1}">
-      <dgm:prSet/>
-      <dgm:spPr/>
-      <dgm:t>
-        <a:bodyPr/>
-        <a:lstStyle/>
-        <a:p>
-          <a:endParaRPr lang="es-ES_tradnl"/>
-        </a:p>
-      </dgm:t>
-    </dgm:pt>
-    <dgm:pt modelId="{3B8C62B7-7D5D-F543-807B-BE4B0613E0D2}" type="sibTrans" cxnId="{418340F2-196D-4D44-B68A-826AA913C0B1}">
-      <dgm:prSet/>
-      <dgm:spPr/>
-      <dgm:t>
-        <a:bodyPr/>
-        <a:lstStyle/>
-        <a:p>
-          <a:endParaRPr lang="es-ES_tradnl"/>
-        </a:p>
-      </dgm:t>
-    </dgm:pt>
-    <dgm:pt modelId="{A9337B06-23F0-A84B-9210-20B537D8F04B}">
-      <dgm:prSet phldrT="[Texto]" custT="1"/>
-      <dgm:spPr/>
-      <dgm:t>
-        <a:bodyPr/>
-        <a:lstStyle/>
-        <a:p>
-          <a:r>
-            <a:rPr lang="es-ES_tradnl" sz="2400" b="1" dirty="0" smtClean="0"/>
-            <a:t>Temas pendientes</a:t>
-          </a:r>
-          <a:endParaRPr lang="es-ES_tradnl" sz="2400" b="1" dirty="0"/>
-        </a:p>
-      </dgm:t>
-    </dgm:pt>
-    <dgm:pt modelId="{AD321878-B6EF-D944-9914-E559CA2E69AA}" type="parTrans" cxnId="{35C503A9-D7DF-0D47-AA26-DB2DDB121748}">
-      <dgm:prSet/>
-      <dgm:spPr/>
-      <dgm:t>
-        <a:bodyPr/>
-        <a:lstStyle/>
-        <a:p>
-          <a:endParaRPr lang="es-ES"/>
-        </a:p>
-      </dgm:t>
-    </dgm:pt>
-    <dgm:pt modelId="{738FC2B3-E74D-304B-A10C-044F7C6E42F2}" type="sibTrans" cxnId="{35C503A9-D7DF-0D47-AA26-DB2DDB121748}">
-      <dgm:prSet/>
-      <dgm:spPr/>
-      <dgm:t>
-        <a:bodyPr/>
-        <a:lstStyle/>
-        <a:p>
-          <a:endParaRPr lang="es-ES"/>
-        </a:p>
-      </dgm:t>
-    </dgm:pt>
-    <dgm:pt modelId="{93AD242E-5196-0644-B8AF-125C0C321C50}" type="pres">
-      <dgm:prSet presAssocID="{927CFBBD-7561-3441-9293-83FC6B8C6F6D}" presName="linear" presStyleCnt="0">
-        <dgm:presLayoutVars>
-          <dgm:animLvl val="lvl"/>
-          <dgm:resizeHandles val="exact"/>
-        </dgm:presLayoutVars>
-      </dgm:prSet>
-      <dgm:spPr/>
-      <dgm:t>
-        <a:bodyPr/>
-        <a:lstStyle/>
-        <a:p>
-          <a:endParaRPr lang="es-ES_tradnl"/>
-        </a:p>
-      </dgm:t>
-    </dgm:pt>
-    <dgm:pt modelId="{78C8E693-FE6C-6F46-8864-984326505708}" type="pres">
-      <dgm:prSet presAssocID="{E0895953-413D-EA40-9010-D79FE0AB8E3F}" presName="parentText" presStyleLbl="node1" presStyleIdx="0" presStyleCnt="1">
-        <dgm:presLayoutVars>
-          <dgm:chMax val="0"/>
-          <dgm:bulletEnabled val="1"/>
-        </dgm:presLayoutVars>
-      </dgm:prSet>
-      <dgm:spPr/>
-      <dgm:t>
-        <a:bodyPr/>
-        <a:lstStyle/>
-        <a:p>
-          <a:endParaRPr lang="es-ES_tradnl"/>
-        </a:p>
-      </dgm:t>
-    </dgm:pt>
-    <dgm:pt modelId="{8B14C782-AF89-0F47-9D34-C6D40538E8B7}" type="pres">
-      <dgm:prSet presAssocID="{E0895953-413D-EA40-9010-D79FE0AB8E3F}" presName="childText" presStyleLbl="revTx" presStyleIdx="0" presStyleCnt="1">
-        <dgm:presLayoutVars>
-          <dgm:bulletEnabled val="1"/>
-        </dgm:presLayoutVars>
-      </dgm:prSet>
-      <dgm:spPr/>
-      <dgm:t>
-        <a:bodyPr/>
-        <a:lstStyle/>
-        <a:p>
-          <a:endParaRPr lang="es-ES_tradnl"/>
-        </a:p>
-      </dgm:t>
-    </dgm:pt>
-  </dgm:ptLst>
-  <dgm:cxnLst>
-    <dgm:cxn modelId="{35C503A9-D7DF-0D47-AA26-DB2DDB121748}" srcId="{E0895953-413D-EA40-9010-D79FE0AB8E3F}" destId="{A9337B06-23F0-A84B-9210-20B537D8F04B}" srcOrd="4" destOrd="0" parTransId="{AD321878-B6EF-D944-9914-E559CA2E69AA}" sibTransId="{738FC2B3-E74D-304B-A10C-044F7C6E42F2}"/>
-    <dgm:cxn modelId="{2AEFB4CA-F6D0-6245-A2BE-60A2C2C16ABB}" srcId="{E0895953-413D-EA40-9010-D79FE0AB8E3F}" destId="{406419E1-0FFF-354F-A0D0-2719B35FB9C6}" srcOrd="0" destOrd="0" parTransId="{8AAFB291-E321-DB4D-B6D6-C650B0CD73D9}" sibTransId="{2839BF11-547B-AC46-B8F2-7C1E804CC372}"/>
-    <dgm:cxn modelId="{1E1FAA53-6646-E847-87EB-EA447A460F76}" srcId="{927CFBBD-7561-3441-9293-83FC6B8C6F6D}" destId="{E0895953-413D-EA40-9010-D79FE0AB8E3F}" srcOrd="0" destOrd="0" parTransId="{E1D4A0E2-3747-D64D-936F-93E38018B35F}" sibTransId="{E16724E5-1FA4-354F-9542-B610759A7E54}"/>
-    <dgm:cxn modelId="{CFF4A72B-0779-4646-A032-7C0485AF0E45}" type="presOf" srcId="{0541EA34-580B-094F-B05A-74D64D7E8998}" destId="{8B14C782-AF89-0F47-9D34-C6D40538E8B7}" srcOrd="0" destOrd="2" presId="urn:microsoft.com/office/officeart/2005/8/layout/vList2"/>
-    <dgm:cxn modelId="{356F24CB-382B-BC44-8BB6-15CB5B9FBB49}" type="presOf" srcId="{E38E36DC-8476-8648-95EA-7EC93365B916}" destId="{8B14C782-AF89-0F47-9D34-C6D40538E8B7}" srcOrd="0" destOrd="1" presId="urn:microsoft.com/office/officeart/2005/8/layout/vList2"/>
-    <dgm:cxn modelId="{6FA3700D-6A1E-0243-BECD-D84D389F9DF9}" srcId="{E38E36DC-8476-8648-95EA-7EC93365B916}" destId="{0541EA34-580B-094F-B05A-74D64D7E8998}" srcOrd="0" destOrd="0" parTransId="{CA7083C4-DA5B-2A46-8ADF-77F1100C837A}" sibTransId="{F3C38E9E-E99A-494F-BAD4-8E1514A66D35}"/>
-    <dgm:cxn modelId="{227AB2AC-F9D5-424F-862A-A14834B63B24}" type="presOf" srcId="{406419E1-0FFF-354F-A0D0-2719B35FB9C6}" destId="{8B14C782-AF89-0F47-9D34-C6D40538E8B7}" srcOrd="0" destOrd="0" presId="urn:microsoft.com/office/officeart/2005/8/layout/vList2"/>
-    <dgm:cxn modelId="{FD5526BC-1830-C842-9B54-A2C25AF6B4A6}" type="presOf" srcId="{E0895953-413D-EA40-9010-D79FE0AB8E3F}" destId="{78C8E693-FE6C-6F46-8864-984326505708}" srcOrd="0" destOrd="0" presId="urn:microsoft.com/office/officeart/2005/8/layout/vList2"/>
-    <dgm:cxn modelId="{418340F2-196D-4D44-B68A-826AA913C0B1}" srcId="{E0895953-413D-EA40-9010-D79FE0AB8E3F}" destId="{FB90B8AB-C5E6-8647-B183-9B6CB29B46F4}" srcOrd="2" destOrd="0" parTransId="{E9CD4B3D-CE3B-B84B-A084-D0BB6D985442}" sibTransId="{3B8C62B7-7D5D-F543-807B-BE4B0613E0D2}"/>
-    <dgm:cxn modelId="{ABD813F8-B71D-3B4D-AB70-69DF61F2A97A}" type="presOf" srcId="{927CFBBD-7561-3441-9293-83FC6B8C6F6D}" destId="{93AD242E-5196-0644-B8AF-125C0C321C50}" srcOrd="0" destOrd="0" presId="urn:microsoft.com/office/officeart/2005/8/layout/vList2"/>
-    <dgm:cxn modelId="{7E50DA74-EE11-AC4A-B528-DB2301D65936}" type="presOf" srcId="{A9337B06-23F0-A84B-9210-20B537D8F04B}" destId="{8B14C782-AF89-0F47-9D34-C6D40538E8B7}" srcOrd="0" destOrd="5" presId="urn:microsoft.com/office/officeart/2005/8/layout/vList2"/>
-    <dgm:cxn modelId="{8A59AAF6-C36C-B24D-9715-DE5D94F8D180}" srcId="{E0895953-413D-EA40-9010-D79FE0AB8E3F}" destId="{E38E36DC-8476-8648-95EA-7EC93365B916}" srcOrd="1" destOrd="0" parTransId="{2E419D6C-5DFE-C94C-864E-B12C0008B28B}" sibTransId="{34FB6567-8C44-604A-83DA-200AC62F80AC}"/>
-    <dgm:cxn modelId="{A9BF0C45-815B-AC41-93CD-DEDECE1424DB}" type="presOf" srcId="{FB90B8AB-C5E6-8647-B183-9B6CB29B46F4}" destId="{8B14C782-AF89-0F47-9D34-C6D40538E8B7}" srcOrd="0" destOrd="3" presId="urn:microsoft.com/office/officeart/2005/8/layout/vList2"/>
-    <dgm:cxn modelId="{03290B71-CC15-8A47-BE5D-55E3C14548C4}" type="presOf" srcId="{96B75234-D76B-174D-9740-A26518A7FE40}" destId="{8B14C782-AF89-0F47-9D34-C6D40538E8B7}" srcOrd="0" destOrd="4" presId="urn:microsoft.com/office/officeart/2005/8/layout/vList2"/>
-    <dgm:cxn modelId="{76195E20-7A90-2F48-8E5B-AB0E4BF4277C}" srcId="{E0895953-413D-EA40-9010-D79FE0AB8E3F}" destId="{96B75234-D76B-174D-9740-A26518A7FE40}" srcOrd="3" destOrd="0" parTransId="{E71C125F-01EB-CF47-8FE3-7FE4C88C054D}" sibTransId="{2ED66174-39D3-1747-8125-9B96727717F8}"/>
-    <dgm:cxn modelId="{581A6D0C-6B89-1342-95D3-B09B9FA1942B}" type="presParOf" srcId="{93AD242E-5196-0644-B8AF-125C0C321C50}" destId="{78C8E693-FE6C-6F46-8864-984326505708}" srcOrd="0" destOrd="0" presId="urn:microsoft.com/office/officeart/2005/8/layout/vList2"/>
-    <dgm:cxn modelId="{AE1D649F-87C7-0643-A00B-52E0A10F0B21}" type="presParOf" srcId="{93AD242E-5196-0644-B8AF-125C0C321C50}" destId="{8B14C782-AF89-0F47-9D34-C6D40538E8B7}" srcOrd="1" destOrd="0" presId="urn:microsoft.com/office/officeart/2005/8/layout/vList2"/>
-  </dgm:cxnLst>
-  <dgm:bg/>
-  <dgm:whole/>
-  <dgm:extLst>
-    <a:ext uri="http://schemas.microsoft.com/office/drawing/2008/diagram">
-      <dsp:dataModelExt xmlns:dsp="http://schemas.microsoft.com/office/drawing/2008/diagram" relId="rId6" minVer="http://schemas.openxmlformats.org/drawingml/2006/diagram"/>
-    </a:ext>
-  </dgm:extLst>
-</dgm:dataModel>
-</file>
-
-<file path=ppt/diagrams/data5.xml><?xml version="1.0" encoding="utf-8"?>
 <dgm:dataModel xmlns:dgm="http://schemas.openxmlformats.org/drawingml/2006/diagram" xmlns:a="http://schemas.openxmlformats.org/drawingml/2006/main">
   <dgm:ptLst>
     <dgm:pt modelId="{927CFBBD-7561-3441-9293-83FC6B8C6F6D}" type="doc">
@@ -6792,7 +4441,7 @@
         <a:p>
           <a:r>
             <a:rPr lang="es-ES_tradnl" sz="2400" dirty="0" smtClean="0"/>
-            <a:t>Servicios Web anotados semánticamente</a:t>
+            <a:t>Creación de WS para Tokenización</a:t>
           </a:r>
           <a:endParaRPr lang="es-ES_tradnl" sz="2400" dirty="0"/>
         </a:p>
@@ -6820,96 +4469,22 @@
         </a:p>
       </dgm:t>
     </dgm:pt>
-    <dgm:pt modelId="{96B75234-D76B-174D-9740-A26518A7FE40}">
-      <dgm:prSet phldrT="[Texto]" custT="1"/>
+    <dgm:pt modelId="{FA093E1E-A6CF-1043-BD65-D068690F8A92}">
+      <dgm:prSet custT="1"/>
       <dgm:spPr/>
       <dgm:t>
         <a:bodyPr/>
         <a:lstStyle/>
         <a:p>
           <a:r>
-            <a:rPr lang="es-ES_tradnl" sz="2400" b="1" dirty="0" smtClean="0"/>
-            <a:t>Problemas encontrados </a:t>
+            <a:rPr lang="es-ES_tradnl" sz="2400" dirty="0" smtClean="0"/>
+            <a:t>Creación de WS para Extracción de entidades</a:t>
           </a:r>
-          <a:endParaRPr lang="es-ES_tradnl" sz="2400" b="1" dirty="0"/>
+          <a:endParaRPr lang="es-ES_tradnl" sz="2400" dirty="0"/>
         </a:p>
       </dgm:t>
     </dgm:pt>
-    <dgm:pt modelId="{E71C125F-01EB-CF47-8FE3-7FE4C88C054D}" type="parTrans" cxnId="{76195E20-7A90-2F48-8E5B-AB0E4BF4277C}">
-      <dgm:prSet/>
-      <dgm:spPr/>
-      <dgm:t>
-        <a:bodyPr/>
-        <a:lstStyle/>
-        <a:p>
-          <a:endParaRPr lang="es-ES_tradnl"/>
-        </a:p>
-      </dgm:t>
-    </dgm:pt>
-    <dgm:pt modelId="{2ED66174-39D3-1747-8125-9B96727717F8}" type="sibTrans" cxnId="{76195E20-7A90-2F48-8E5B-AB0E4BF4277C}">
-      <dgm:prSet/>
-      <dgm:spPr/>
-      <dgm:t>
-        <a:bodyPr/>
-        <a:lstStyle/>
-        <a:p>
-          <a:endParaRPr lang="es-ES_tradnl"/>
-        </a:p>
-      </dgm:t>
-    </dgm:pt>
-    <dgm:pt modelId="{FB90B8AB-C5E6-8647-B183-9B6CB29B46F4}">
-      <dgm:prSet phldrT="[Texto]" custT="1"/>
-      <dgm:spPr/>
-      <dgm:t>
-        <a:bodyPr/>
-        <a:lstStyle/>
-        <a:p>
-          <a:r>
-            <a:rPr lang="es-ES_tradnl" sz="2400" b="1" dirty="0" smtClean="0"/>
-            <a:t>Aportes más importantes</a:t>
-          </a:r>
-          <a:endParaRPr lang="es-ES_tradnl" sz="2400" b="1" dirty="0"/>
-        </a:p>
-      </dgm:t>
-    </dgm:pt>
-    <dgm:pt modelId="{E9CD4B3D-CE3B-B84B-A084-D0BB6D985442}" type="parTrans" cxnId="{418340F2-196D-4D44-B68A-826AA913C0B1}">
-      <dgm:prSet/>
-      <dgm:spPr/>
-      <dgm:t>
-        <a:bodyPr/>
-        <a:lstStyle/>
-        <a:p>
-          <a:endParaRPr lang="es-ES_tradnl"/>
-        </a:p>
-      </dgm:t>
-    </dgm:pt>
-    <dgm:pt modelId="{3B8C62B7-7D5D-F543-807B-BE4B0613E0D2}" type="sibTrans" cxnId="{418340F2-196D-4D44-B68A-826AA913C0B1}">
-      <dgm:prSet/>
-      <dgm:spPr/>
-      <dgm:t>
-        <a:bodyPr/>
-        <a:lstStyle/>
-        <a:p>
-          <a:endParaRPr lang="es-ES_tradnl"/>
-        </a:p>
-      </dgm:t>
-    </dgm:pt>
-    <dgm:pt modelId="{A9337B06-23F0-A84B-9210-20B537D8F04B}">
-      <dgm:prSet phldrT="[Texto]" custT="1"/>
-      <dgm:spPr/>
-      <dgm:t>
-        <a:bodyPr/>
-        <a:lstStyle/>
-        <a:p>
-          <a:r>
-            <a:rPr lang="es-ES_tradnl" sz="2400" b="1" dirty="0" smtClean="0"/>
-            <a:t>Temas pendientes</a:t>
-          </a:r>
-          <a:endParaRPr lang="es-ES_tradnl" sz="2400" b="1" dirty="0"/>
-        </a:p>
-      </dgm:t>
-    </dgm:pt>
-    <dgm:pt modelId="{AD321878-B6EF-D944-9914-E559CA2E69AA}" type="parTrans" cxnId="{35C503A9-D7DF-0D47-AA26-DB2DDB121748}">
+    <dgm:pt modelId="{8240A6AA-F8A5-594C-B987-B929E066CA41}" type="parTrans" cxnId="{C13CA77D-C951-D141-9F98-53A1D791E747}">
       <dgm:prSet/>
       <dgm:spPr/>
       <dgm:t>
@@ -6920,7 +4495,7 @@
         </a:p>
       </dgm:t>
     </dgm:pt>
-    <dgm:pt modelId="{738FC2B3-E74D-304B-A10C-044F7C6E42F2}" type="sibTrans" cxnId="{35C503A9-D7DF-0D47-AA26-DB2DDB121748}">
+    <dgm:pt modelId="{15438324-453D-BA49-8909-77E44EB66B29}" type="sibTrans" cxnId="{C13CA77D-C951-D141-9F98-53A1D791E747}">
       <dgm:prSet/>
       <dgm:spPr/>
       <dgm:t>
@@ -6931,8 +4506,8 @@
         </a:p>
       </dgm:t>
     </dgm:pt>
-    <dgm:pt modelId="{276F7011-1D27-B644-B757-7CB205AE0D85}">
-      <dgm:prSet phldrT="[Texto]" custT="1"/>
+    <dgm:pt modelId="{364061B1-F535-3942-954D-E66C0FF0E665}">
+      <dgm:prSet custT="1"/>
       <dgm:spPr/>
       <dgm:t>
         <a:bodyPr/>
@@ -6940,31 +4515,105 @@
         <a:p>
           <a:r>
             <a:rPr lang="es-ES_tradnl" sz="2400" dirty="0" smtClean="0"/>
-            <a:t>Definición de las librerías, estructura y precisión </a:t>
+            <a:t>Creación de WS para Desambiguación y Limpieza</a:t>
           </a:r>
           <a:endParaRPr lang="es-ES_tradnl" sz="2400" dirty="0"/>
         </a:p>
       </dgm:t>
     </dgm:pt>
-    <dgm:pt modelId="{7423E876-EC27-C248-B18F-20432F16B5A6}" type="sibTrans" cxnId="{133C7637-D5E6-2C46-A02A-267577018F22}">
+    <dgm:pt modelId="{85134EA9-728A-1441-8CBB-5C4BCF6E6674}" type="parTrans" cxnId="{F9FA15A8-208F-C244-8607-303B69B51A5B}">
       <dgm:prSet/>
       <dgm:spPr/>
       <dgm:t>
         <a:bodyPr/>
         <a:lstStyle/>
         <a:p>
-          <a:endParaRPr lang="es-ES_tradnl"/>
+          <a:endParaRPr lang="es-ES"/>
         </a:p>
       </dgm:t>
     </dgm:pt>
-    <dgm:pt modelId="{65417372-67C8-0449-809E-932CD7D3A075}" type="parTrans" cxnId="{133C7637-D5E6-2C46-A02A-267577018F22}">
+    <dgm:pt modelId="{8878E864-4C98-B44C-90C6-16F6F6AD0AA4}" type="sibTrans" cxnId="{F9FA15A8-208F-C244-8607-303B69B51A5B}">
       <dgm:prSet/>
       <dgm:spPr/>
       <dgm:t>
         <a:bodyPr/>
         <a:lstStyle/>
         <a:p>
-          <a:endParaRPr lang="es-ES_tradnl"/>
+          <a:endParaRPr lang="es-ES"/>
+        </a:p>
+      </dgm:t>
+    </dgm:pt>
+    <dgm:pt modelId="{E334DB8C-3CBE-DB4C-B0B2-5489A597CF65}">
+      <dgm:prSet custT="1"/>
+      <dgm:spPr/>
+      <dgm:t>
+        <a:bodyPr/>
+        <a:lstStyle/>
+        <a:p>
+          <a:r>
+            <a:rPr lang="es-ES_tradnl" sz="2400" dirty="0" smtClean="0"/>
+            <a:t>Creación de WS para Enlace con LOD-Cloud</a:t>
+          </a:r>
+          <a:endParaRPr lang="es-ES_tradnl" sz="2400" dirty="0"/>
+        </a:p>
+      </dgm:t>
+    </dgm:pt>
+    <dgm:pt modelId="{B00ED9B5-8695-C94C-9CD7-F59858168A0E}" type="parTrans" cxnId="{04909793-EFA7-B646-AB39-5C427A9C6D98}">
+      <dgm:prSet/>
+      <dgm:spPr/>
+      <dgm:t>
+        <a:bodyPr/>
+        <a:lstStyle/>
+        <a:p>
+          <a:endParaRPr lang="es-ES"/>
+        </a:p>
+      </dgm:t>
+    </dgm:pt>
+    <dgm:pt modelId="{109CC2B0-9250-3C4F-A294-DDA266C4BCAE}" type="sibTrans" cxnId="{04909793-EFA7-B646-AB39-5C427A9C6D98}">
+      <dgm:prSet/>
+      <dgm:spPr/>
+      <dgm:t>
+        <a:bodyPr/>
+        <a:lstStyle/>
+        <a:p>
+          <a:endParaRPr lang="es-ES"/>
+        </a:p>
+      </dgm:t>
+    </dgm:pt>
+    <dgm:pt modelId="{16CB584E-BD89-0041-AAB3-6DE70EA75106}">
+      <dgm:prSet custT="1"/>
+      <dgm:spPr/>
+      <dgm:t>
+        <a:bodyPr/>
+        <a:lstStyle/>
+        <a:p>
+          <a:r>
+            <a:rPr lang="es-ES_tradnl" sz="2400" dirty="0" smtClean="0"/>
+            <a:t>Creación de App Cliente, para integración de los WS</a:t>
+          </a:r>
+          <a:endParaRPr lang="es-ES_tradnl" sz="2400" dirty="0"/>
+        </a:p>
+      </dgm:t>
+    </dgm:pt>
+    <dgm:pt modelId="{C3236B18-32AD-E44C-A9FE-55629936AAFD}" type="parTrans" cxnId="{4083BBDC-3198-1246-892B-5CD93636527F}">
+      <dgm:prSet/>
+      <dgm:spPr/>
+      <dgm:t>
+        <a:bodyPr/>
+        <a:lstStyle/>
+        <a:p>
+          <a:endParaRPr lang="es-ES"/>
+        </a:p>
+      </dgm:t>
+    </dgm:pt>
+    <dgm:pt modelId="{6FE66F6D-4A5A-2A44-A47D-0279C6C7260A}" type="sibTrans" cxnId="{4083BBDC-3198-1246-892B-5CD93636527F}">
+      <dgm:prSet/>
+      <dgm:spPr/>
+      <dgm:t>
+        <a:bodyPr/>
+        <a:lstStyle/>
+        <a:p>
+          <a:endParaRPr lang="es-ES"/>
         </a:p>
       </dgm:t>
     </dgm:pt>
@@ -7017,23 +4666,23 @@
     </dgm:pt>
   </dgm:ptLst>
   <dgm:cxnLst>
-    <dgm:cxn modelId="{35C503A9-D7DF-0D47-AA26-DB2DDB121748}" srcId="{E0895953-413D-EA40-9010-D79FE0AB8E3F}" destId="{A9337B06-23F0-A84B-9210-20B537D8F04B}" srcOrd="4" destOrd="0" parTransId="{AD321878-B6EF-D944-9914-E559CA2E69AA}" sibTransId="{738FC2B3-E74D-304B-A10C-044F7C6E42F2}"/>
     <dgm:cxn modelId="{2AEFB4CA-F6D0-6245-A2BE-60A2C2C16ABB}" srcId="{E0895953-413D-EA40-9010-D79FE0AB8E3F}" destId="{406419E1-0FFF-354F-A0D0-2719B35FB9C6}" srcOrd="0" destOrd="0" parTransId="{8AAFB291-E321-DB4D-B6D6-C650B0CD73D9}" sibTransId="{2839BF11-547B-AC46-B8F2-7C1E804CC372}"/>
     <dgm:cxn modelId="{1E1FAA53-6646-E847-87EB-EA447A460F76}" srcId="{927CFBBD-7561-3441-9293-83FC6B8C6F6D}" destId="{E0895953-413D-EA40-9010-D79FE0AB8E3F}" srcOrd="0" destOrd="0" parTransId="{E1D4A0E2-3747-D64D-936F-93E38018B35F}" sibTransId="{E16724E5-1FA4-354F-9542-B610759A7E54}"/>
+    <dgm:cxn modelId="{04909793-EFA7-B646-AB39-5C427A9C6D98}" srcId="{E38E36DC-8476-8648-95EA-7EC93365B916}" destId="{E334DB8C-3CBE-DB4C-B0B2-5489A597CF65}" srcOrd="3" destOrd="0" parTransId="{B00ED9B5-8695-C94C-9CD7-F59858168A0E}" sibTransId="{109CC2B0-9250-3C4F-A294-DDA266C4BCAE}"/>
     <dgm:cxn modelId="{D880768D-5ABB-7243-8CB8-8A4A829048D8}" type="presOf" srcId="{927CFBBD-7561-3441-9293-83FC6B8C6F6D}" destId="{93AD242E-5196-0644-B8AF-125C0C321C50}" srcOrd="0" destOrd="0" presId="urn:microsoft.com/office/officeart/2005/8/layout/vList2"/>
+    <dgm:cxn modelId="{F9FA15A8-208F-C244-8607-303B69B51A5B}" srcId="{E38E36DC-8476-8648-95EA-7EC93365B916}" destId="{364061B1-F535-3942-954D-E66C0FF0E665}" srcOrd="2" destOrd="0" parTransId="{85134EA9-728A-1441-8CBB-5C4BCF6E6674}" sibTransId="{8878E864-4C98-B44C-90C6-16F6F6AD0AA4}"/>
     <dgm:cxn modelId="{6FA3700D-6A1E-0243-BECD-D84D389F9DF9}" srcId="{E38E36DC-8476-8648-95EA-7EC93365B916}" destId="{0541EA34-580B-094F-B05A-74D64D7E8998}" srcOrd="0" destOrd="0" parTransId="{CA7083C4-DA5B-2A46-8ADF-77F1100C837A}" sibTransId="{F3C38E9E-E99A-494F-BAD4-8E1514A66D35}"/>
-    <dgm:cxn modelId="{BADDB233-E97D-D54E-9D20-3344289157E9}" type="presOf" srcId="{276F7011-1D27-B644-B757-7CB205AE0D85}" destId="{8B14C782-AF89-0F47-9D34-C6D40538E8B7}" srcOrd="0" destOrd="5" presId="urn:microsoft.com/office/officeart/2005/8/layout/vList2"/>
+    <dgm:cxn modelId="{C13CA77D-C951-D141-9F98-53A1D791E747}" srcId="{E38E36DC-8476-8648-95EA-7EC93365B916}" destId="{FA093E1E-A6CF-1043-BD65-D068690F8A92}" srcOrd="1" destOrd="0" parTransId="{8240A6AA-F8A5-594C-B987-B929E066CA41}" sibTransId="{15438324-453D-BA49-8909-77E44EB66B29}"/>
     <dgm:cxn modelId="{A345B7D1-1E9F-2043-A342-769D8841660E}" type="presOf" srcId="{E0895953-413D-EA40-9010-D79FE0AB8E3F}" destId="{78C8E693-FE6C-6F46-8864-984326505708}" srcOrd="0" destOrd="0" presId="urn:microsoft.com/office/officeart/2005/8/layout/vList2"/>
-    <dgm:cxn modelId="{90F0229F-C6FB-E04A-8981-FB516DFC6F0C}" type="presOf" srcId="{FB90B8AB-C5E6-8647-B183-9B6CB29B46F4}" destId="{8B14C782-AF89-0F47-9D34-C6D40538E8B7}" srcOrd="0" destOrd="3" presId="urn:microsoft.com/office/officeart/2005/8/layout/vList2"/>
+    <dgm:cxn modelId="{4083BBDC-3198-1246-892B-5CD93636527F}" srcId="{E38E36DC-8476-8648-95EA-7EC93365B916}" destId="{16CB584E-BD89-0041-AAB3-6DE70EA75106}" srcOrd="4" destOrd="0" parTransId="{C3236B18-32AD-E44C-A9FE-55629936AAFD}" sibTransId="{6FE66F6D-4A5A-2A44-A47D-0279C6C7260A}"/>
+    <dgm:cxn modelId="{8A10F44B-CA7C-8045-BD40-8EEB359E3DE6}" type="presOf" srcId="{364061B1-F535-3942-954D-E66C0FF0E665}" destId="{8B14C782-AF89-0F47-9D34-C6D40538E8B7}" srcOrd="0" destOrd="4" presId="urn:microsoft.com/office/officeart/2005/8/layout/vList2"/>
     <dgm:cxn modelId="{248BEA33-4008-BC4E-A331-278DAE61F647}" type="presOf" srcId="{E38E36DC-8476-8648-95EA-7EC93365B916}" destId="{8B14C782-AF89-0F47-9D34-C6D40538E8B7}" srcOrd="0" destOrd="1" presId="urn:microsoft.com/office/officeart/2005/8/layout/vList2"/>
-    <dgm:cxn modelId="{418340F2-196D-4D44-B68A-826AA913C0B1}" srcId="{E0895953-413D-EA40-9010-D79FE0AB8E3F}" destId="{FB90B8AB-C5E6-8647-B183-9B6CB29B46F4}" srcOrd="2" destOrd="0" parTransId="{E9CD4B3D-CE3B-B84B-A084-D0BB6D985442}" sibTransId="{3B8C62B7-7D5D-F543-807B-BE4B0613E0D2}"/>
     <dgm:cxn modelId="{DB1C4424-6779-8740-AEEB-B7C1EE851C59}" type="presOf" srcId="{0541EA34-580B-094F-B05A-74D64D7E8998}" destId="{8B14C782-AF89-0F47-9D34-C6D40538E8B7}" srcOrd="0" destOrd="2" presId="urn:microsoft.com/office/officeart/2005/8/layout/vList2"/>
-    <dgm:cxn modelId="{133C7637-D5E6-2C46-A02A-267577018F22}" srcId="{96B75234-D76B-174D-9740-A26518A7FE40}" destId="{276F7011-1D27-B644-B757-7CB205AE0D85}" srcOrd="0" destOrd="0" parTransId="{65417372-67C8-0449-809E-932CD7D3A075}" sibTransId="{7423E876-EC27-C248-B18F-20432F16B5A6}"/>
-    <dgm:cxn modelId="{C3AFA49D-E12E-A047-96F4-6480C74EC858}" type="presOf" srcId="{96B75234-D76B-174D-9740-A26518A7FE40}" destId="{8B14C782-AF89-0F47-9D34-C6D40538E8B7}" srcOrd="0" destOrd="4" presId="urn:microsoft.com/office/officeart/2005/8/layout/vList2"/>
-    <dgm:cxn modelId="{CBA66408-7CE1-A14A-A467-ED27D38D81AD}" type="presOf" srcId="{A9337B06-23F0-A84B-9210-20B537D8F04B}" destId="{8B14C782-AF89-0F47-9D34-C6D40538E8B7}" srcOrd="0" destOrd="6" presId="urn:microsoft.com/office/officeart/2005/8/layout/vList2"/>
+    <dgm:cxn modelId="{2474566B-15C2-B042-AD38-BBCBDF161751}" type="presOf" srcId="{16CB584E-BD89-0041-AAB3-6DE70EA75106}" destId="{8B14C782-AF89-0F47-9D34-C6D40538E8B7}" srcOrd="0" destOrd="6" presId="urn:microsoft.com/office/officeart/2005/8/layout/vList2"/>
+    <dgm:cxn modelId="{D4D92B33-6753-E645-8007-EA91F78DC6E5}" type="presOf" srcId="{FA093E1E-A6CF-1043-BD65-D068690F8A92}" destId="{8B14C782-AF89-0F47-9D34-C6D40538E8B7}" srcOrd="0" destOrd="3" presId="urn:microsoft.com/office/officeart/2005/8/layout/vList2"/>
     <dgm:cxn modelId="{8A59AAF6-C36C-B24D-9715-DE5D94F8D180}" srcId="{E0895953-413D-EA40-9010-D79FE0AB8E3F}" destId="{E38E36DC-8476-8648-95EA-7EC93365B916}" srcOrd="1" destOrd="0" parTransId="{2E419D6C-5DFE-C94C-864E-B12C0008B28B}" sibTransId="{34FB6567-8C44-604A-83DA-200AC62F80AC}"/>
     <dgm:cxn modelId="{64E133F7-5B6D-3C41-83B1-51AD7FDE674A}" type="presOf" srcId="{406419E1-0FFF-354F-A0D0-2719B35FB9C6}" destId="{8B14C782-AF89-0F47-9D34-C6D40538E8B7}" srcOrd="0" destOrd="0" presId="urn:microsoft.com/office/officeart/2005/8/layout/vList2"/>
-    <dgm:cxn modelId="{76195E20-7A90-2F48-8E5B-AB0E4BF4277C}" srcId="{E0895953-413D-EA40-9010-D79FE0AB8E3F}" destId="{96B75234-D76B-174D-9740-A26518A7FE40}" srcOrd="3" destOrd="0" parTransId="{E71C125F-01EB-CF47-8FE3-7FE4C88C054D}" sibTransId="{2ED66174-39D3-1747-8125-9B96727717F8}"/>
+    <dgm:cxn modelId="{1E95B77E-6CFE-E246-8FF1-87EA180D6DA7}" type="presOf" srcId="{E334DB8C-3CBE-DB4C-B0B2-5489A597CF65}" destId="{8B14C782-AF89-0F47-9D34-C6D40538E8B7}" srcOrd="0" destOrd="5" presId="urn:microsoft.com/office/officeart/2005/8/layout/vList2"/>
     <dgm:cxn modelId="{D775421F-9325-6444-B2F5-B9818AF5EA4A}" type="presParOf" srcId="{93AD242E-5196-0644-B8AF-125C0C321C50}" destId="{78C8E693-FE6C-6F46-8864-984326505708}" srcOrd="0" destOrd="0" presId="urn:microsoft.com/office/officeart/2005/8/layout/vList2"/>
     <dgm:cxn modelId="{A5827F59-6BF4-DD4C-995F-F71CBF777B17}" type="presParOf" srcId="{93AD242E-5196-0644-B8AF-125C0C321C50}" destId="{8B14C782-AF89-0F47-9D34-C6D40538E8B7}" srcOrd="1" destOrd="0" presId="urn:microsoft.com/office/officeart/2005/8/layout/vList2"/>
   </dgm:cxnLst>
@@ -7047,7 +4696,7 @@
 </dgm:dataModel>
 </file>
 
-<file path=ppt/diagrams/data6.xml><?xml version="1.0" encoding="utf-8"?>
+<file path=ppt/diagrams/data4.xml><?xml version="1.0" encoding="utf-8"?>
 <dgm:dataModel xmlns:dgm="http://schemas.openxmlformats.org/drawingml/2006/diagram" xmlns:a="http://schemas.openxmlformats.org/drawingml/2006/main">
   <dgm:ptLst>
     <dgm:pt modelId="{927CFBBD-7561-3441-9293-83FC6B8C6F6D}" type="doc">
@@ -7679,7 +5328,11 @@
           </a:pPr>
           <a:r>
             <a:rPr lang="es-ES_tradnl" sz="1600" kern="1200" dirty="0" smtClean="0"/>
-            <a:t>Estado del Arte</a:t>
+            <a:t>Marco </a:t>
+          </a:r>
+          <a:r>
+            <a:rPr lang="es-ES_tradnl" sz="1600" kern="1200" dirty="0" err="1" smtClean="0"/>
+            <a:t>Teorico</a:t>
           </a:r>
           <a:endParaRPr lang="es-ES_tradnl" sz="1600" kern="1200" dirty="0"/>
         </a:p>
@@ -8481,8 +6134,8 @@
       </dsp:nvSpPr>
       <dsp:spPr>
         <a:xfrm>
-          <a:off x="0" y="38992"/>
-          <a:ext cx="8442325" cy="992160"/>
+          <a:off x="0" y="0"/>
+          <a:ext cx="8442325" cy="1216800"/>
         </a:xfrm>
         <a:prstGeom prst="roundRect">
           <a:avLst/>
@@ -8572,8 +6225,8 @@
         </a:p>
       </dsp:txBody>
       <dsp:txXfrm>
-        <a:off x="48433" y="87425"/>
-        <a:ext cx="8345459" cy="895294"/>
+        <a:off x="59399" y="59399"/>
+        <a:ext cx="8323527" cy="1098002"/>
       </dsp:txXfrm>
     </dsp:sp>
     <dsp:sp modelId="{8B14C782-AF89-0F47-9D34-C6D40538E8B7}">
@@ -8583,8 +6236,8 @@
       </dsp:nvSpPr>
       <dsp:spPr>
         <a:xfrm>
-          <a:off x="0" y="1031152"/>
-          <a:ext cx="8442325" cy="3620430"/>
+          <a:off x="0" y="1216429"/>
+          <a:ext cx="8442325" cy="2018250"/>
         </a:xfrm>
         <a:prstGeom prst="rect">
           <a:avLst/>
@@ -8727,86 +6380,10 @@
           </a:r>
           <a:endParaRPr lang="es-ES_tradnl" sz="2400" kern="1200" dirty="0"/>
         </a:p>
-        <a:p>
-          <a:pPr marL="228600" lvl="1" indent="-228600" algn="l" defTabSz="1066800">
-            <a:lnSpc>
-              <a:spcPct val="90000"/>
-            </a:lnSpc>
-            <a:spcBef>
-              <a:spcPct val="0"/>
-            </a:spcBef>
-            <a:spcAft>
-              <a:spcPct val="20000"/>
-            </a:spcAft>
-            <a:buChar char="••"/>
-          </a:pPr>
-          <a:r>
-            <a:rPr lang="es-ES_tradnl" sz="2400" b="1" kern="1200" dirty="0" smtClean="0"/>
-            <a:t>Aportes más importantes</a:t>
-          </a:r>
-          <a:endParaRPr lang="es-ES_tradnl" sz="2400" b="1" kern="1200" dirty="0"/>
-        </a:p>
-        <a:p>
-          <a:pPr marL="228600" lvl="1" indent="-228600" algn="l" defTabSz="1066800">
-            <a:lnSpc>
-              <a:spcPct val="90000"/>
-            </a:lnSpc>
-            <a:spcBef>
-              <a:spcPct val="0"/>
-            </a:spcBef>
-            <a:spcAft>
-              <a:spcPct val="20000"/>
-            </a:spcAft>
-            <a:buChar char="••"/>
-          </a:pPr>
-          <a:r>
-            <a:rPr lang="es-ES_tradnl" sz="2400" b="1" kern="1200" dirty="0" smtClean="0"/>
-            <a:t>Problemas encontrados </a:t>
-          </a:r>
-          <a:endParaRPr lang="es-ES_tradnl" sz="2400" b="1" kern="1200" dirty="0"/>
-        </a:p>
-        <a:p>
-          <a:pPr marL="457200" lvl="2" indent="-228600" algn="l" defTabSz="1066800">
-            <a:lnSpc>
-              <a:spcPct val="90000"/>
-            </a:lnSpc>
-            <a:spcBef>
-              <a:spcPct val="0"/>
-            </a:spcBef>
-            <a:spcAft>
-              <a:spcPct val="20000"/>
-            </a:spcAft>
-            <a:buChar char="••"/>
-          </a:pPr>
-          <a:r>
-            <a:rPr lang="es-ES_tradnl" sz="2400" kern="1200" dirty="0" smtClean="0"/>
-            <a:t>Seleccionar la tecnologías a utilizar</a:t>
-          </a:r>
-          <a:endParaRPr lang="es-ES_tradnl" sz="2400" kern="1200" dirty="0"/>
-        </a:p>
-        <a:p>
-          <a:pPr marL="228600" lvl="1" indent="-228600" algn="l" defTabSz="1066800">
-            <a:lnSpc>
-              <a:spcPct val="90000"/>
-            </a:lnSpc>
-            <a:spcBef>
-              <a:spcPct val="0"/>
-            </a:spcBef>
-            <a:spcAft>
-              <a:spcPct val="20000"/>
-            </a:spcAft>
-            <a:buChar char="••"/>
-          </a:pPr>
-          <a:r>
-            <a:rPr lang="es-ES_tradnl" sz="2400" b="1" kern="1200" dirty="0" smtClean="0"/>
-            <a:t>Temas pendientes</a:t>
-          </a:r>
-          <a:endParaRPr lang="es-ES_tradnl" sz="2400" b="1" kern="1200" dirty="0"/>
-        </a:p>
       </dsp:txBody>
       <dsp:txXfrm>
-        <a:off x="0" y="1031152"/>
-        <a:ext cx="8442325" cy="3620430"/>
+        <a:off x="0" y="1216429"/>
+        <a:ext cx="8442325" cy="2018250"/>
       </dsp:txXfrm>
     </dsp:sp>
   </dsp:spTree>
@@ -8814,554 +6391,6 @@
 </file>
 
 <file path=ppt/diagrams/drawing3.xml><?xml version="1.0" encoding="utf-8"?>
-<dsp:drawing xmlns:dgm="http://schemas.openxmlformats.org/drawingml/2006/diagram" xmlns:dsp="http://schemas.microsoft.com/office/drawing/2008/diagram" xmlns:a="http://schemas.openxmlformats.org/drawingml/2006/main">
-  <dsp:spTree>
-    <dsp:nvGrpSpPr>
-      <dsp:cNvPr id="0" name=""/>
-      <dsp:cNvGrpSpPr/>
-    </dsp:nvGrpSpPr>
-    <dsp:grpSpPr/>
-    <dsp:sp modelId="{78C8E693-FE6C-6F46-8864-984326505708}">
-      <dsp:nvSpPr>
-        <dsp:cNvPr id="0" name=""/>
-        <dsp:cNvSpPr/>
-      </dsp:nvSpPr>
-      <dsp:spPr>
-        <a:xfrm>
-          <a:off x="0" y="189563"/>
-          <a:ext cx="8442325" cy="1216800"/>
-        </a:xfrm>
-        <a:prstGeom prst="roundRect">
-          <a:avLst/>
-        </a:prstGeom>
-        <a:gradFill rotWithShape="0">
-          <a:gsLst>
-            <a:gs pos="0">
-              <a:schemeClr val="accent1">
-                <a:hueOff val="0"/>
-                <a:satOff val="0"/>
-                <a:lumOff val="0"/>
-                <a:alphaOff val="0"/>
-                <a:shade val="51000"/>
-                <a:satMod val="130000"/>
-              </a:schemeClr>
-            </a:gs>
-            <a:gs pos="80000">
-              <a:schemeClr val="accent1">
-                <a:hueOff val="0"/>
-                <a:satOff val="0"/>
-                <a:lumOff val="0"/>
-                <a:alphaOff val="0"/>
-                <a:shade val="93000"/>
-                <a:satMod val="130000"/>
-              </a:schemeClr>
-            </a:gs>
-            <a:gs pos="100000">
-              <a:schemeClr val="accent1">
-                <a:hueOff val="0"/>
-                <a:satOff val="0"/>
-                <a:lumOff val="0"/>
-                <a:alphaOff val="0"/>
-                <a:shade val="94000"/>
-                <a:satMod val="135000"/>
-              </a:schemeClr>
-            </a:gs>
-          </a:gsLst>
-          <a:lin ang="16200000" scaled="0"/>
-        </a:gradFill>
-        <a:ln>
-          <a:noFill/>
-        </a:ln>
-        <a:effectLst>
-          <a:outerShdw blurRad="40000" dist="23000" dir="5400000" rotWithShape="0">
-            <a:srgbClr val="000000">
-              <a:alpha val="35000"/>
-            </a:srgbClr>
-          </a:outerShdw>
-        </a:effectLst>
-      </dsp:spPr>
-      <dsp:style>
-        <a:lnRef idx="0">
-          <a:scrgbClr r="0" g="0" b="0"/>
-        </a:lnRef>
-        <a:fillRef idx="3">
-          <a:scrgbClr r="0" g="0" b="0"/>
-        </a:fillRef>
-        <a:effectRef idx="2">
-          <a:scrgbClr r="0" g="0" b="0"/>
-        </a:effectRef>
-        <a:fontRef idx="minor">
-          <a:schemeClr val="lt1"/>
-        </a:fontRef>
-      </dsp:style>
-      <dsp:txBody>
-        <a:bodyPr spcFirstLastPara="0" vert="horz" wrap="square" lIns="91440" tIns="91440" rIns="91440" bIns="91440" numCol="1" spcCol="1270" anchor="ctr" anchorCtr="0">
-          <a:noAutofit/>
-        </a:bodyPr>
-        <a:lstStyle/>
-        <a:p>
-          <a:pPr lvl="0" algn="l" defTabSz="1066800">
-            <a:lnSpc>
-              <a:spcPct val="90000"/>
-            </a:lnSpc>
-            <a:spcBef>
-              <a:spcPct val="0"/>
-            </a:spcBef>
-            <a:spcAft>
-              <a:spcPct val="35000"/>
-            </a:spcAft>
-          </a:pPr>
-          <a:r>
-            <a:rPr lang="es-EC" sz="2400" b="1" kern="1200" dirty="0" smtClean="0"/>
-            <a:t>Vocabulario RDF para el desarrollo del WS</a:t>
-          </a:r>
-          <a:endParaRPr lang="es-ES_tradnl" sz="2400" b="1" kern="1200" dirty="0"/>
-        </a:p>
-      </dsp:txBody>
-      <dsp:txXfrm>
-        <a:off x="59399" y="248962"/>
-        <a:ext cx="8323527" cy="1098002"/>
-      </dsp:txXfrm>
-    </dsp:sp>
-    <dsp:sp modelId="{8B14C782-AF89-0F47-9D34-C6D40538E8B7}">
-      <dsp:nvSpPr>
-        <dsp:cNvPr id="0" name=""/>
-        <dsp:cNvSpPr/>
-      </dsp:nvSpPr>
-      <dsp:spPr>
-        <a:xfrm>
-          <a:off x="0" y="1406363"/>
-          <a:ext cx="8442325" cy="3094649"/>
-        </a:xfrm>
-        <a:prstGeom prst="rect">
-          <a:avLst/>
-        </a:prstGeom>
-        <a:noFill/>
-        <a:ln>
-          <a:noFill/>
-        </a:ln>
-        <a:effectLst/>
-      </dsp:spPr>
-      <dsp:style>
-        <a:lnRef idx="0">
-          <a:scrgbClr r="0" g="0" b="0"/>
-        </a:lnRef>
-        <a:fillRef idx="0">
-          <a:scrgbClr r="0" g="0" b="0"/>
-        </a:fillRef>
-        <a:effectRef idx="0">
-          <a:scrgbClr r="0" g="0" b="0"/>
-        </a:effectRef>
-        <a:fontRef idx="minor"/>
-      </dsp:style>
-      <dsp:txBody>
-        <a:bodyPr spcFirstLastPara="0" vert="horz" wrap="square" lIns="268044" tIns="30480" rIns="170688" bIns="30480" numCol="1" spcCol="1270" anchor="t" anchorCtr="0">
-          <a:noAutofit/>
-        </a:bodyPr>
-        <a:lstStyle/>
-        <a:p>
-          <a:pPr marL="228600" lvl="1" indent="-228600" algn="l" defTabSz="1066800">
-            <a:lnSpc>
-              <a:spcPct val="90000"/>
-            </a:lnSpc>
-            <a:spcBef>
-              <a:spcPct val="0"/>
-            </a:spcBef>
-            <a:spcAft>
-              <a:spcPct val="20000"/>
-            </a:spcAft>
-            <a:buChar char="••"/>
-          </a:pPr>
-          <a:r>
-            <a:rPr lang="es-ES_tradnl" sz="2400" kern="1200" smtClean="0"/>
-            <a:t>Definir Ontología y Vocabulario para descripción de Servicios Web</a:t>
-          </a:r>
-          <a:endParaRPr lang="es-ES_tradnl" sz="2400" kern="1200" dirty="0"/>
-        </a:p>
-        <a:p>
-          <a:pPr marL="228600" lvl="1" indent="-228600" algn="l" defTabSz="1066800">
-            <a:lnSpc>
-              <a:spcPct val="90000"/>
-            </a:lnSpc>
-            <a:spcBef>
-              <a:spcPct val="0"/>
-            </a:spcBef>
-            <a:spcAft>
-              <a:spcPct val="20000"/>
-            </a:spcAft>
-            <a:buChar char="••"/>
-          </a:pPr>
-          <a:r>
-            <a:rPr lang="es-ES_tradnl" sz="2400" b="1" kern="1200" dirty="0" smtClean="0"/>
-            <a:t>Entregables:</a:t>
-          </a:r>
-          <a:r>
-            <a:rPr lang="es-ES_tradnl" sz="2400" kern="1200" dirty="0" smtClean="0"/>
-            <a:t>	</a:t>
-          </a:r>
-          <a:endParaRPr lang="es-ES_tradnl" sz="2400" kern="1200" dirty="0"/>
-        </a:p>
-        <a:p>
-          <a:pPr marL="457200" lvl="2" indent="-228600" algn="l" defTabSz="1066800">
-            <a:lnSpc>
-              <a:spcPct val="90000"/>
-            </a:lnSpc>
-            <a:spcBef>
-              <a:spcPct val="0"/>
-            </a:spcBef>
-            <a:spcAft>
-              <a:spcPct val="20000"/>
-            </a:spcAft>
-            <a:buChar char="••"/>
-          </a:pPr>
-          <a:r>
-            <a:rPr lang="es-ES_tradnl" sz="2400" kern="1200" dirty="0" smtClean="0"/>
-            <a:t>Ontología y Vocabulario para descripción de Servicios Web</a:t>
-          </a:r>
-          <a:endParaRPr lang="es-ES_tradnl" sz="2400" kern="1200" dirty="0"/>
-        </a:p>
-        <a:p>
-          <a:pPr marL="228600" lvl="1" indent="-228600" algn="l" defTabSz="1066800">
-            <a:lnSpc>
-              <a:spcPct val="90000"/>
-            </a:lnSpc>
-            <a:spcBef>
-              <a:spcPct val="0"/>
-            </a:spcBef>
-            <a:spcAft>
-              <a:spcPct val="20000"/>
-            </a:spcAft>
-            <a:buChar char="••"/>
-          </a:pPr>
-          <a:r>
-            <a:rPr lang="es-ES_tradnl" sz="2400" b="1" kern="1200" dirty="0" smtClean="0"/>
-            <a:t>Aportes más importantes</a:t>
-          </a:r>
-          <a:endParaRPr lang="es-ES_tradnl" sz="2400" b="1" kern="1200" dirty="0"/>
-        </a:p>
-        <a:p>
-          <a:pPr marL="228600" lvl="1" indent="-228600" algn="l" defTabSz="1066800">
-            <a:lnSpc>
-              <a:spcPct val="90000"/>
-            </a:lnSpc>
-            <a:spcBef>
-              <a:spcPct val="0"/>
-            </a:spcBef>
-            <a:spcAft>
-              <a:spcPct val="20000"/>
-            </a:spcAft>
-            <a:buChar char="••"/>
-          </a:pPr>
-          <a:r>
-            <a:rPr lang="es-ES_tradnl" sz="2400" b="1" kern="1200" dirty="0" smtClean="0"/>
-            <a:t>Problemas encontrados </a:t>
-          </a:r>
-          <a:endParaRPr lang="es-ES_tradnl" sz="2400" b="1" kern="1200" dirty="0"/>
-        </a:p>
-        <a:p>
-          <a:pPr marL="228600" lvl="1" indent="-228600" algn="l" defTabSz="1066800">
-            <a:lnSpc>
-              <a:spcPct val="90000"/>
-            </a:lnSpc>
-            <a:spcBef>
-              <a:spcPct val="0"/>
-            </a:spcBef>
-            <a:spcAft>
-              <a:spcPct val="20000"/>
-            </a:spcAft>
-            <a:buChar char="••"/>
-          </a:pPr>
-          <a:r>
-            <a:rPr lang="es-ES_tradnl" sz="2400" b="1" kern="1200" dirty="0" smtClean="0"/>
-            <a:t>Temas pendientes</a:t>
-          </a:r>
-          <a:endParaRPr lang="es-ES_tradnl" sz="2400" b="1" kern="1200" dirty="0"/>
-        </a:p>
-      </dsp:txBody>
-      <dsp:txXfrm>
-        <a:off x="0" y="1406363"/>
-        <a:ext cx="8442325" cy="3094649"/>
-      </dsp:txXfrm>
-    </dsp:sp>
-  </dsp:spTree>
-</dsp:drawing>
-</file>
-
-<file path=ppt/diagrams/drawing4.xml><?xml version="1.0" encoding="utf-8"?>
-<dsp:drawing xmlns:dgm="http://schemas.openxmlformats.org/drawingml/2006/diagram" xmlns:dsp="http://schemas.microsoft.com/office/drawing/2008/diagram" xmlns:a="http://schemas.openxmlformats.org/drawingml/2006/main">
-  <dsp:spTree>
-    <dsp:nvGrpSpPr>
-      <dsp:cNvPr id="0" name=""/>
-      <dsp:cNvGrpSpPr/>
-    </dsp:nvGrpSpPr>
-    <dsp:grpSpPr/>
-    <dsp:sp modelId="{78C8E693-FE6C-6F46-8864-984326505708}">
-      <dsp:nvSpPr>
-        <dsp:cNvPr id="0" name=""/>
-        <dsp:cNvSpPr/>
-      </dsp:nvSpPr>
-      <dsp:spPr>
-        <a:xfrm>
-          <a:off x="0" y="525937"/>
-          <a:ext cx="8442325" cy="1216800"/>
-        </a:xfrm>
-        <a:prstGeom prst="roundRect">
-          <a:avLst/>
-        </a:prstGeom>
-        <a:gradFill rotWithShape="0">
-          <a:gsLst>
-            <a:gs pos="0">
-              <a:schemeClr val="accent1">
-                <a:hueOff val="0"/>
-                <a:satOff val="0"/>
-                <a:lumOff val="0"/>
-                <a:alphaOff val="0"/>
-                <a:shade val="51000"/>
-                <a:satMod val="130000"/>
-              </a:schemeClr>
-            </a:gs>
-            <a:gs pos="80000">
-              <a:schemeClr val="accent1">
-                <a:hueOff val="0"/>
-                <a:satOff val="0"/>
-                <a:lumOff val="0"/>
-                <a:alphaOff val="0"/>
-                <a:shade val="93000"/>
-                <a:satMod val="130000"/>
-              </a:schemeClr>
-            </a:gs>
-            <a:gs pos="100000">
-              <a:schemeClr val="accent1">
-                <a:hueOff val="0"/>
-                <a:satOff val="0"/>
-                <a:lumOff val="0"/>
-                <a:alphaOff val="0"/>
-                <a:shade val="94000"/>
-                <a:satMod val="135000"/>
-              </a:schemeClr>
-            </a:gs>
-          </a:gsLst>
-          <a:lin ang="16200000" scaled="0"/>
-        </a:gradFill>
-        <a:ln>
-          <a:noFill/>
-        </a:ln>
-        <a:effectLst>
-          <a:outerShdw blurRad="40000" dist="23000" dir="5400000" rotWithShape="0">
-            <a:srgbClr val="000000">
-              <a:alpha val="35000"/>
-            </a:srgbClr>
-          </a:outerShdw>
-        </a:effectLst>
-      </dsp:spPr>
-      <dsp:style>
-        <a:lnRef idx="0">
-          <a:scrgbClr r="0" g="0" b="0"/>
-        </a:lnRef>
-        <a:fillRef idx="3">
-          <a:scrgbClr r="0" g="0" b="0"/>
-        </a:fillRef>
-        <a:effectRef idx="2">
-          <a:scrgbClr r="0" g="0" b="0"/>
-        </a:effectRef>
-        <a:fontRef idx="minor">
-          <a:schemeClr val="lt1"/>
-        </a:fontRef>
-      </dsp:style>
-      <dsp:txBody>
-        <a:bodyPr spcFirstLastPara="0" vert="horz" wrap="square" lIns="91440" tIns="91440" rIns="91440" bIns="91440" numCol="1" spcCol="1270" anchor="ctr" anchorCtr="0">
-          <a:noAutofit/>
-        </a:bodyPr>
-        <a:lstStyle/>
-        <a:p>
-          <a:pPr lvl="0" algn="l" defTabSz="1066800">
-            <a:lnSpc>
-              <a:spcPct val="90000"/>
-            </a:lnSpc>
-            <a:spcBef>
-              <a:spcPct val="0"/>
-            </a:spcBef>
-            <a:spcAft>
-              <a:spcPct val="35000"/>
-            </a:spcAft>
-          </a:pPr>
-          <a:r>
-            <a:rPr lang="es-EC" sz="2400" b="1" kern="1200" dirty="0" smtClean="0"/>
-            <a:t>Base de Conocimiento</a:t>
-          </a:r>
-          <a:endParaRPr lang="es-ES_tradnl" sz="2400" b="1" kern="1200" dirty="0"/>
-        </a:p>
-      </dsp:txBody>
-      <dsp:txXfrm>
-        <a:off x="59399" y="585336"/>
-        <a:ext cx="8323527" cy="1098002"/>
-      </dsp:txXfrm>
-    </dsp:sp>
-    <dsp:sp modelId="{8B14C782-AF89-0F47-9D34-C6D40538E8B7}">
-      <dsp:nvSpPr>
-        <dsp:cNvPr id="0" name=""/>
-        <dsp:cNvSpPr/>
-      </dsp:nvSpPr>
-      <dsp:spPr>
-        <a:xfrm>
-          <a:off x="0" y="1742738"/>
-          <a:ext cx="8442325" cy="2421900"/>
-        </a:xfrm>
-        <a:prstGeom prst="rect">
-          <a:avLst/>
-        </a:prstGeom>
-        <a:noFill/>
-        <a:ln>
-          <a:noFill/>
-        </a:ln>
-        <a:effectLst/>
-      </dsp:spPr>
-      <dsp:style>
-        <a:lnRef idx="0">
-          <a:scrgbClr r="0" g="0" b="0"/>
-        </a:lnRef>
-        <a:fillRef idx="0">
-          <a:scrgbClr r="0" g="0" b="0"/>
-        </a:fillRef>
-        <a:effectRef idx="0">
-          <a:scrgbClr r="0" g="0" b="0"/>
-        </a:effectRef>
-        <a:fontRef idx="minor"/>
-      </dsp:style>
-      <dsp:txBody>
-        <a:bodyPr spcFirstLastPara="0" vert="horz" wrap="square" lIns="268044" tIns="30480" rIns="170688" bIns="30480" numCol="1" spcCol="1270" anchor="t" anchorCtr="0">
-          <a:noAutofit/>
-        </a:bodyPr>
-        <a:lstStyle/>
-        <a:p>
-          <a:pPr marL="228600" lvl="1" indent="-228600" algn="l" defTabSz="1066800">
-            <a:lnSpc>
-              <a:spcPct val="90000"/>
-            </a:lnSpc>
-            <a:spcBef>
-              <a:spcPct val="0"/>
-            </a:spcBef>
-            <a:spcAft>
-              <a:spcPct val="20000"/>
-            </a:spcAft>
-            <a:buChar char="••"/>
-          </a:pPr>
-          <a:r>
-            <a:rPr lang="es-ES_tradnl" sz="2400" kern="1200" dirty="0" smtClean="0"/>
-            <a:t>Ingrese descripción de la fase con su objetivo  </a:t>
-          </a:r>
-          <a:endParaRPr lang="es-ES_tradnl" sz="2400" kern="1200" dirty="0"/>
-        </a:p>
-        <a:p>
-          <a:pPr marL="228600" lvl="1" indent="-228600" algn="l" defTabSz="1066800">
-            <a:lnSpc>
-              <a:spcPct val="90000"/>
-            </a:lnSpc>
-            <a:spcBef>
-              <a:spcPct val="0"/>
-            </a:spcBef>
-            <a:spcAft>
-              <a:spcPct val="20000"/>
-            </a:spcAft>
-            <a:buChar char="••"/>
-          </a:pPr>
-          <a:r>
-            <a:rPr lang="es-ES_tradnl" sz="2400" b="1" kern="1200" dirty="0" smtClean="0"/>
-            <a:t>Entregables:</a:t>
-          </a:r>
-          <a:r>
-            <a:rPr lang="es-ES_tradnl" sz="2400" kern="1200" dirty="0" smtClean="0"/>
-            <a:t>	</a:t>
-          </a:r>
-          <a:endParaRPr lang="es-ES_tradnl" sz="2400" kern="1200" dirty="0"/>
-        </a:p>
-        <a:p>
-          <a:pPr marL="457200" lvl="2" indent="-228600" algn="l" defTabSz="1066800">
-            <a:lnSpc>
-              <a:spcPct val="90000"/>
-            </a:lnSpc>
-            <a:spcBef>
-              <a:spcPct val="0"/>
-            </a:spcBef>
-            <a:spcAft>
-              <a:spcPct val="20000"/>
-            </a:spcAft>
-            <a:buChar char="••"/>
-          </a:pPr>
-          <a:r>
-            <a:rPr lang="es-ES_tradnl" sz="2400" kern="1200" smtClean="0"/>
-            <a:t>Base de Conocimiento</a:t>
-          </a:r>
-          <a:endParaRPr lang="es-ES_tradnl" sz="2400" kern="1200" dirty="0"/>
-        </a:p>
-        <a:p>
-          <a:pPr marL="228600" lvl="1" indent="-228600" algn="l" defTabSz="1066800">
-            <a:lnSpc>
-              <a:spcPct val="90000"/>
-            </a:lnSpc>
-            <a:spcBef>
-              <a:spcPct val="0"/>
-            </a:spcBef>
-            <a:spcAft>
-              <a:spcPct val="20000"/>
-            </a:spcAft>
-            <a:buChar char="••"/>
-          </a:pPr>
-          <a:r>
-            <a:rPr lang="es-ES_tradnl" sz="2400" b="1" kern="1200" dirty="0" smtClean="0"/>
-            <a:t>Aportes más importantes</a:t>
-          </a:r>
-          <a:endParaRPr lang="es-ES_tradnl" sz="2400" b="1" kern="1200" dirty="0"/>
-        </a:p>
-        <a:p>
-          <a:pPr marL="228600" lvl="1" indent="-228600" algn="l" defTabSz="1066800">
-            <a:lnSpc>
-              <a:spcPct val="90000"/>
-            </a:lnSpc>
-            <a:spcBef>
-              <a:spcPct val="0"/>
-            </a:spcBef>
-            <a:spcAft>
-              <a:spcPct val="20000"/>
-            </a:spcAft>
-            <a:buChar char="••"/>
-          </a:pPr>
-          <a:r>
-            <a:rPr lang="es-ES_tradnl" sz="2400" b="1" kern="1200" dirty="0" smtClean="0"/>
-            <a:t>Problemas encontrados </a:t>
-          </a:r>
-          <a:endParaRPr lang="es-ES_tradnl" sz="2400" b="1" kern="1200" dirty="0"/>
-        </a:p>
-        <a:p>
-          <a:pPr marL="228600" lvl="1" indent="-228600" algn="l" defTabSz="1066800">
-            <a:lnSpc>
-              <a:spcPct val="90000"/>
-            </a:lnSpc>
-            <a:spcBef>
-              <a:spcPct val="0"/>
-            </a:spcBef>
-            <a:spcAft>
-              <a:spcPct val="20000"/>
-            </a:spcAft>
-            <a:buChar char="••"/>
-          </a:pPr>
-          <a:r>
-            <a:rPr lang="es-ES_tradnl" sz="2400" b="1" kern="1200" dirty="0" smtClean="0"/>
-            <a:t>Temas pendientes</a:t>
-          </a:r>
-          <a:endParaRPr lang="es-ES_tradnl" sz="2400" b="1" kern="1200" dirty="0"/>
-        </a:p>
-      </dsp:txBody>
-      <dsp:txXfrm>
-        <a:off x="0" y="1742738"/>
-        <a:ext cx="8442325" cy="2421900"/>
-      </dsp:txXfrm>
-    </dsp:sp>
-  </dsp:spTree>
-</dsp:drawing>
-</file>
-
-<file path=ppt/diagrams/drawing5.xml><?xml version="1.0" encoding="utf-8"?>
 <dsp:drawing xmlns:dgm="http://schemas.openxmlformats.org/drawingml/2006/diagram" xmlns:dsp="http://schemas.microsoft.com/office/drawing/2008/diagram" xmlns:a="http://schemas.openxmlformats.org/drawingml/2006/main">
   <dsp:spTree>
     <dsp:nvGrpSpPr>
@@ -9564,47 +6593,9 @@
           </a:pPr>
           <a:r>
             <a:rPr lang="es-ES_tradnl" sz="2400" kern="1200" dirty="0" smtClean="0"/>
-            <a:t>Servicios Web anotados semánticamente</a:t>
+            <a:t>Creación de WS para Tokenización</a:t>
           </a:r>
           <a:endParaRPr lang="es-ES_tradnl" sz="2400" kern="1200" dirty="0"/>
-        </a:p>
-        <a:p>
-          <a:pPr marL="228600" lvl="1" indent="-228600" algn="l" defTabSz="1066800">
-            <a:lnSpc>
-              <a:spcPct val="90000"/>
-            </a:lnSpc>
-            <a:spcBef>
-              <a:spcPct val="0"/>
-            </a:spcBef>
-            <a:spcAft>
-              <a:spcPct val="20000"/>
-            </a:spcAft>
-            <a:buChar char="••"/>
-          </a:pPr>
-          <a:r>
-            <a:rPr lang="es-ES_tradnl" sz="2400" b="1" kern="1200" dirty="0" smtClean="0"/>
-            <a:t>Aportes más importantes</a:t>
-          </a:r>
-          <a:endParaRPr lang="es-ES_tradnl" sz="2400" b="1" kern="1200" dirty="0"/>
-        </a:p>
-        <a:p>
-          <a:pPr marL="228600" lvl="1" indent="-228600" algn="l" defTabSz="1066800">
-            <a:lnSpc>
-              <a:spcPct val="90000"/>
-            </a:lnSpc>
-            <a:spcBef>
-              <a:spcPct val="0"/>
-            </a:spcBef>
-            <a:spcAft>
-              <a:spcPct val="20000"/>
-            </a:spcAft>
-            <a:buChar char="••"/>
-          </a:pPr>
-          <a:r>
-            <a:rPr lang="es-ES_tradnl" sz="2400" b="1" kern="1200" dirty="0" smtClean="0"/>
-            <a:t>Problemas encontrados </a:t>
-          </a:r>
-          <a:endParaRPr lang="es-ES_tradnl" sz="2400" b="1" kern="1200" dirty="0"/>
         </a:p>
         <a:p>
           <a:pPr marL="457200" lvl="2" indent="-228600" algn="l" defTabSz="1066800">
@@ -9621,12 +6612,12 @@
           </a:pPr>
           <a:r>
             <a:rPr lang="es-ES_tradnl" sz="2400" kern="1200" dirty="0" smtClean="0"/>
-            <a:t>Definición de las librerías, estructura y precisión </a:t>
+            <a:t>Creación de WS para Extracción de entidades</a:t>
           </a:r>
           <a:endParaRPr lang="es-ES_tradnl" sz="2400" kern="1200" dirty="0"/>
         </a:p>
         <a:p>
-          <a:pPr marL="228600" lvl="1" indent="-228600" algn="l" defTabSz="1066800">
+          <a:pPr marL="457200" lvl="2" indent="-228600" algn="l" defTabSz="1066800">
             <a:lnSpc>
               <a:spcPct val="90000"/>
             </a:lnSpc>
@@ -9639,10 +6630,48 @@
             <a:buChar char="••"/>
           </a:pPr>
           <a:r>
-            <a:rPr lang="es-ES_tradnl" sz="2400" b="1" kern="1200" dirty="0" smtClean="0"/>
-            <a:t>Temas pendientes</a:t>
+            <a:rPr lang="es-ES_tradnl" sz="2400" kern="1200" dirty="0" smtClean="0"/>
+            <a:t>Creación de WS para Desambiguación y Limpieza</a:t>
           </a:r>
-          <a:endParaRPr lang="es-ES_tradnl" sz="2400" b="1" kern="1200" dirty="0"/>
+          <a:endParaRPr lang="es-ES_tradnl" sz="2400" kern="1200" dirty="0"/>
+        </a:p>
+        <a:p>
+          <a:pPr marL="457200" lvl="2" indent="-228600" algn="l" defTabSz="1066800">
+            <a:lnSpc>
+              <a:spcPct val="90000"/>
+            </a:lnSpc>
+            <a:spcBef>
+              <a:spcPct val="0"/>
+            </a:spcBef>
+            <a:spcAft>
+              <a:spcPct val="20000"/>
+            </a:spcAft>
+            <a:buChar char="••"/>
+          </a:pPr>
+          <a:r>
+            <a:rPr lang="es-ES_tradnl" sz="2400" kern="1200" dirty="0" smtClean="0"/>
+            <a:t>Creación de WS para Enlace con LOD-Cloud</a:t>
+          </a:r>
+          <a:endParaRPr lang="es-ES_tradnl" sz="2400" kern="1200" dirty="0"/>
+        </a:p>
+        <a:p>
+          <a:pPr marL="457200" lvl="2" indent="-228600" algn="l" defTabSz="1066800">
+            <a:lnSpc>
+              <a:spcPct val="90000"/>
+            </a:lnSpc>
+            <a:spcBef>
+              <a:spcPct val="0"/>
+            </a:spcBef>
+            <a:spcAft>
+              <a:spcPct val="20000"/>
+            </a:spcAft>
+            <a:buChar char="••"/>
+          </a:pPr>
+          <a:r>
+            <a:rPr lang="es-ES_tradnl" sz="2400" kern="1200" dirty="0" smtClean="0"/>
+            <a:t>Creación de App Cliente, para integración de los WS</a:t>
+          </a:r>
+          <a:endParaRPr lang="es-ES_tradnl" sz="2400" kern="1200" dirty="0"/>
         </a:p>
       </dsp:txBody>
       <dsp:txXfrm>
@@ -9654,7 +6683,7 @@
 </dsp:drawing>
 </file>
 
-<file path=ppt/diagrams/drawing6.xml><?xml version="1.0" encoding="utf-8"?>
+<file path=ppt/diagrams/drawing4.xml><?xml version="1.0" encoding="utf-8"?>
 <dsp:drawing xmlns:dgm="http://schemas.openxmlformats.org/drawingml/2006/diagram" xmlns:dsp="http://schemas.microsoft.com/office/drawing/2008/diagram" xmlns:a="http://schemas.openxmlformats.org/drawingml/2006/main">
   <dsp:spTree>
     <dsp:nvGrpSpPr>
@@ -10653,340 +7682,6 @@
 </dgm:layoutDef>
 </file>
 
-<file path=ppt/diagrams/layout5.xml><?xml version="1.0" encoding="utf-8"?>
-<dgm:layoutDef xmlns:dgm="http://schemas.openxmlformats.org/drawingml/2006/diagram" xmlns:a="http://schemas.openxmlformats.org/drawingml/2006/main" uniqueId="urn:microsoft.com/office/officeart/2005/8/layout/vList2">
-  <dgm:title val=""/>
-  <dgm:desc val=""/>
-  <dgm:catLst>
-    <dgm:cat type="list" pri="3000"/>
-    <dgm:cat type="convert" pri="1000"/>
-  </dgm:catLst>
-  <dgm:sampData>
-    <dgm:dataModel>
-      <dgm:ptLst>
-        <dgm:pt modelId="0" type="doc"/>
-        <dgm:pt modelId="1">
-          <dgm:prSet phldr="1"/>
-        </dgm:pt>
-        <dgm:pt modelId="11">
-          <dgm:prSet phldr="1"/>
-        </dgm:pt>
-        <dgm:pt modelId="2">
-          <dgm:prSet phldr="1"/>
-        </dgm:pt>
-        <dgm:pt modelId="21">
-          <dgm:prSet phldr="1"/>
-        </dgm:pt>
-      </dgm:ptLst>
-      <dgm:cxnLst>
-        <dgm:cxn modelId="4" srcId="0" destId="1" srcOrd="0" destOrd="0"/>
-        <dgm:cxn modelId="5" srcId="0" destId="2" srcOrd="1" destOrd="0"/>
-        <dgm:cxn modelId="12" srcId="1" destId="11" srcOrd="0" destOrd="0"/>
-        <dgm:cxn modelId="23" srcId="2" destId="21" srcOrd="0" destOrd="0"/>
-      </dgm:cxnLst>
-      <dgm:bg/>
-      <dgm:whole/>
-    </dgm:dataModel>
-  </dgm:sampData>
-  <dgm:styleData>
-    <dgm:dataModel>
-      <dgm:ptLst>
-        <dgm:pt modelId="0" type="doc"/>
-        <dgm:pt modelId="1"/>
-        <dgm:pt modelId="2"/>
-      </dgm:ptLst>
-      <dgm:cxnLst>
-        <dgm:cxn modelId="3" srcId="0" destId="1" srcOrd="0" destOrd="0"/>
-        <dgm:cxn modelId="4" srcId="0" destId="2" srcOrd="1" destOrd="0"/>
-      </dgm:cxnLst>
-      <dgm:bg/>
-      <dgm:whole/>
-    </dgm:dataModel>
-  </dgm:styleData>
-  <dgm:clrData>
-    <dgm:dataModel>
-      <dgm:ptLst>
-        <dgm:pt modelId="0" type="doc"/>
-        <dgm:pt modelId="1"/>
-        <dgm:pt modelId="2"/>
-        <dgm:pt modelId="3"/>
-        <dgm:pt modelId="4"/>
-      </dgm:ptLst>
-      <dgm:cxnLst>
-        <dgm:cxn modelId="5" srcId="0" destId="1" srcOrd="0" destOrd="0"/>
-        <dgm:cxn modelId="6" srcId="0" destId="2" srcOrd="1" destOrd="0"/>
-        <dgm:cxn modelId="7" srcId="0" destId="3" srcOrd="2" destOrd="0"/>
-        <dgm:cxn modelId="8" srcId="0" destId="4" srcOrd="3" destOrd="0"/>
-      </dgm:cxnLst>
-      <dgm:bg/>
-      <dgm:whole/>
-    </dgm:dataModel>
-  </dgm:clrData>
-  <dgm:layoutNode name="linear">
-    <dgm:varLst>
-      <dgm:animLvl val="lvl"/>
-      <dgm:resizeHandles val="exact"/>
-    </dgm:varLst>
-    <dgm:alg type="lin">
-      <dgm:param type="linDir" val="fromT"/>
-      <dgm:param type="vertAlign" val="mid"/>
-    </dgm:alg>
-    <dgm:shape xmlns:r="http://schemas.openxmlformats.org/officeDocument/2006/relationships" r:blip="">
-      <dgm:adjLst/>
-    </dgm:shape>
-    <dgm:presOf/>
-    <dgm:constrLst>
-      <dgm:constr type="w" for="ch" forName="parentText" refType="w"/>
-      <dgm:constr type="h" for="ch" forName="parentText" refType="primFontSz" refFor="ch" refForName="parentText" fact="0.52"/>
-      <dgm:constr type="w" for="ch" forName="childText" refType="w"/>
-      <dgm:constr type="h" for="ch" forName="childText" refType="primFontSz" refFor="ch" refForName="parentText" fact="0.46"/>
-      <dgm:constr type="h" for="ch" forName="parentText" op="equ"/>
-      <dgm:constr type="primFontSz" for="ch" forName="parentText" op="equ" val="65"/>
-      <dgm:constr type="primFontSz" for="ch" forName="childText" refType="primFontSz" refFor="ch" refForName="parentText" op="equ"/>
-      <dgm:constr type="h" for="ch" forName="spacer" refType="primFontSz" refFor="ch" refForName="parentText" fact="0.08"/>
-    </dgm:constrLst>
-    <dgm:ruleLst>
-      <dgm:rule type="primFontSz" for="ch" forName="parentText" val="5" fact="NaN" max="NaN"/>
-    </dgm:ruleLst>
-    <dgm:forEach name="Name0" axis="ch" ptType="node">
-      <dgm:layoutNode name="parentText" styleLbl="node1">
-        <dgm:varLst>
-          <dgm:chMax val="0"/>
-          <dgm:bulletEnabled val="1"/>
-        </dgm:varLst>
-        <dgm:alg type="tx">
-          <dgm:param type="parTxLTRAlign" val="l"/>
-          <dgm:param type="parTxRTLAlign" val="r"/>
-        </dgm:alg>
-        <dgm:shape xmlns:r="http://schemas.openxmlformats.org/officeDocument/2006/relationships" type="roundRect" r:blip="">
-          <dgm:adjLst/>
-        </dgm:shape>
-        <dgm:presOf axis="self"/>
-        <dgm:constrLst>
-          <dgm:constr type="tMarg" refType="primFontSz" fact="0.3"/>
-          <dgm:constr type="bMarg" refType="primFontSz" fact="0.3"/>
-          <dgm:constr type="lMarg" refType="primFontSz" fact="0.3"/>
-          <dgm:constr type="rMarg" refType="primFontSz" fact="0.3"/>
-        </dgm:constrLst>
-        <dgm:ruleLst>
-          <dgm:rule type="h" val="INF" fact="NaN" max="NaN"/>
-        </dgm:ruleLst>
-      </dgm:layoutNode>
-      <dgm:choose name="Name1">
-        <dgm:if name="Name2" axis="ch" ptType="node" func="cnt" op="gte" val="1">
-          <dgm:layoutNode name="childText" styleLbl="revTx">
-            <dgm:varLst>
-              <dgm:bulletEnabled val="1"/>
-            </dgm:varLst>
-            <dgm:alg type="tx">
-              <dgm:param type="stBulletLvl" val="1"/>
-              <dgm:param type="lnSpAfChP" val="20"/>
-            </dgm:alg>
-            <dgm:shape xmlns:r="http://schemas.openxmlformats.org/officeDocument/2006/relationships" type="rect" r:blip="">
-              <dgm:adjLst/>
-            </dgm:shape>
-            <dgm:presOf axis="des" ptType="node"/>
-            <dgm:constrLst>
-              <dgm:constr type="tMarg" refType="primFontSz" fact="0.1"/>
-              <dgm:constr type="bMarg" refType="primFontSz" fact="0.1"/>
-              <dgm:constr type="lMarg" refType="w" fact="0.09"/>
-            </dgm:constrLst>
-            <dgm:ruleLst>
-              <dgm:rule type="h" val="INF" fact="NaN" max="NaN"/>
-            </dgm:ruleLst>
-          </dgm:layoutNode>
-        </dgm:if>
-        <dgm:else name="Name3">
-          <dgm:choose name="Name4">
-            <dgm:if name="Name5" axis="par ch" ptType="doc node" func="cnt" op="gte" val="2">
-              <dgm:forEach name="Name6" axis="followSib" ptType="sibTrans" cnt="1">
-                <dgm:layoutNode name="spacer">
-                  <dgm:alg type="sp"/>
-                  <dgm:shape xmlns:r="http://schemas.openxmlformats.org/officeDocument/2006/relationships" r:blip="">
-                    <dgm:adjLst/>
-                  </dgm:shape>
-                  <dgm:presOf/>
-                  <dgm:constrLst/>
-                  <dgm:ruleLst/>
-                </dgm:layoutNode>
-              </dgm:forEach>
-            </dgm:if>
-            <dgm:else name="Name7"/>
-          </dgm:choose>
-        </dgm:else>
-      </dgm:choose>
-    </dgm:forEach>
-  </dgm:layoutNode>
-</dgm:layoutDef>
-</file>
-
-<file path=ppt/diagrams/layout6.xml><?xml version="1.0" encoding="utf-8"?>
-<dgm:layoutDef xmlns:dgm="http://schemas.openxmlformats.org/drawingml/2006/diagram" xmlns:a="http://schemas.openxmlformats.org/drawingml/2006/main" uniqueId="urn:microsoft.com/office/officeart/2005/8/layout/vList2">
-  <dgm:title val=""/>
-  <dgm:desc val=""/>
-  <dgm:catLst>
-    <dgm:cat type="list" pri="3000"/>
-    <dgm:cat type="convert" pri="1000"/>
-  </dgm:catLst>
-  <dgm:sampData>
-    <dgm:dataModel>
-      <dgm:ptLst>
-        <dgm:pt modelId="0" type="doc"/>
-        <dgm:pt modelId="1">
-          <dgm:prSet phldr="1"/>
-        </dgm:pt>
-        <dgm:pt modelId="11">
-          <dgm:prSet phldr="1"/>
-        </dgm:pt>
-        <dgm:pt modelId="2">
-          <dgm:prSet phldr="1"/>
-        </dgm:pt>
-        <dgm:pt modelId="21">
-          <dgm:prSet phldr="1"/>
-        </dgm:pt>
-      </dgm:ptLst>
-      <dgm:cxnLst>
-        <dgm:cxn modelId="4" srcId="0" destId="1" srcOrd="0" destOrd="0"/>
-        <dgm:cxn modelId="5" srcId="0" destId="2" srcOrd="1" destOrd="0"/>
-        <dgm:cxn modelId="12" srcId="1" destId="11" srcOrd="0" destOrd="0"/>
-        <dgm:cxn modelId="23" srcId="2" destId="21" srcOrd="0" destOrd="0"/>
-      </dgm:cxnLst>
-      <dgm:bg/>
-      <dgm:whole/>
-    </dgm:dataModel>
-  </dgm:sampData>
-  <dgm:styleData>
-    <dgm:dataModel>
-      <dgm:ptLst>
-        <dgm:pt modelId="0" type="doc"/>
-        <dgm:pt modelId="1"/>
-        <dgm:pt modelId="2"/>
-      </dgm:ptLst>
-      <dgm:cxnLst>
-        <dgm:cxn modelId="3" srcId="0" destId="1" srcOrd="0" destOrd="0"/>
-        <dgm:cxn modelId="4" srcId="0" destId="2" srcOrd="1" destOrd="0"/>
-      </dgm:cxnLst>
-      <dgm:bg/>
-      <dgm:whole/>
-    </dgm:dataModel>
-  </dgm:styleData>
-  <dgm:clrData>
-    <dgm:dataModel>
-      <dgm:ptLst>
-        <dgm:pt modelId="0" type="doc"/>
-        <dgm:pt modelId="1"/>
-        <dgm:pt modelId="2"/>
-        <dgm:pt modelId="3"/>
-        <dgm:pt modelId="4"/>
-      </dgm:ptLst>
-      <dgm:cxnLst>
-        <dgm:cxn modelId="5" srcId="0" destId="1" srcOrd="0" destOrd="0"/>
-        <dgm:cxn modelId="6" srcId="0" destId="2" srcOrd="1" destOrd="0"/>
-        <dgm:cxn modelId="7" srcId="0" destId="3" srcOrd="2" destOrd="0"/>
-        <dgm:cxn modelId="8" srcId="0" destId="4" srcOrd="3" destOrd="0"/>
-      </dgm:cxnLst>
-      <dgm:bg/>
-      <dgm:whole/>
-    </dgm:dataModel>
-  </dgm:clrData>
-  <dgm:layoutNode name="linear">
-    <dgm:varLst>
-      <dgm:animLvl val="lvl"/>
-      <dgm:resizeHandles val="exact"/>
-    </dgm:varLst>
-    <dgm:alg type="lin">
-      <dgm:param type="linDir" val="fromT"/>
-      <dgm:param type="vertAlign" val="mid"/>
-    </dgm:alg>
-    <dgm:shape xmlns:r="http://schemas.openxmlformats.org/officeDocument/2006/relationships" r:blip="">
-      <dgm:adjLst/>
-    </dgm:shape>
-    <dgm:presOf/>
-    <dgm:constrLst>
-      <dgm:constr type="w" for="ch" forName="parentText" refType="w"/>
-      <dgm:constr type="h" for="ch" forName="parentText" refType="primFontSz" refFor="ch" refForName="parentText" fact="0.52"/>
-      <dgm:constr type="w" for="ch" forName="childText" refType="w"/>
-      <dgm:constr type="h" for="ch" forName="childText" refType="primFontSz" refFor="ch" refForName="parentText" fact="0.46"/>
-      <dgm:constr type="h" for="ch" forName="parentText" op="equ"/>
-      <dgm:constr type="primFontSz" for="ch" forName="parentText" op="equ" val="65"/>
-      <dgm:constr type="primFontSz" for="ch" forName="childText" refType="primFontSz" refFor="ch" refForName="parentText" op="equ"/>
-      <dgm:constr type="h" for="ch" forName="spacer" refType="primFontSz" refFor="ch" refForName="parentText" fact="0.08"/>
-    </dgm:constrLst>
-    <dgm:ruleLst>
-      <dgm:rule type="primFontSz" for="ch" forName="parentText" val="5" fact="NaN" max="NaN"/>
-    </dgm:ruleLst>
-    <dgm:forEach name="Name0" axis="ch" ptType="node">
-      <dgm:layoutNode name="parentText" styleLbl="node1">
-        <dgm:varLst>
-          <dgm:chMax val="0"/>
-          <dgm:bulletEnabled val="1"/>
-        </dgm:varLst>
-        <dgm:alg type="tx">
-          <dgm:param type="parTxLTRAlign" val="l"/>
-          <dgm:param type="parTxRTLAlign" val="r"/>
-        </dgm:alg>
-        <dgm:shape xmlns:r="http://schemas.openxmlformats.org/officeDocument/2006/relationships" type="roundRect" r:blip="">
-          <dgm:adjLst/>
-        </dgm:shape>
-        <dgm:presOf axis="self"/>
-        <dgm:constrLst>
-          <dgm:constr type="tMarg" refType="primFontSz" fact="0.3"/>
-          <dgm:constr type="bMarg" refType="primFontSz" fact="0.3"/>
-          <dgm:constr type="lMarg" refType="primFontSz" fact="0.3"/>
-          <dgm:constr type="rMarg" refType="primFontSz" fact="0.3"/>
-        </dgm:constrLst>
-        <dgm:ruleLst>
-          <dgm:rule type="h" val="INF" fact="NaN" max="NaN"/>
-        </dgm:ruleLst>
-      </dgm:layoutNode>
-      <dgm:choose name="Name1">
-        <dgm:if name="Name2" axis="ch" ptType="node" func="cnt" op="gte" val="1">
-          <dgm:layoutNode name="childText" styleLbl="revTx">
-            <dgm:varLst>
-              <dgm:bulletEnabled val="1"/>
-            </dgm:varLst>
-            <dgm:alg type="tx">
-              <dgm:param type="stBulletLvl" val="1"/>
-              <dgm:param type="lnSpAfChP" val="20"/>
-            </dgm:alg>
-            <dgm:shape xmlns:r="http://schemas.openxmlformats.org/officeDocument/2006/relationships" type="rect" r:blip="">
-              <dgm:adjLst/>
-            </dgm:shape>
-            <dgm:presOf axis="des" ptType="node"/>
-            <dgm:constrLst>
-              <dgm:constr type="tMarg" refType="primFontSz" fact="0.1"/>
-              <dgm:constr type="bMarg" refType="primFontSz" fact="0.1"/>
-              <dgm:constr type="lMarg" refType="w" fact="0.09"/>
-            </dgm:constrLst>
-            <dgm:ruleLst>
-              <dgm:rule type="h" val="INF" fact="NaN" max="NaN"/>
-            </dgm:ruleLst>
-          </dgm:layoutNode>
-        </dgm:if>
-        <dgm:else name="Name3">
-          <dgm:choose name="Name4">
-            <dgm:if name="Name5" axis="par ch" ptType="doc node" func="cnt" op="gte" val="2">
-              <dgm:forEach name="Name6" axis="followSib" ptType="sibTrans" cnt="1">
-                <dgm:layoutNode name="spacer">
-                  <dgm:alg type="sp"/>
-                  <dgm:shape xmlns:r="http://schemas.openxmlformats.org/officeDocument/2006/relationships" r:blip="">
-                    <dgm:adjLst/>
-                  </dgm:shape>
-                  <dgm:presOf/>
-                  <dgm:constrLst/>
-                  <dgm:ruleLst/>
-                </dgm:layoutNode>
-              </dgm:forEach>
-            </dgm:if>
-            <dgm:else name="Name7"/>
-          </dgm:choose>
-        </dgm:else>
-      </dgm:choose>
-    </dgm:forEach>
-  </dgm:layoutNode>
-</dgm:layoutDef>
-</file>
-
 <file path=ppt/diagrams/quickStyle1.xml><?xml version="1.0" encoding="utf-8"?>
 <dgm:styleDef xmlns:dgm="http://schemas.openxmlformats.org/drawingml/2006/diagram" xmlns:a="http://schemas.openxmlformats.org/drawingml/2006/main" uniqueId="urn:microsoft.com/office/officeart/2005/8/quickstyle/simple4">
   <dgm:title val=""/>
@@ -14090,2074 +10785,6 @@
 </file>
 
 <file path=ppt/diagrams/quickStyle4.xml><?xml version="1.0" encoding="utf-8"?>
-<dgm:styleDef xmlns:dgm="http://schemas.openxmlformats.org/drawingml/2006/diagram" xmlns:a="http://schemas.openxmlformats.org/drawingml/2006/main" uniqueId="urn:microsoft.com/office/officeart/2005/8/quickstyle/simple4">
-  <dgm:title val=""/>
-  <dgm:desc val=""/>
-  <dgm:catLst>
-    <dgm:cat type="simple" pri="10400"/>
-  </dgm:catLst>
-  <dgm:scene3d>
-    <a:camera prst="orthographicFront"/>
-    <a:lightRig rig="threePt" dir="t"/>
-  </dgm:scene3d>
-  <dgm:styleLbl name="node0">
-    <dgm:scene3d>
-      <a:camera prst="orthographicFront"/>
-      <a:lightRig rig="threePt" dir="t"/>
-    </dgm:scene3d>
-    <dgm:sp3d/>
-    <dgm:txPr/>
-    <dgm:style>
-      <a:lnRef idx="0">
-        <a:scrgbClr r="0" g="0" b="0"/>
-      </a:lnRef>
-      <a:fillRef idx="3">
-        <a:scrgbClr r="0" g="0" b="0"/>
-      </a:fillRef>
-      <a:effectRef idx="2">
-        <a:scrgbClr r="0" g="0" b="0"/>
-      </a:effectRef>
-      <a:fontRef idx="minor">
-        <a:schemeClr val="lt1"/>
-      </a:fontRef>
-    </dgm:style>
-  </dgm:styleLbl>
-  <dgm:styleLbl name="lnNode1">
-    <dgm:scene3d>
-      <a:camera prst="orthographicFront"/>
-      <a:lightRig rig="threePt" dir="t"/>
-    </dgm:scene3d>
-    <dgm:sp3d/>
-    <dgm:txPr/>
-    <dgm:style>
-      <a:lnRef idx="1">
-        <a:scrgbClr r="0" g="0" b="0"/>
-      </a:lnRef>
-      <a:fillRef idx="3">
-        <a:scrgbClr r="0" g="0" b="0"/>
-      </a:fillRef>
-      <a:effectRef idx="2">
-        <a:scrgbClr r="0" g="0" b="0"/>
-      </a:effectRef>
-      <a:fontRef idx="minor">
-        <a:schemeClr val="lt1"/>
-      </a:fontRef>
-    </dgm:style>
-  </dgm:styleLbl>
-  <dgm:styleLbl name="vennNode1">
-    <dgm:scene3d>
-      <a:camera prst="orthographicFront"/>
-      <a:lightRig rig="threePt" dir="t"/>
-    </dgm:scene3d>
-    <dgm:sp3d/>
-    <dgm:txPr/>
-    <dgm:style>
-      <a:lnRef idx="0">
-        <a:scrgbClr r="0" g="0" b="0"/>
-      </a:lnRef>
-      <a:fillRef idx="3">
-        <a:scrgbClr r="0" g="0" b="0"/>
-      </a:fillRef>
-      <a:effectRef idx="0">
-        <a:scrgbClr r="0" g="0" b="0"/>
-      </a:effectRef>
-      <a:fontRef idx="minor">
-        <a:schemeClr val="tx1"/>
-      </a:fontRef>
-    </dgm:style>
-  </dgm:styleLbl>
-  <dgm:styleLbl name="alignNode1">
-    <dgm:scene3d>
-      <a:camera prst="orthographicFront"/>
-      <a:lightRig rig="threePt" dir="t"/>
-    </dgm:scene3d>
-    <dgm:sp3d/>
-    <dgm:txPr/>
-    <dgm:style>
-      <a:lnRef idx="1">
-        <a:scrgbClr r="0" g="0" b="0"/>
-      </a:lnRef>
-      <a:fillRef idx="3">
-        <a:scrgbClr r="0" g="0" b="0"/>
-      </a:fillRef>
-      <a:effectRef idx="2">
-        <a:scrgbClr r="0" g="0" b="0"/>
-      </a:effectRef>
-      <a:fontRef idx="minor">
-        <a:schemeClr val="lt1"/>
-      </a:fontRef>
-    </dgm:style>
-  </dgm:styleLbl>
-  <dgm:styleLbl name="node1">
-    <dgm:scene3d>
-      <a:camera prst="orthographicFront"/>
-      <a:lightRig rig="threePt" dir="t"/>
-    </dgm:scene3d>
-    <dgm:sp3d/>
-    <dgm:txPr/>
-    <dgm:style>
-      <a:lnRef idx="0">
-        <a:scrgbClr r="0" g="0" b="0"/>
-      </a:lnRef>
-      <a:fillRef idx="3">
-        <a:scrgbClr r="0" g="0" b="0"/>
-      </a:fillRef>
-      <a:effectRef idx="2">
-        <a:scrgbClr r="0" g="0" b="0"/>
-      </a:effectRef>
-      <a:fontRef idx="minor">
-        <a:schemeClr val="lt1"/>
-      </a:fontRef>
-    </dgm:style>
-  </dgm:styleLbl>
-  <dgm:styleLbl name="node2">
-    <dgm:scene3d>
-      <a:camera prst="orthographicFront"/>
-      <a:lightRig rig="threePt" dir="t"/>
-    </dgm:scene3d>
-    <dgm:sp3d/>
-    <dgm:txPr/>
-    <dgm:style>
-      <a:lnRef idx="0">
-        <a:scrgbClr r="0" g="0" b="0"/>
-      </a:lnRef>
-      <a:fillRef idx="3">
-        <a:scrgbClr r="0" g="0" b="0"/>
-      </a:fillRef>
-      <a:effectRef idx="2">
-        <a:scrgbClr r="0" g="0" b="0"/>
-      </a:effectRef>
-      <a:fontRef idx="minor">
-        <a:schemeClr val="lt1"/>
-      </a:fontRef>
-    </dgm:style>
-  </dgm:styleLbl>
-  <dgm:styleLbl name="node3">
-    <dgm:scene3d>
-      <a:camera prst="orthographicFront"/>
-      <a:lightRig rig="threePt" dir="t"/>
-    </dgm:scene3d>
-    <dgm:sp3d/>
-    <dgm:txPr/>
-    <dgm:style>
-      <a:lnRef idx="0">
-        <a:scrgbClr r="0" g="0" b="0"/>
-      </a:lnRef>
-      <a:fillRef idx="3">
-        <a:scrgbClr r="0" g="0" b="0"/>
-      </a:fillRef>
-      <a:effectRef idx="2">
-        <a:scrgbClr r="0" g="0" b="0"/>
-      </a:effectRef>
-      <a:fontRef idx="minor">
-        <a:schemeClr val="lt1"/>
-      </a:fontRef>
-    </dgm:style>
-  </dgm:styleLbl>
-  <dgm:styleLbl name="node4">
-    <dgm:scene3d>
-      <a:camera prst="orthographicFront"/>
-      <a:lightRig rig="threePt" dir="t"/>
-    </dgm:scene3d>
-    <dgm:sp3d/>
-    <dgm:txPr/>
-    <dgm:style>
-      <a:lnRef idx="0">
-        <a:scrgbClr r="0" g="0" b="0"/>
-      </a:lnRef>
-      <a:fillRef idx="3">
-        <a:scrgbClr r="0" g="0" b="0"/>
-      </a:fillRef>
-      <a:effectRef idx="2">
-        <a:scrgbClr r="0" g="0" b="0"/>
-      </a:effectRef>
-      <a:fontRef idx="minor">
-        <a:schemeClr val="lt1"/>
-      </a:fontRef>
-    </dgm:style>
-  </dgm:styleLbl>
-  <dgm:styleLbl name="fgImgPlace1">
-    <dgm:scene3d>
-      <a:camera prst="orthographicFront"/>
-      <a:lightRig rig="threePt" dir="t"/>
-    </dgm:scene3d>
-    <dgm:sp3d/>
-    <dgm:txPr/>
-    <dgm:style>
-      <a:lnRef idx="0">
-        <a:scrgbClr r="0" g="0" b="0"/>
-      </a:lnRef>
-      <a:fillRef idx="1">
-        <a:scrgbClr r="0" g="0" b="0"/>
-      </a:fillRef>
-      <a:effectRef idx="2">
-        <a:scrgbClr r="0" g="0" b="0"/>
-      </a:effectRef>
-      <a:fontRef idx="minor"/>
-    </dgm:style>
-  </dgm:styleLbl>
-  <dgm:styleLbl name="alignImgPlace1">
-    <dgm:scene3d>
-      <a:camera prst="orthographicFront"/>
-      <a:lightRig rig="threePt" dir="t"/>
-    </dgm:scene3d>
-    <dgm:sp3d/>
-    <dgm:txPr/>
-    <dgm:style>
-      <a:lnRef idx="0">
-        <a:scrgbClr r="0" g="0" b="0"/>
-      </a:lnRef>
-      <a:fillRef idx="1">
-        <a:scrgbClr r="0" g="0" b="0"/>
-      </a:fillRef>
-      <a:effectRef idx="2">
-        <a:scrgbClr r="0" g="0" b="0"/>
-      </a:effectRef>
-      <a:fontRef idx="minor"/>
-    </dgm:style>
-  </dgm:styleLbl>
-  <dgm:styleLbl name="bgImgPlace1">
-    <dgm:scene3d>
-      <a:camera prst="orthographicFront"/>
-      <a:lightRig rig="threePt" dir="t"/>
-    </dgm:scene3d>
-    <dgm:sp3d/>
-    <dgm:txPr/>
-    <dgm:style>
-      <a:lnRef idx="0">
-        <a:scrgbClr r="0" g="0" b="0"/>
-      </a:lnRef>
-      <a:fillRef idx="1">
-        <a:scrgbClr r="0" g="0" b="0"/>
-      </a:fillRef>
-      <a:effectRef idx="2">
-        <a:scrgbClr r="0" g="0" b="0"/>
-      </a:effectRef>
-      <a:fontRef idx="minor"/>
-    </dgm:style>
-  </dgm:styleLbl>
-  <dgm:styleLbl name="sibTrans2D1">
-    <dgm:scene3d>
-      <a:camera prst="orthographicFront"/>
-      <a:lightRig rig="threePt" dir="t"/>
-    </dgm:scene3d>
-    <dgm:sp3d/>
-    <dgm:txPr/>
-    <dgm:style>
-      <a:lnRef idx="0">
-        <a:scrgbClr r="0" g="0" b="0"/>
-      </a:lnRef>
-      <a:fillRef idx="3">
-        <a:scrgbClr r="0" g="0" b="0"/>
-      </a:fillRef>
-      <a:effectRef idx="2">
-        <a:scrgbClr r="0" g="0" b="0"/>
-      </a:effectRef>
-      <a:fontRef idx="minor">
-        <a:schemeClr val="lt1"/>
-      </a:fontRef>
-    </dgm:style>
-  </dgm:styleLbl>
-  <dgm:styleLbl name="fgSibTrans2D1">
-    <dgm:scene3d>
-      <a:camera prst="orthographicFront"/>
-      <a:lightRig rig="threePt" dir="t"/>
-    </dgm:scene3d>
-    <dgm:sp3d/>
-    <dgm:txPr/>
-    <dgm:style>
-      <a:lnRef idx="0">
-        <a:scrgbClr r="0" g="0" b="0"/>
-      </a:lnRef>
-      <a:fillRef idx="3">
-        <a:scrgbClr r="0" g="0" b="0"/>
-      </a:fillRef>
-      <a:effectRef idx="2">
-        <a:scrgbClr r="0" g="0" b="0"/>
-      </a:effectRef>
-      <a:fontRef idx="minor">
-        <a:schemeClr val="lt1"/>
-      </a:fontRef>
-    </dgm:style>
-  </dgm:styleLbl>
-  <dgm:styleLbl name="bgSibTrans2D1">
-    <dgm:scene3d>
-      <a:camera prst="orthographicFront"/>
-      <a:lightRig rig="threePt" dir="t"/>
-    </dgm:scene3d>
-    <dgm:sp3d/>
-    <dgm:txPr/>
-    <dgm:style>
-      <a:lnRef idx="0">
-        <a:scrgbClr r="0" g="0" b="0"/>
-      </a:lnRef>
-      <a:fillRef idx="3">
-        <a:scrgbClr r="0" g="0" b="0"/>
-      </a:fillRef>
-      <a:effectRef idx="2">
-        <a:scrgbClr r="0" g="0" b="0"/>
-      </a:effectRef>
-      <a:fontRef idx="minor">
-        <a:schemeClr val="lt1"/>
-      </a:fontRef>
-    </dgm:style>
-  </dgm:styleLbl>
-  <dgm:styleLbl name="sibTrans1D1">
-    <dgm:scene3d>
-      <a:camera prst="orthographicFront"/>
-      <a:lightRig rig="threePt" dir="t"/>
-    </dgm:scene3d>
-    <dgm:sp3d/>
-    <dgm:txPr/>
-    <dgm:style>
-      <a:lnRef idx="1">
-        <a:scrgbClr r="0" g="0" b="0"/>
-      </a:lnRef>
-      <a:fillRef idx="0">
-        <a:scrgbClr r="0" g="0" b="0"/>
-      </a:fillRef>
-      <a:effectRef idx="0">
-        <a:scrgbClr r="0" g="0" b="0"/>
-      </a:effectRef>
-      <a:fontRef idx="minor"/>
-    </dgm:style>
-  </dgm:styleLbl>
-  <dgm:styleLbl name="callout">
-    <dgm:scene3d>
-      <a:camera prst="orthographicFront"/>
-      <a:lightRig rig="threePt" dir="t"/>
-    </dgm:scene3d>
-    <dgm:sp3d/>
-    <dgm:txPr/>
-    <dgm:style>
-      <a:lnRef idx="2">
-        <a:scrgbClr r="0" g="0" b="0"/>
-      </a:lnRef>
-      <a:fillRef idx="1">
-        <a:scrgbClr r="0" g="0" b="0"/>
-      </a:fillRef>
-      <a:effectRef idx="1">
-        <a:scrgbClr r="0" g="0" b="0"/>
-      </a:effectRef>
-      <a:fontRef idx="minor"/>
-    </dgm:style>
-  </dgm:styleLbl>
-  <dgm:styleLbl name="asst0">
-    <dgm:scene3d>
-      <a:camera prst="orthographicFront"/>
-      <a:lightRig rig="threePt" dir="t"/>
-    </dgm:scene3d>
-    <dgm:sp3d/>
-    <dgm:txPr/>
-    <dgm:style>
-      <a:lnRef idx="0">
-        <a:scrgbClr r="0" g="0" b="0"/>
-      </a:lnRef>
-      <a:fillRef idx="3">
-        <a:scrgbClr r="0" g="0" b="0"/>
-      </a:fillRef>
-      <a:effectRef idx="2">
-        <a:scrgbClr r="0" g="0" b="0"/>
-      </a:effectRef>
-      <a:fontRef idx="minor">
-        <a:schemeClr val="lt1"/>
-      </a:fontRef>
-    </dgm:style>
-  </dgm:styleLbl>
-  <dgm:styleLbl name="asst1">
-    <dgm:scene3d>
-      <a:camera prst="orthographicFront"/>
-      <a:lightRig rig="threePt" dir="t"/>
-    </dgm:scene3d>
-    <dgm:sp3d/>
-    <dgm:txPr/>
-    <dgm:style>
-      <a:lnRef idx="0">
-        <a:scrgbClr r="0" g="0" b="0"/>
-      </a:lnRef>
-      <a:fillRef idx="3">
-        <a:scrgbClr r="0" g="0" b="0"/>
-      </a:fillRef>
-      <a:effectRef idx="2">
-        <a:scrgbClr r="0" g="0" b="0"/>
-      </a:effectRef>
-      <a:fontRef idx="minor">
-        <a:schemeClr val="lt1"/>
-      </a:fontRef>
-    </dgm:style>
-  </dgm:styleLbl>
-  <dgm:styleLbl name="asst2">
-    <dgm:scene3d>
-      <a:camera prst="orthographicFront"/>
-      <a:lightRig rig="threePt" dir="t"/>
-    </dgm:scene3d>
-    <dgm:sp3d/>
-    <dgm:txPr/>
-    <dgm:style>
-      <a:lnRef idx="0">
-        <a:scrgbClr r="0" g="0" b="0"/>
-      </a:lnRef>
-      <a:fillRef idx="3">
-        <a:scrgbClr r="0" g="0" b="0"/>
-      </a:fillRef>
-      <a:effectRef idx="2">
-        <a:scrgbClr r="0" g="0" b="0"/>
-      </a:effectRef>
-      <a:fontRef idx="minor">
-        <a:schemeClr val="lt1"/>
-      </a:fontRef>
-    </dgm:style>
-  </dgm:styleLbl>
-  <dgm:styleLbl name="asst3">
-    <dgm:scene3d>
-      <a:camera prst="orthographicFront"/>
-      <a:lightRig rig="threePt" dir="t"/>
-    </dgm:scene3d>
-    <dgm:sp3d/>
-    <dgm:txPr/>
-    <dgm:style>
-      <a:lnRef idx="0">
-        <a:scrgbClr r="0" g="0" b="0"/>
-      </a:lnRef>
-      <a:fillRef idx="3">
-        <a:scrgbClr r="0" g="0" b="0"/>
-      </a:fillRef>
-      <a:effectRef idx="2">
-        <a:scrgbClr r="0" g="0" b="0"/>
-      </a:effectRef>
-      <a:fontRef idx="minor">
-        <a:schemeClr val="lt1"/>
-      </a:fontRef>
-    </dgm:style>
-  </dgm:styleLbl>
-  <dgm:styleLbl name="asst4">
-    <dgm:scene3d>
-      <a:camera prst="orthographicFront"/>
-      <a:lightRig rig="threePt" dir="t"/>
-    </dgm:scene3d>
-    <dgm:sp3d/>
-    <dgm:txPr/>
-    <dgm:style>
-      <a:lnRef idx="0">
-        <a:scrgbClr r="0" g="0" b="0"/>
-      </a:lnRef>
-      <a:fillRef idx="3">
-        <a:scrgbClr r="0" g="0" b="0"/>
-      </a:fillRef>
-      <a:effectRef idx="2">
-        <a:scrgbClr r="0" g="0" b="0"/>
-      </a:effectRef>
-      <a:fontRef idx="minor">
-        <a:schemeClr val="lt1"/>
-      </a:fontRef>
-    </dgm:style>
-  </dgm:styleLbl>
-  <dgm:styleLbl name="parChTrans2D1">
-    <dgm:scene3d>
-      <a:camera prst="orthographicFront"/>
-      <a:lightRig rig="threePt" dir="t"/>
-    </dgm:scene3d>
-    <dgm:sp3d/>
-    <dgm:txPr/>
-    <dgm:style>
-      <a:lnRef idx="0">
-        <a:scrgbClr r="0" g="0" b="0"/>
-      </a:lnRef>
-      <a:fillRef idx="3">
-        <a:scrgbClr r="0" g="0" b="0"/>
-      </a:fillRef>
-      <a:effectRef idx="2">
-        <a:scrgbClr r="0" g="0" b="0"/>
-      </a:effectRef>
-      <a:fontRef idx="minor">
-        <a:schemeClr val="lt1"/>
-      </a:fontRef>
-    </dgm:style>
-  </dgm:styleLbl>
-  <dgm:styleLbl name="parChTrans2D2">
-    <dgm:scene3d>
-      <a:camera prst="orthographicFront"/>
-      <a:lightRig rig="threePt" dir="t"/>
-    </dgm:scene3d>
-    <dgm:sp3d/>
-    <dgm:txPr/>
-    <dgm:style>
-      <a:lnRef idx="0">
-        <a:scrgbClr r="0" g="0" b="0"/>
-      </a:lnRef>
-      <a:fillRef idx="3">
-        <a:scrgbClr r="0" g="0" b="0"/>
-      </a:fillRef>
-      <a:effectRef idx="2">
-        <a:scrgbClr r="0" g="0" b="0"/>
-      </a:effectRef>
-      <a:fontRef idx="minor">
-        <a:schemeClr val="lt1"/>
-      </a:fontRef>
-    </dgm:style>
-  </dgm:styleLbl>
-  <dgm:styleLbl name="parChTrans2D3">
-    <dgm:scene3d>
-      <a:camera prst="orthographicFront"/>
-      <a:lightRig rig="threePt" dir="t"/>
-    </dgm:scene3d>
-    <dgm:sp3d/>
-    <dgm:txPr/>
-    <dgm:style>
-      <a:lnRef idx="1">
-        <a:scrgbClr r="0" g="0" b="0"/>
-      </a:lnRef>
-      <a:fillRef idx="3">
-        <a:scrgbClr r="0" g="0" b="0"/>
-      </a:fillRef>
-      <a:effectRef idx="2">
-        <a:scrgbClr r="0" g="0" b="0"/>
-      </a:effectRef>
-      <a:fontRef idx="minor">
-        <a:schemeClr val="lt1"/>
-      </a:fontRef>
-    </dgm:style>
-  </dgm:styleLbl>
-  <dgm:styleLbl name="parChTrans2D4">
-    <dgm:scene3d>
-      <a:camera prst="orthographicFront"/>
-      <a:lightRig rig="threePt" dir="t"/>
-    </dgm:scene3d>
-    <dgm:sp3d/>
-    <dgm:txPr/>
-    <dgm:style>
-      <a:lnRef idx="1">
-        <a:scrgbClr r="0" g="0" b="0"/>
-      </a:lnRef>
-      <a:fillRef idx="3">
-        <a:scrgbClr r="0" g="0" b="0"/>
-      </a:fillRef>
-      <a:effectRef idx="2">
-        <a:scrgbClr r="0" g="0" b="0"/>
-      </a:effectRef>
-      <a:fontRef idx="minor">
-        <a:schemeClr val="lt1"/>
-      </a:fontRef>
-    </dgm:style>
-  </dgm:styleLbl>
-  <dgm:styleLbl name="parChTrans1D1">
-    <dgm:scene3d>
-      <a:camera prst="orthographicFront"/>
-      <a:lightRig rig="threePt" dir="t"/>
-    </dgm:scene3d>
-    <dgm:sp3d/>
-    <dgm:txPr/>
-    <dgm:style>
-      <a:lnRef idx="1">
-        <a:scrgbClr r="0" g="0" b="0"/>
-      </a:lnRef>
-      <a:fillRef idx="0">
-        <a:scrgbClr r="0" g="0" b="0"/>
-      </a:fillRef>
-      <a:effectRef idx="0">
-        <a:scrgbClr r="0" g="0" b="0"/>
-      </a:effectRef>
-      <a:fontRef idx="minor"/>
-    </dgm:style>
-  </dgm:styleLbl>
-  <dgm:styleLbl name="parChTrans1D2">
-    <dgm:scene3d>
-      <a:camera prst="orthographicFront"/>
-      <a:lightRig rig="threePt" dir="t"/>
-    </dgm:scene3d>
-    <dgm:sp3d/>
-    <dgm:txPr/>
-    <dgm:style>
-      <a:lnRef idx="1">
-        <a:scrgbClr r="0" g="0" b="0"/>
-      </a:lnRef>
-      <a:fillRef idx="0">
-        <a:scrgbClr r="0" g="0" b="0"/>
-      </a:fillRef>
-      <a:effectRef idx="0">
-        <a:scrgbClr r="0" g="0" b="0"/>
-      </a:effectRef>
-      <a:fontRef idx="minor"/>
-    </dgm:style>
-  </dgm:styleLbl>
-  <dgm:styleLbl name="parChTrans1D3">
-    <dgm:scene3d>
-      <a:camera prst="orthographicFront"/>
-      <a:lightRig rig="threePt" dir="t"/>
-    </dgm:scene3d>
-    <dgm:sp3d/>
-    <dgm:txPr/>
-    <dgm:style>
-      <a:lnRef idx="1">
-        <a:scrgbClr r="0" g="0" b="0"/>
-      </a:lnRef>
-      <a:fillRef idx="0">
-        <a:scrgbClr r="0" g="0" b="0"/>
-      </a:fillRef>
-      <a:effectRef idx="0">
-        <a:scrgbClr r="0" g="0" b="0"/>
-      </a:effectRef>
-      <a:fontRef idx="minor"/>
-    </dgm:style>
-  </dgm:styleLbl>
-  <dgm:styleLbl name="parChTrans1D4">
-    <dgm:scene3d>
-      <a:camera prst="orthographicFront"/>
-      <a:lightRig rig="threePt" dir="t"/>
-    </dgm:scene3d>
-    <dgm:sp3d/>
-    <dgm:txPr/>
-    <dgm:style>
-      <a:lnRef idx="1">
-        <a:scrgbClr r="0" g="0" b="0"/>
-      </a:lnRef>
-      <a:fillRef idx="0">
-        <a:scrgbClr r="0" g="0" b="0"/>
-      </a:fillRef>
-      <a:effectRef idx="0">
-        <a:scrgbClr r="0" g="0" b="0"/>
-      </a:effectRef>
-      <a:fontRef idx="minor"/>
-    </dgm:style>
-  </dgm:styleLbl>
-  <dgm:styleLbl name="fgAcc1">
-    <dgm:scene3d>
-      <a:camera prst="orthographicFront"/>
-      <a:lightRig rig="threePt" dir="t"/>
-    </dgm:scene3d>
-    <dgm:sp3d/>
-    <dgm:txPr/>
-    <dgm:style>
-      <a:lnRef idx="1">
-        <a:scrgbClr r="0" g="0" b="0"/>
-      </a:lnRef>
-      <a:fillRef idx="1">
-        <a:scrgbClr r="0" g="0" b="0"/>
-      </a:fillRef>
-      <a:effectRef idx="0">
-        <a:scrgbClr r="0" g="0" b="0"/>
-      </a:effectRef>
-      <a:fontRef idx="minor"/>
-    </dgm:style>
-  </dgm:styleLbl>
-  <dgm:styleLbl name="conFgAcc1">
-    <dgm:scene3d>
-      <a:camera prst="orthographicFront"/>
-      <a:lightRig rig="threePt" dir="t"/>
-    </dgm:scene3d>
-    <dgm:sp3d/>
-    <dgm:txPr/>
-    <dgm:style>
-      <a:lnRef idx="1">
-        <a:scrgbClr r="0" g="0" b="0"/>
-      </a:lnRef>
-      <a:fillRef idx="1">
-        <a:scrgbClr r="0" g="0" b="0"/>
-      </a:fillRef>
-      <a:effectRef idx="0">
-        <a:scrgbClr r="0" g="0" b="0"/>
-      </a:effectRef>
-      <a:fontRef idx="minor"/>
-    </dgm:style>
-  </dgm:styleLbl>
-  <dgm:styleLbl name="alignAcc1">
-    <dgm:scene3d>
-      <a:camera prst="orthographicFront"/>
-      <a:lightRig rig="threePt" dir="t"/>
-    </dgm:scene3d>
-    <dgm:sp3d/>
-    <dgm:txPr/>
-    <dgm:style>
-      <a:lnRef idx="1">
-        <a:scrgbClr r="0" g="0" b="0"/>
-      </a:lnRef>
-      <a:fillRef idx="1">
-        <a:scrgbClr r="0" g="0" b="0"/>
-      </a:fillRef>
-      <a:effectRef idx="0">
-        <a:scrgbClr r="0" g="0" b="0"/>
-      </a:effectRef>
-      <a:fontRef idx="minor"/>
-    </dgm:style>
-  </dgm:styleLbl>
-  <dgm:styleLbl name="trAlignAcc1">
-    <dgm:scene3d>
-      <a:camera prst="orthographicFront"/>
-      <a:lightRig rig="threePt" dir="t"/>
-    </dgm:scene3d>
-    <dgm:sp3d/>
-    <dgm:txPr/>
-    <dgm:style>
-      <a:lnRef idx="1">
-        <a:scrgbClr r="0" g="0" b="0"/>
-      </a:lnRef>
-      <a:fillRef idx="1">
-        <a:scrgbClr r="0" g="0" b="0"/>
-      </a:fillRef>
-      <a:effectRef idx="0">
-        <a:scrgbClr r="0" g="0" b="0"/>
-      </a:effectRef>
-      <a:fontRef idx="minor"/>
-    </dgm:style>
-  </dgm:styleLbl>
-  <dgm:styleLbl name="bgAcc1">
-    <dgm:scene3d>
-      <a:camera prst="orthographicFront"/>
-      <a:lightRig rig="threePt" dir="t"/>
-    </dgm:scene3d>
-    <dgm:sp3d/>
-    <dgm:txPr/>
-    <dgm:style>
-      <a:lnRef idx="1">
-        <a:scrgbClr r="0" g="0" b="0"/>
-      </a:lnRef>
-      <a:fillRef idx="1">
-        <a:scrgbClr r="0" g="0" b="0"/>
-      </a:fillRef>
-      <a:effectRef idx="0">
-        <a:scrgbClr r="0" g="0" b="0"/>
-      </a:effectRef>
-      <a:fontRef idx="minor"/>
-    </dgm:style>
-  </dgm:styleLbl>
-  <dgm:styleLbl name="solidFgAcc1">
-    <dgm:scene3d>
-      <a:camera prst="orthographicFront"/>
-      <a:lightRig rig="threePt" dir="t"/>
-    </dgm:scene3d>
-    <dgm:sp3d/>
-    <dgm:txPr/>
-    <dgm:style>
-      <a:lnRef idx="1">
-        <a:scrgbClr r="0" g="0" b="0"/>
-      </a:lnRef>
-      <a:fillRef idx="1">
-        <a:scrgbClr r="0" g="0" b="0"/>
-      </a:fillRef>
-      <a:effectRef idx="0">
-        <a:scrgbClr r="0" g="0" b="0"/>
-      </a:effectRef>
-      <a:fontRef idx="minor"/>
-    </dgm:style>
-  </dgm:styleLbl>
-  <dgm:styleLbl name="solidAlignAcc1">
-    <dgm:scene3d>
-      <a:camera prst="orthographicFront"/>
-      <a:lightRig rig="threePt" dir="t"/>
-    </dgm:scene3d>
-    <dgm:sp3d/>
-    <dgm:txPr/>
-    <dgm:style>
-      <a:lnRef idx="1">
-        <a:scrgbClr r="0" g="0" b="0"/>
-      </a:lnRef>
-      <a:fillRef idx="1">
-        <a:scrgbClr r="0" g="0" b="0"/>
-      </a:fillRef>
-      <a:effectRef idx="0">
-        <a:scrgbClr r="0" g="0" b="0"/>
-      </a:effectRef>
-      <a:fontRef idx="minor"/>
-    </dgm:style>
-  </dgm:styleLbl>
-  <dgm:styleLbl name="solidBgAcc1">
-    <dgm:scene3d>
-      <a:camera prst="orthographicFront"/>
-      <a:lightRig rig="threePt" dir="t"/>
-    </dgm:scene3d>
-    <dgm:sp3d/>
-    <dgm:txPr/>
-    <dgm:style>
-      <a:lnRef idx="1">
-        <a:scrgbClr r="0" g="0" b="0"/>
-      </a:lnRef>
-      <a:fillRef idx="1">
-        <a:scrgbClr r="0" g="0" b="0"/>
-      </a:fillRef>
-      <a:effectRef idx="0">
-        <a:scrgbClr r="0" g="0" b="0"/>
-      </a:effectRef>
-      <a:fontRef idx="minor"/>
-    </dgm:style>
-  </dgm:styleLbl>
-  <dgm:styleLbl name="fgAccFollowNode1">
-    <dgm:scene3d>
-      <a:camera prst="orthographicFront"/>
-      <a:lightRig rig="threePt" dir="t"/>
-    </dgm:scene3d>
-    <dgm:sp3d/>
-    <dgm:txPr/>
-    <dgm:style>
-      <a:lnRef idx="1">
-        <a:scrgbClr r="0" g="0" b="0"/>
-      </a:lnRef>
-      <a:fillRef idx="1">
-        <a:scrgbClr r="0" g="0" b="0"/>
-      </a:fillRef>
-      <a:effectRef idx="0">
-        <a:scrgbClr r="0" g="0" b="0"/>
-      </a:effectRef>
-      <a:fontRef idx="minor"/>
-    </dgm:style>
-  </dgm:styleLbl>
-  <dgm:styleLbl name="alignAccFollowNode1">
-    <dgm:scene3d>
-      <a:camera prst="orthographicFront"/>
-      <a:lightRig rig="threePt" dir="t"/>
-    </dgm:scene3d>
-    <dgm:sp3d/>
-    <dgm:txPr/>
-    <dgm:style>
-      <a:lnRef idx="1">
-        <a:scrgbClr r="0" g="0" b="0"/>
-      </a:lnRef>
-      <a:fillRef idx="1">
-        <a:scrgbClr r="0" g="0" b="0"/>
-      </a:fillRef>
-      <a:effectRef idx="0">
-        <a:scrgbClr r="0" g="0" b="0"/>
-      </a:effectRef>
-      <a:fontRef idx="minor"/>
-    </dgm:style>
-  </dgm:styleLbl>
-  <dgm:styleLbl name="bgAccFollowNode1">
-    <dgm:scene3d>
-      <a:camera prst="orthographicFront"/>
-      <a:lightRig rig="threePt" dir="t"/>
-    </dgm:scene3d>
-    <dgm:sp3d/>
-    <dgm:txPr/>
-    <dgm:style>
-      <a:lnRef idx="1">
-        <a:scrgbClr r="0" g="0" b="0"/>
-      </a:lnRef>
-      <a:fillRef idx="1">
-        <a:scrgbClr r="0" g="0" b="0"/>
-      </a:fillRef>
-      <a:effectRef idx="0">
-        <a:scrgbClr r="0" g="0" b="0"/>
-      </a:effectRef>
-      <a:fontRef idx="minor"/>
-    </dgm:style>
-  </dgm:styleLbl>
-  <dgm:styleLbl name="fgAcc0">
-    <dgm:scene3d>
-      <a:camera prst="orthographicFront"/>
-      <a:lightRig rig="threePt" dir="t"/>
-    </dgm:scene3d>
-    <dgm:sp3d/>
-    <dgm:txPr/>
-    <dgm:style>
-      <a:lnRef idx="1">
-        <a:scrgbClr r="0" g="0" b="0"/>
-      </a:lnRef>
-      <a:fillRef idx="1">
-        <a:scrgbClr r="0" g="0" b="0"/>
-      </a:fillRef>
-      <a:effectRef idx="0">
-        <a:scrgbClr r="0" g="0" b="0"/>
-      </a:effectRef>
-      <a:fontRef idx="minor"/>
-    </dgm:style>
-  </dgm:styleLbl>
-  <dgm:styleLbl name="fgAcc2">
-    <dgm:scene3d>
-      <a:camera prst="orthographicFront"/>
-      <a:lightRig rig="threePt" dir="t"/>
-    </dgm:scene3d>
-    <dgm:sp3d/>
-    <dgm:txPr/>
-    <dgm:style>
-      <a:lnRef idx="1">
-        <a:scrgbClr r="0" g="0" b="0"/>
-      </a:lnRef>
-      <a:fillRef idx="1">
-        <a:scrgbClr r="0" g="0" b="0"/>
-      </a:fillRef>
-      <a:effectRef idx="0">
-        <a:scrgbClr r="0" g="0" b="0"/>
-      </a:effectRef>
-      <a:fontRef idx="minor"/>
-    </dgm:style>
-  </dgm:styleLbl>
-  <dgm:styleLbl name="fgAcc3">
-    <dgm:scene3d>
-      <a:camera prst="orthographicFront"/>
-      <a:lightRig rig="threePt" dir="t"/>
-    </dgm:scene3d>
-    <dgm:sp3d/>
-    <dgm:txPr/>
-    <dgm:style>
-      <a:lnRef idx="1">
-        <a:scrgbClr r="0" g="0" b="0"/>
-      </a:lnRef>
-      <a:fillRef idx="1">
-        <a:scrgbClr r="0" g="0" b="0"/>
-      </a:fillRef>
-      <a:effectRef idx="0">
-        <a:scrgbClr r="0" g="0" b="0"/>
-      </a:effectRef>
-      <a:fontRef idx="minor"/>
-    </dgm:style>
-  </dgm:styleLbl>
-  <dgm:styleLbl name="fgAcc4">
-    <dgm:scene3d>
-      <a:camera prst="orthographicFront"/>
-      <a:lightRig rig="threePt" dir="t"/>
-    </dgm:scene3d>
-    <dgm:sp3d/>
-    <dgm:txPr/>
-    <dgm:style>
-      <a:lnRef idx="1">
-        <a:scrgbClr r="0" g="0" b="0"/>
-      </a:lnRef>
-      <a:fillRef idx="1">
-        <a:scrgbClr r="0" g="0" b="0"/>
-      </a:fillRef>
-      <a:effectRef idx="0">
-        <a:scrgbClr r="0" g="0" b="0"/>
-      </a:effectRef>
-      <a:fontRef idx="minor"/>
-    </dgm:style>
-  </dgm:styleLbl>
-  <dgm:styleLbl name="bgShp">
-    <dgm:scene3d>
-      <a:camera prst="orthographicFront"/>
-      <a:lightRig rig="threePt" dir="t"/>
-    </dgm:scene3d>
-    <dgm:sp3d/>
-    <dgm:txPr/>
-    <dgm:style>
-      <a:lnRef idx="0">
-        <a:scrgbClr r="0" g="0" b="0"/>
-      </a:lnRef>
-      <a:fillRef idx="1">
-        <a:scrgbClr r="0" g="0" b="0"/>
-      </a:fillRef>
-      <a:effectRef idx="2">
-        <a:scrgbClr r="0" g="0" b="0"/>
-      </a:effectRef>
-      <a:fontRef idx="minor"/>
-    </dgm:style>
-  </dgm:styleLbl>
-  <dgm:styleLbl name="dkBgShp">
-    <dgm:scene3d>
-      <a:camera prst="orthographicFront"/>
-      <a:lightRig rig="threePt" dir="t"/>
-    </dgm:scene3d>
-    <dgm:sp3d/>
-    <dgm:txPr/>
-    <dgm:style>
-      <a:lnRef idx="0">
-        <a:scrgbClr r="0" g="0" b="0"/>
-      </a:lnRef>
-      <a:fillRef idx="1">
-        <a:scrgbClr r="0" g="0" b="0"/>
-      </a:fillRef>
-      <a:effectRef idx="2">
-        <a:scrgbClr r="0" g="0" b="0"/>
-      </a:effectRef>
-      <a:fontRef idx="minor"/>
-    </dgm:style>
-  </dgm:styleLbl>
-  <dgm:styleLbl name="trBgShp">
-    <dgm:scene3d>
-      <a:camera prst="orthographicFront"/>
-      <a:lightRig rig="threePt" dir="t"/>
-    </dgm:scene3d>
-    <dgm:sp3d/>
-    <dgm:txPr/>
-    <dgm:style>
-      <a:lnRef idx="0">
-        <a:scrgbClr r="0" g="0" b="0"/>
-      </a:lnRef>
-      <a:fillRef idx="1">
-        <a:scrgbClr r="0" g="0" b="0"/>
-      </a:fillRef>
-      <a:effectRef idx="0">
-        <a:scrgbClr r="0" g="0" b="0"/>
-      </a:effectRef>
-      <a:fontRef idx="minor"/>
-    </dgm:style>
-  </dgm:styleLbl>
-  <dgm:styleLbl name="fgShp">
-    <dgm:scene3d>
-      <a:camera prst="orthographicFront"/>
-      <a:lightRig rig="threePt" dir="t"/>
-    </dgm:scene3d>
-    <dgm:sp3d/>
-    <dgm:txPr/>
-    <dgm:style>
-      <a:lnRef idx="0">
-        <a:scrgbClr r="0" g="0" b="0"/>
-      </a:lnRef>
-      <a:fillRef idx="3">
-        <a:scrgbClr r="0" g="0" b="0"/>
-      </a:fillRef>
-      <a:effectRef idx="2">
-        <a:scrgbClr r="0" g="0" b="0"/>
-      </a:effectRef>
-      <a:fontRef idx="minor"/>
-    </dgm:style>
-  </dgm:styleLbl>
-  <dgm:styleLbl name="revTx">
-    <dgm:scene3d>
-      <a:camera prst="orthographicFront"/>
-      <a:lightRig rig="threePt" dir="t"/>
-    </dgm:scene3d>
-    <dgm:sp3d/>
-    <dgm:txPr/>
-    <dgm:style>
-      <a:lnRef idx="0">
-        <a:scrgbClr r="0" g="0" b="0"/>
-      </a:lnRef>
-      <a:fillRef idx="0">
-        <a:scrgbClr r="0" g="0" b="0"/>
-      </a:fillRef>
-      <a:effectRef idx="0">
-        <a:scrgbClr r="0" g="0" b="0"/>
-      </a:effectRef>
-      <a:fontRef idx="minor"/>
-    </dgm:style>
-  </dgm:styleLbl>
-</dgm:styleDef>
-</file>
-
-<file path=ppt/diagrams/quickStyle5.xml><?xml version="1.0" encoding="utf-8"?>
-<dgm:styleDef xmlns:dgm="http://schemas.openxmlformats.org/drawingml/2006/diagram" xmlns:a="http://schemas.openxmlformats.org/drawingml/2006/main" uniqueId="urn:microsoft.com/office/officeart/2005/8/quickstyle/simple4">
-  <dgm:title val=""/>
-  <dgm:desc val=""/>
-  <dgm:catLst>
-    <dgm:cat type="simple" pri="10400"/>
-  </dgm:catLst>
-  <dgm:scene3d>
-    <a:camera prst="orthographicFront"/>
-    <a:lightRig rig="threePt" dir="t"/>
-  </dgm:scene3d>
-  <dgm:styleLbl name="node0">
-    <dgm:scene3d>
-      <a:camera prst="orthographicFront"/>
-      <a:lightRig rig="threePt" dir="t"/>
-    </dgm:scene3d>
-    <dgm:sp3d/>
-    <dgm:txPr/>
-    <dgm:style>
-      <a:lnRef idx="0">
-        <a:scrgbClr r="0" g="0" b="0"/>
-      </a:lnRef>
-      <a:fillRef idx="3">
-        <a:scrgbClr r="0" g="0" b="0"/>
-      </a:fillRef>
-      <a:effectRef idx="2">
-        <a:scrgbClr r="0" g="0" b="0"/>
-      </a:effectRef>
-      <a:fontRef idx="minor">
-        <a:schemeClr val="lt1"/>
-      </a:fontRef>
-    </dgm:style>
-  </dgm:styleLbl>
-  <dgm:styleLbl name="lnNode1">
-    <dgm:scene3d>
-      <a:camera prst="orthographicFront"/>
-      <a:lightRig rig="threePt" dir="t"/>
-    </dgm:scene3d>
-    <dgm:sp3d/>
-    <dgm:txPr/>
-    <dgm:style>
-      <a:lnRef idx="1">
-        <a:scrgbClr r="0" g="0" b="0"/>
-      </a:lnRef>
-      <a:fillRef idx="3">
-        <a:scrgbClr r="0" g="0" b="0"/>
-      </a:fillRef>
-      <a:effectRef idx="2">
-        <a:scrgbClr r="0" g="0" b="0"/>
-      </a:effectRef>
-      <a:fontRef idx="minor">
-        <a:schemeClr val="lt1"/>
-      </a:fontRef>
-    </dgm:style>
-  </dgm:styleLbl>
-  <dgm:styleLbl name="vennNode1">
-    <dgm:scene3d>
-      <a:camera prst="orthographicFront"/>
-      <a:lightRig rig="threePt" dir="t"/>
-    </dgm:scene3d>
-    <dgm:sp3d/>
-    <dgm:txPr/>
-    <dgm:style>
-      <a:lnRef idx="0">
-        <a:scrgbClr r="0" g="0" b="0"/>
-      </a:lnRef>
-      <a:fillRef idx="3">
-        <a:scrgbClr r="0" g="0" b="0"/>
-      </a:fillRef>
-      <a:effectRef idx="0">
-        <a:scrgbClr r="0" g="0" b="0"/>
-      </a:effectRef>
-      <a:fontRef idx="minor">
-        <a:schemeClr val="tx1"/>
-      </a:fontRef>
-    </dgm:style>
-  </dgm:styleLbl>
-  <dgm:styleLbl name="alignNode1">
-    <dgm:scene3d>
-      <a:camera prst="orthographicFront"/>
-      <a:lightRig rig="threePt" dir="t"/>
-    </dgm:scene3d>
-    <dgm:sp3d/>
-    <dgm:txPr/>
-    <dgm:style>
-      <a:lnRef idx="1">
-        <a:scrgbClr r="0" g="0" b="0"/>
-      </a:lnRef>
-      <a:fillRef idx="3">
-        <a:scrgbClr r="0" g="0" b="0"/>
-      </a:fillRef>
-      <a:effectRef idx="2">
-        <a:scrgbClr r="0" g="0" b="0"/>
-      </a:effectRef>
-      <a:fontRef idx="minor">
-        <a:schemeClr val="lt1"/>
-      </a:fontRef>
-    </dgm:style>
-  </dgm:styleLbl>
-  <dgm:styleLbl name="node1">
-    <dgm:scene3d>
-      <a:camera prst="orthographicFront"/>
-      <a:lightRig rig="threePt" dir="t"/>
-    </dgm:scene3d>
-    <dgm:sp3d/>
-    <dgm:txPr/>
-    <dgm:style>
-      <a:lnRef idx="0">
-        <a:scrgbClr r="0" g="0" b="0"/>
-      </a:lnRef>
-      <a:fillRef idx="3">
-        <a:scrgbClr r="0" g="0" b="0"/>
-      </a:fillRef>
-      <a:effectRef idx="2">
-        <a:scrgbClr r="0" g="0" b="0"/>
-      </a:effectRef>
-      <a:fontRef idx="minor">
-        <a:schemeClr val="lt1"/>
-      </a:fontRef>
-    </dgm:style>
-  </dgm:styleLbl>
-  <dgm:styleLbl name="node2">
-    <dgm:scene3d>
-      <a:camera prst="orthographicFront"/>
-      <a:lightRig rig="threePt" dir="t"/>
-    </dgm:scene3d>
-    <dgm:sp3d/>
-    <dgm:txPr/>
-    <dgm:style>
-      <a:lnRef idx="0">
-        <a:scrgbClr r="0" g="0" b="0"/>
-      </a:lnRef>
-      <a:fillRef idx="3">
-        <a:scrgbClr r="0" g="0" b="0"/>
-      </a:fillRef>
-      <a:effectRef idx="2">
-        <a:scrgbClr r="0" g="0" b="0"/>
-      </a:effectRef>
-      <a:fontRef idx="minor">
-        <a:schemeClr val="lt1"/>
-      </a:fontRef>
-    </dgm:style>
-  </dgm:styleLbl>
-  <dgm:styleLbl name="node3">
-    <dgm:scene3d>
-      <a:camera prst="orthographicFront"/>
-      <a:lightRig rig="threePt" dir="t"/>
-    </dgm:scene3d>
-    <dgm:sp3d/>
-    <dgm:txPr/>
-    <dgm:style>
-      <a:lnRef idx="0">
-        <a:scrgbClr r="0" g="0" b="0"/>
-      </a:lnRef>
-      <a:fillRef idx="3">
-        <a:scrgbClr r="0" g="0" b="0"/>
-      </a:fillRef>
-      <a:effectRef idx="2">
-        <a:scrgbClr r="0" g="0" b="0"/>
-      </a:effectRef>
-      <a:fontRef idx="minor">
-        <a:schemeClr val="lt1"/>
-      </a:fontRef>
-    </dgm:style>
-  </dgm:styleLbl>
-  <dgm:styleLbl name="node4">
-    <dgm:scene3d>
-      <a:camera prst="orthographicFront"/>
-      <a:lightRig rig="threePt" dir="t"/>
-    </dgm:scene3d>
-    <dgm:sp3d/>
-    <dgm:txPr/>
-    <dgm:style>
-      <a:lnRef idx="0">
-        <a:scrgbClr r="0" g="0" b="0"/>
-      </a:lnRef>
-      <a:fillRef idx="3">
-        <a:scrgbClr r="0" g="0" b="0"/>
-      </a:fillRef>
-      <a:effectRef idx="2">
-        <a:scrgbClr r="0" g="0" b="0"/>
-      </a:effectRef>
-      <a:fontRef idx="minor">
-        <a:schemeClr val="lt1"/>
-      </a:fontRef>
-    </dgm:style>
-  </dgm:styleLbl>
-  <dgm:styleLbl name="fgImgPlace1">
-    <dgm:scene3d>
-      <a:camera prst="orthographicFront"/>
-      <a:lightRig rig="threePt" dir="t"/>
-    </dgm:scene3d>
-    <dgm:sp3d/>
-    <dgm:txPr/>
-    <dgm:style>
-      <a:lnRef idx="0">
-        <a:scrgbClr r="0" g="0" b="0"/>
-      </a:lnRef>
-      <a:fillRef idx="1">
-        <a:scrgbClr r="0" g="0" b="0"/>
-      </a:fillRef>
-      <a:effectRef idx="2">
-        <a:scrgbClr r="0" g="0" b="0"/>
-      </a:effectRef>
-      <a:fontRef idx="minor"/>
-    </dgm:style>
-  </dgm:styleLbl>
-  <dgm:styleLbl name="alignImgPlace1">
-    <dgm:scene3d>
-      <a:camera prst="orthographicFront"/>
-      <a:lightRig rig="threePt" dir="t"/>
-    </dgm:scene3d>
-    <dgm:sp3d/>
-    <dgm:txPr/>
-    <dgm:style>
-      <a:lnRef idx="0">
-        <a:scrgbClr r="0" g="0" b="0"/>
-      </a:lnRef>
-      <a:fillRef idx="1">
-        <a:scrgbClr r="0" g="0" b="0"/>
-      </a:fillRef>
-      <a:effectRef idx="2">
-        <a:scrgbClr r="0" g="0" b="0"/>
-      </a:effectRef>
-      <a:fontRef idx="minor"/>
-    </dgm:style>
-  </dgm:styleLbl>
-  <dgm:styleLbl name="bgImgPlace1">
-    <dgm:scene3d>
-      <a:camera prst="orthographicFront"/>
-      <a:lightRig rig="threePt" dir="t"/>
-    </dgm:scene3d>
-    <dgm:sp3d/>
-    <dgm:txPr/>
-    <dgm:style>
-      <a:lnRef idx="0">
-        <a:scrgbClr r="0" g="0" b="0"/>
-      </a:lnRef>
-      <a:fillRef idx="1">
-        <a:scrgbClr r="0" g="0" b="0"/>
-      </a:fillRef>
-      <a:effectRef idx="2">
-        <a:scrgbClr r="0" g="0" b="0"/>
-      </a:effectRef>
-      <a:fontRef idx="minor"/>
-    </dgm:style>
-  </dgm:styleLbl>
-  <dgm:styleLbl name="sibTrans2D1">
-    <dgm:scene3d>
-      <a:camera prst="orthographicFront"/>
-      <a:lightRig rig="threePt" dir="t"/>
-    </dgm:scene3d>
-    <dgm:sp3d/>
-    <dgm:txPr/>
-    <dgm:style>
-      <a:lnRef idx="0">
-        <a:scrgbClr r="0" g="0" b="0"/>
-      </a:lnRef>
-      <a:fillRef idx="3">
-        <a:scrgbClr r="0" g="0" b="0"/>
-      </a:fillRef>
-      <a:effectRef idx="2">
-        <a:scrgbClr r="0" g="0" b="0"/>
-      </a:effectRef>
-      <a:fontRef idx="minor">
-        <a:schemeClr val="lt1"/>
-      </a:fontRef>
-    </dgm:style>
-  </dgm:styleLbl>
-  <dgm:styleLbl name="fgSibTrans2D1">
-    <dgm:scene3d>
-      <a:camera prst="orthographicFront"/>
-      <a:lightRig rig="threePt" dir="t"/>
-    </dgm:scene3d>
-    <dgm:sp3d/>
-    <dgm:txPr/>
-    <dgm:style>
-      <a:lnRef idx="0">
-        <a:scrgbClr r="0" g="0" b="0"/>
-      </a:lnRef>
-      <a:fillRef idx="3">
-        <a:scrgbClr r="0" g="0" b="0"/>
-      </a:fillRef>
-      <a:effectRef idx="2">
-        <a:scrgbClr r="0" g="0" b="0"/>
-      </a:effectRef>
-      <a:fontRef idx="minor">
-        <a:schemeClr val="lt1"/>
-      </a:fontRef>
-    </dgm:style>
-  </dgm:styleLbl>
-  <dgm:styleLbl name="bgSibTrans2D1">
-    <dgm:scene3d>
-      <a:camera prst="orthographicFront"/>
-      <a:lightRig rig="threePt" dir="t"/>
-    </dgm:scene3d>
-    <dgm:sp3d/>
-    <dgm:txPr/>
-    <dgm:style>
-      <a:lnRef idx="0">
-        <a:scrgbClr r="0" g="0" b="0"/>
-      </a:lnRef>
-      <a:fillRef idx="3">
-        <a:scrgbClr r="0" g="0" b="0"/>
-      </a:fillRef>
-      <a:effectRef idx="2">
-        <a:scrgbClr r="0" g="0" b="0"/>
-      </a:effectRef>
-      <a:fontRef idx="minor">
-        <a:schemeClr val="lt1"/>
-      </a:fontRef>
-    </dgm:style>
-  </dgm:styleLbl>
-  <dgm:styleLbl name="sibTrans1D1">
-    <dgm:scene3d>
-      <a:camera prst="orthographicFront"/>
-      <a:lightRig rig="threePt" dir="t"/>
-    </dgm:scene3d>
-    <dgm:sp3d/>
-    <dgm:txPr/>
-    <dgm:style>
-      <a:lnRef idx="1">
-        <a:scrgbClr r="0" g="0" b="0"/>
-      </a:lnRef>
-      <a:fillRef idx="0">
-        <a:scrgbClr r="0" g="0" b="0"/>
-      </a:fillRef>
-      <a:effectRef idx="0">
-        <a:scrgbClr r="0" g="0" b="0"/>
-      </a:effectRef>
-      <a:fontRef idx="minor"/>
-    </dgm:style>
-  </dgm:styleLbl>
-  <dgm:styleLbl name="callout">
-    <dgm:scene3d>
-      <a:camera prst="orthographicFront"/>
-      <a:lightRig rig="threePt" dir="t"/>
-    </dgm:scene3d>
-    <dgm:sp3d/>
-    <dgm:txPr/>
-    <dgm:style>
-      <a:lnRef idx="2">
-        <a:scrgbClr r="0" g="0" b="0"/>
-      </a:lnRef>
-      <a:fillRef idx="1">
-        <a:scrgbClr r="0" g="0" b="0"/>
-      </a:fillRef>
-      <a:effectRef idx="1">
-        <a:scrgbClr r="0" g="0" b="0"/>
-      </a:effectRef>
-      <a:fontRef idx="minor"/>
-    </dgm:style>
-  </dgm:styleLbl>
-  <dgm:styleLbl name="asst0">
-    <dgm:scene3d>
-      <a:camera prst="orthographicFront"/>
-      <a:lightRig rig="threePt" dir="t"/>
-    </dgm:scene3d>
-    <dgm:sp3d/>
-    <dgm:txPr/>
-    <dgm:style>
-      <a:lnRef idx="0">
-        <a:scrgbClr r="0" g="0" b="0"/>
-      </a:lnRef>
-      <a:fillRef idx="3">
-        <a:scrgbClr r="0" g="0" b="0"/>
-      </a:fillRef>
-      <a:effectRef idx="2">
-        <a:scrgbClr r="0" g="0" b="0"/>
-      </a:effectRef>
-      <a:fontRef idx="minor">
-        <a:schemeClr val="lt1"/>
-      </a:fontRef>
-    </dgm:style>
-  </dgm:styleLbl>
-  <dgm:styleLbl name="asst1">
-    <dgm:scene3d>
-      <a:camera prst="orthographicFront"/>
-      <a:lightRig rig="threePt" dir="t"/>
-    </dgm:scene3d>
-    <dgm:sp3d/>
-    <dgm:txPr/>
-    <dgm:style>
-      <a:lnRef idx="0">
-        <a:scrgbClr r="0" g="0" b="0"/>
-      </a:lnRef>
-      <a:fillRef idx="3">
-        <a:scrgbClr r="0" g="0" b="0"/>
-      </a:fillRef>
-      <a:effectRef idx="2">
-        <a:scrgbClr r="0" g="0" b="0"/>
-      </a:effectRef>
-      <a:fontRef idx="minor">
-        <a:schemeClr val="lt1"/>
-      </a:fontRef>
-    </dgm:style>
-  </dgm:styleLbl>
-  <dgm:styleLbl name="asst2">
-    <dgm:scene3d>
-      <a:camera prst="orthographicFront"/>
-      <a:lightRig rig="threePt" dir="t"/>
-    </dgm:scene3d>
-    <dgm:sp3d/>
-    <dgm:txPr/>
-    <dgm:style>
-      <a:lnRef idx="0">
-        <a:scrgbClr r="0" g="0" b="0"/>
-      </a:lnRef>
-      <a:fillRef idx="3">
-        <a:scrgbClr r="0" g="0" b="0"/>
-      </a:fillRef>
-      <a:effectRef idx="2">
-        <a:scrgbClr r="0" g="0" b="0"/>
-      </a:effectRef>
-      <a:fontRef idx="minor">
-        <a:schemeClr val="lt1"/>
-      </a:fontRef>
-    </dgm:style>
-  </dgm:styleLbl>
-  <dgm:styleLbl name="asst3">
-    <dgm:scene3d>
-      <a:camera prst="orthographicFront"/>
-      <a:lightRig rig="threePt" dir="t"/>
-    </dgm:scene3d>
-    <dgm:sp3d/>
-    <dgm:txPr/>
-    <dgm:style>
-      <a:lnRef idx="0">
-        <a:scrgbClr r="0" g="0" b="0"/>
-      </a:lnRef>
-      <a:fillRef idx="3">
-        <a:scrgbClr r="0" g="0" b="0"/>
-      </a:fillRef>
-      <a:effectRef idx="2">
-        <a:scrgbClr r="0" g="0" b="0"/>
-      </a:effectRef>
-      <a:fontRef idx="minor">
-        <a:schemeClr val="lt1"/>
-      </a:fontRef>
-    </dgm:style>
-  </dgm:styleLbl>
-  <dgm:styleLbl name="asst4">
-    <dgm:scene3d>
-      <a:camera prst="orthographicFront"/>
-      <a:lightRig rig="threePt" dir="t"/>
-    </dgm:scene3d>
-    <dgm:sp3d/>
-    <dgm:txPr/>
-    <dgm:style>
-      <a:lnRef idx="0">
-        <a:scrgbClr r="0" g="0" b="0"/>
-      </a:lnRef>
-      <a:fillRef idx="3">
-        <a:scrgbClr r="0" g="0" b="0"/>
-      </a:fillRef>
-      <a:effectRef idx="2">
-        <a:scrgbClr r="0" g="0" b="0"/>
-      </a:effectRef>
-      <a:fontRef idx="minor">
-        <a:schemeClr val="lt1"/>
-      </a:fontRef>
-    </dgm:style>
-  </dgm:styleLbl>
-  <dgm:styleLbl name="parChTrans2D1">
-    <dgm:scene3d>
-      <a:camera prst="orthographicFront"/>
-      <a:lightRig rig="threePt" dir="t"/>
-    </dgm:scene3d>
-    <dgm:sp3d/>
-    <dgm:txPr/>
-    <dgm:style>
-      <a:lnRef idx="0">
-        <a:scrgbClr r="0" g="0" b="0"/>
-      </a:lnRef>
-      <a:fillRef idx="3">
-        <a:scrgbClr r="0" g="0" b="0"/>
-      </a:fillRef>
-      <a:effectRef idx="2">
-        <a:scrgbClr r="0" g="0" b="0"/>
-      </a:effectRef>
-      <a:fontRef idx="minor">
-        <a:schemeClr val="lt1"/>
-      </a:fontRef>
-    </dgm:style>
-  </dgm:styleLbl>
-  <dgm:styleLbl name="parChTrans2D2">
-    <dgm:scene3d>
-      <a:camera prst="orthographicFront"/>
-      <a:lightRig rig="threePt" dir="t"/>
-    </dgm:scene3d>
-    <dgm:sp3d/>
-    <dgm:txPr/>
-    <dgm:style>
-      <a:lnRef idx="0">
-        <a:scrgbClr r="0" g="0" b="0"/>
-      </a:lnRef>
-      <a:fillRef idx="3">
-        <a:scrgbClr r="0" g="0" b="0"/>
-      </a:fillRef>
-      <a:effectRef idx="2">
-        <a:scrgbClr r="0" g="0" b="0"/>
-      </a:effectRef>
-      <a:fontRef idx="minor">
-        <a:schemeClr val="lt1"/>
-      </a:fontRef>
-    </dgm:style>
-  </dgm:styleLbl>
-  <dgm:styleLbl name="parChTrans2D3">
-    <dgm:scene3d>
-      <a:camera prst="orthographicFront"/>
-      <a:lightRig rig="threePt" dir="t"/>
-    </dgm:scene3d>
-    <dgm:sp3d/>
-    <dgm:txPr/>
-    <dgm:style>
-      <a:lnRef idx="1">
-        <a:scrgbClr r="0" g="0" b="0"/>
-      </a:lnRef>
-      <a:fillRef idx="3">
-        <a:scrgbClr r="0" g="0" b="0"/>
-      </a:fillRef>
-      <a:effectRef idx="2">
-        <a:scrgbClr r="0" g="0" b="0"/>
-      </a:effectRef>
-      <a:fontRef idx="minor">
-        <a:schemeClr val="lt1"/>
-      </a:fontRef>
-    </dgm:style>
-  </dgm:styleLbl>
-  <dgm:styleLbl name="parChTrans2D4">
-    <dgm:scene3d>
-      <a:camera prst="orthographicFront"/>
-      <a:lightRig rig="threePt" dir="t"/>
-    </dgm:scene3d>
-    <dgm:sp3d/>
-    <dgm:txPr/>
-    <dgm:style>
-      <a:lnRef idx="1">
-        <a:scrgbClr r="0" g="0" b="0"/>
-      </a:lnRef>
-      <a:fillRef idx="3">
-        <a:scrgbClr r="0" g="0" b="0"/>
-      </a:fillRef>
-      <a:effectRef idx="2">
-        <a:scrgbClr r="0" g="0" b="0"/>
-      </a:effectRef>
-      <a:fontRef idx="minor">
-        <a:schemeClr val="lt1"/>
-      </a:fontRef>
-    </dgm:style>
-  </dgm:styleLbl>
-  <dgm:styleLbl name="parChTrans1D1">
-    <dgm:scene3d>
-      <a:camera prst="orthographicFront"/>
-      <a:lightRig rig="threePt" dir="t"/>
-    </dgm:scene3d>
-    <dgm:sp3d/>
-    <dgm:txPr/>
-    <dgm:style>
-      <a:lnRef idx="1">
-        <a:scrgbClr r="0" g="0" b="0"/>
-      </a:lnRef>
-      <a:fillRef idx="0">
-        <a:scrgbClr r="0" g="0" b="0"/>
-      </a:fillRef>
-      <a:effectRef idx="0">
-        <a:scrgbClr r="0" g="0" b="0"/>
-      </a:effectRef>
-      <a:fontRef idx="minor"/>
-    </dgm:style>
-  </dgm:styleLbl>
-  <dgm:styleLbl name="parChTrans1D2">
-    <dgm:scene3d>
-      <a:camera prst="orthographicFront"/>
-      <a:lightRig rig="threePt" dir="t"/>
-    </dgm:scene3d>
-    <dgm:sp3d/>
-    <dgm:txPr/>
-    <dgm:style>
-      <a:lnRef idx="1">
-        <a:scrgbClr r="0" g="0" b="0"/>
-      </a:lnRef>
-      <a:fillRef idx="0">
-        <a:scrgbClr r="0" g="0" b="0"/>
-      </a:fillRef>
-      <a:effectRef idx="0">
-        <a:scrgbClr r="0" g="0" b="0"/>
-      </a:effectRef>
-      <a:fontRef idx="minor"/>
-    </dgm:style>
-  </dgm:styleLbl>
-  <dgm:styleLbl name="parChTrans1D3">
-    <dgm:scene3d>
-      <a:camera prst="orthographicFront"/>
-      <a:lightRig rig="threePt" dir="t"/>
-    </dgm:scene3d>
-    <dgm:sp3d/>
-    <dgm:txPr/>
-    <dgm:style>
-      <a:lnRef idx="1">
-        <a:scrgbClr r="0" g="0" b="0"/>
-      </a:lnRef>
-      <a:fillRef idx="0">
-        <a:scrgbClr r="0" g="0" b="0"/>
-      </a:fillRef>
-      <a:effectRef idx="0">
-        <a:scrgbClr r="0" g="0" b="0"/>
-      </a:effectRef>
-      <a:fontRef idx="minor"/>
-    </dgm:style>
-  </dgm:styleLbl>
-  <dgm:styleLbl name="parChTrans1D4">
-    <dgm:scene3d>
-      <a:camera prst="orthographicFront"/>
-      <a:lightRig rig="threePt" dir="t"/>
-    </dgm:scene3d>
-    <dgm:sp3d/>
-    <dgm:txPr/>
-    <dgm:style>
-      <a:lnRef idx="1">
-        <a:scrgbClr r="0" g="0" b="0"/>
-      </a:lnRef>
-      <a:fillRef idx="0">
-        <a:scrgbClr r="0" g="0" b="0"/>
-      </a:fillRef>
-      <a:effectRef idx="0">
-        <a:scrgbClr r="0" g="0" b="0"/>
-      </a:effectRef>
-      <a:fontRef idx="minor"/>
-    </dgm:style>
-  </dgm:styleLbl>
-  <dgm:styleLbl name="fgAcc1">
-    <dgm:scene3d>
-      <a:camera prst="orthographicFront"/>
-      <a:lightRig rig="threePt" dir="t"/>
-    </dgm:scene3d>
-    <dgm:sp3d/>
-    <dgm:txPr/>
-    <dgm:style>
-      <a:lnRef idx="1">
-        <a:scrgbClr r="0" g="0" b="0"/>
-      </a:lnRef>
-      <a:fillRef idx="1">
-        <a:scrgbClr r="0" g="0" b="0"/>
-      </a:fillRef>
-      <a:effectRef idx="0">
-        <a:scrgbClr r="0" g="0" b="0"/>
-      </a:effectRef>
-      <a:fontRef idx="minor"/>
-    </dgm:style>
-  </dgm:styleLbl>
-  <dgm:styleLbl name="conFgAcc1">
-    <dgm:scene3d>
-      <a:camera prst="orthographicFront"/>
-      <a:lightRig rig="threePt" dir="t"/>
-    </dgm:scene3d>
-    <dgm:sp3d/>
-    <dgm:txPr/>
-    <dgm:style>
-      <a:lnRef idx="1">
-        <a:scrgbClr r="0" g="0" b="0"/>
-      </a:lnRef>
-      <a:fillRef idx="1">
-        <a:scrgbClr r="0" g="0" b="0"/>
-      </a:fillRef>
-      <a:effectRef idx="0">
-        <a:scrgbClr r="0" g="0" b="0"/>
-      </a:effectRef>
-      <a:fontRef idx="minor"/>
-    </dgm:style>
-  </dgm:styleLbl>
-  <dgm:styleLbl name="alignAcc1">
-    <dgm:scene3d>
-      <a:camera prst="orthographicFront"/>
-      <a:lightRig rig="threePt" dir="t"/>
-    </dgm:scene3d>
-    <dgm:sp3d/>
-    <dgm:txPr/>
-    <dgm:style>
-      <a:lnRef idx="1">
-        <a:scrgbClr r="0" g="0" b="0"/>
-      </a:lnRef>
-      <a:fillRef idx="1">
-        <a:scrgbClr r="0" g="0" b="0"/>
-      </a:fillRef>
-      <a:effectRef idx="0">
-        <a:scrgbClr r="0" g="0" b="0"/>
-      </a:effectRef>
-      <a:fontRef idx="minor"/>
-    </dgm:style>
-  </dgm:styleLbl>
-  <dgm:styleLbl name="trAlignAcc1">
-    <dgm:scene3d>
-      <a:camera prst="orthographicFront"/>
-      <a:lightRig rig="threePt" dir="t"/>
-    </dgm:scene3d>
-    <dgm:sp3d/>
-    <dgm:txPr/>
-    <dgm:style>
-      <a:lnRef idx="1">
-        <a:scrgbClr r="0" g="0" b="0"/>
-      </a:lnRef>
-      <a:fillRef idx="1">
-        <a:scrgbClr r="0" g="0" b="0"/>
-      </a:fillRef>
-      <a:effectRef idx="0">
-        <a:scrgbClr r="0" g="0" b="0"/>
-      </a:effectRef>
-      <a:fontRef idx="minor"/>
-    </dgm:style>
-  </dgm:styleLbl>
-  <dgm:styleLbl name="bgAcc1">
-    <dgm:scene3d>
-      <a:camera prst="orthographicFront"/>
-      <a:lightRig rig="threePt" dir="t"/>
-    </dgm:scene3d>
-    <dgm:sp3d/>
-    <dgm:txPr/>
-    <dgm:style>
-      <a:lnRef idx="1">
-        <a:scrgbClr r="0" g="0" b="0"/>
-      </a:lnRef>
-      <a:fillRef idx="1">
-        <a:scrgbClr r="0" g="0" b="0"/>
-      </a:fillRef>
-      <a:effectRef idx="0">
-        <a:scrgbClr r="0" g="0" b="0"/>
-      </a:effectRef>
-      <a:fontRef idx="minor"/>
-    </dgm:style>
-  </dgm:styleLbl>
-  <dgm:styleLbl name="solidFgAcc1">
-    <dgm:scene3d>
-      <a:camera prst="orthographicFront"/>
-      <a:lightRig rig="threePt" dir="t"/>
-    </dgm:scene3d>
-    <dgm:sp3d/>
-    <dgm:txPr/>
-    <dgm:style>
-      <a:lnRef idx="1">
-        <a:scrgbClr r="0" g="0" b="0"/>
-      </a:lnRef>
-      <a:fillRef idx="1">
-        <a:scrgbClr r="0" g="0" b="0"/>
-      </a:fillRef>
-      <a:effectRef idx="0">
-        <a:scrgbClr r="0" g="0" b="0"/>
-      </a:effectRef>
-      <a:fontRef idx="minor"/>
-    </dgm:style>
-  </dgm:styleLbl>
-  <dgm:styleLbl name="solidAlignAcc1">
-    <dgm:scene3d>
-      <a:camera prst="orthographicFront"/>
-      <a:lightRig rig="threePt" dir="t"/>
-    </dgm:scene3d>
-    <dgm:sp3d/>
-    <dgm:txPr/>
-    <dgm:style>
-      <a:lnRef idx="1">
-        <a:scrgbClr r="0" g="0" b="0"/>
-      </a:lnRef>
-      <a:fillRef idx="1">
-        <a:scrgbClr r="0" g="0" b="0"/>
-      </a:fillRef>
-      <a:effectRef idx="0">
-        <a:scrgbClr r="0" g="0" b="0"/>
-      </a:effectRef>
-      <a:fontRef idx="minor"/>
-    </dgm:style>
-  </dgm:styleLbl>
-  <dgm:styleLbl name="solidBgAcc1">
-    <dgm:scene3d>
-      <a:camera prst="orthographicFront"/>
-      <a:lightRig rig="threePt" dir="t"/>
-    </dgm:scene3d>
-    <dgm:sp3d/>
-    <dgm:txPr/>
-    <dgm:style>
-      <a:lnRef idx="1">
-        <a:scrgbClr r="0" g="0" b="0"/>
-      </a:lnRef>
-      <a:fillRef idx="1">
-        <a:scrgbClr r="0" g="0" b="0"/>
-      </a:fillRef>
-      <a:effectRef idx="0">
-        <a:scrgbClr r="0" g="0" b="0"/>
-      </a:effectRef>
-      <a:fontRef idx="minor"/>
-    </dgm:style>
-  </dgm:styleLbl>
-  <dgm:styleLbl name="fgAccFollowNode1">
-    <dgm:scene3d>
-      <a:camera prst="orthographicFront"/>
-      <a:lightRig rig="threePt" dir="t"/>
-    </dgm:scene3d>
-    <dgm:sp3d/>
-    <dgm:txPr/>
-    <dgm:style>
-      <a:lnRef idx="1">
-        <a:scrgbClr r="0" g="0" b="0"/>
-      </a:lnRef>
-      <a:fillRef idx="1">
-        <a:scrgbClr r="0" g="0" b="0"/>
-      </a:fillRef>
-      <a:effectRef idx="0">
-        <a:scrgbClr r="0" g="0" b="0"/>
-      </a:effectRef>
-      <a:fontRef idx="minor"/>
-    </dgm:style>
-  </dgm:styleLbl>
-  <dgm:styleLbl name="alignAccFollowNode1">
-    <dgm:scene3d>
-      <a:camera prst="orthographicFront"/>
-      <a:lightRig rig="threePt" dir="t"/>
-    </dgm:scene3d>
-    <dgm:sp3d/>
-    <dgm:txPr/>
-    <dgm:style>
-      <a:lnRef idx="1">
-        <a:scrgbClr r="0" g="0" b="0"/>
-      </a:lnRef>
-      <a:fillRef idx="1">
-        <a:scrgbClr r="0" g="0" b="0"/>
-      </a:fillRef>
-      <a:effectRef idx="0">
-        <a:scrgbClr r="0" g="0" b="0"/>
-      </a:effectRef>
-      <a:fontRef idx="minor"/>
-    </dgm:style>
-  </dgm:styleLbl>
-  <dgm:styleLbl name="bgAccFollowNode1">
-    <dgm:scene3d>
-      <a:camera prst="orthographicFront"/>
-      <a:lightRig rig="threePt" dir="t"/>
-    </dgm:scene3d>
-    <dgm:sp3d/>
-    <dgm:txPr/>
-    <dgm:style>
-      <a:lnRef idx="1">
-        <a:scrgbClr r="0" g="0" b="0"/>
-      </a:lnRef>
-      <a:fillRef idx="1">
-        <a:scrgbClr r="0" g="0" b="0"/>
-      </a:fillRef>
-      <a:effectRef idx="0">
-        <a:scrgbClr r="0" g="0" b="0"/>
-      </a:effectRef>
-      <a:fontRef idx="minor"/>
-    </dgm:style>
-  </dgm:styleLbl>
-  <dgm:styleLbl name="fgAcc0">
-    <dgm:scene3d>
-      <a:camera prst="orthographicFront"/>
-      <a:lightRig rig="threePt" dir="t"/>
-    </dgm:scene3d>
-    <dgm:sp3d/>
-    <dgm:txPr/>
-    <dgm:style>
-      <a:lnRef idx="1">
-        <a:scrgbClr r="0" g="0" b="0"/>
-      </a:lnRef>
-      <a:fillRef idx="1">
-        <a:scrgbClr r="0" g="0" b="0"/>
-      </a:fillRef>
-      <a:effectRef idx="0">
-        <a:scrgbClr r="0" g="0" b="0"/>
-      </a:effectRef>
-      <a:fontRef idx="minor"/>
-    </dgm:style>
-  </dgm:styleLbl>
-  <dgm:styleLbl name="fgAcc2">
-    <dgm:scene3d>
-      <a:camera prst="orthographicFront"/>
-      <a:lightRig rig="threePt" dir="t"/>
-    </dgm:scene3d>
-    <dgm:sp3d/>
-    <dgm:txPr/>
-    <dgm:style>
-      <a:lnRef idx="1">
-        <a:scrgbClr r="0" g="0" b="0"/>
-      </a:lnRef>
-      <a:fillRef idx="1">
-        <a:scrgbClr r="0" g="0" b="0"/>
-      </a:fillRef>
-      <a:effectRef idx="0">
-        <a:scrgbClr r="0" g="0" b="0"/>
-      </a:effectRef>
-      <a:fontRef idx="minor"/>
-    </dgm:style>
-  </dgm:styleLbl>
-  <dgm:styleLbl name="fgAcc3">
-    <dgm:scene3d>
-      <a:camera prst="orthographicFront"/>
-      <a:lightRig rig="threePt" dir="t"/>
-    </dgm:scene3d>
-    <dgm:sp3d/>
-    <dgm:txPr/>
-    <dgm:style>
-      <a:lnRef idx="1">
-        <a:scrgbClr r="0" g="0" b="0"/>
-      </a:lnRef>
-      <a:fillRef idx="1">
-        <a:scrgbClr r="0" g="0" b="0"/>
-      </a:fillRef>
-      <a:effectRef idx="0">
-        <a:scrgbClr r="0" g="0" b="0"/>
-      </a:effectRef>
-      <a:fontRef idx="minor"/>
-    </dgm:style>
-  </dgm:styleLbl>
-  <dgm:styleLbl name="fgAcc4">
-    <dgm:scene3d>
-      <a:camera prst="orthographicFront"/>
-      <a:lightRig rig="threePt" dir="t"/>
-    </dgm:scene3d>
-    <dgm:sp3d/>
-    <dgm:txPr/>
-    <dgm:style>
-      <a:lnRef idx="1">
-        <a:scrgbClr r="0" g="0" b="0"/>
-      </a:lnRef>
-      <a:fillRef idx="1">
-        <a:scrgbClr r="0" g="0" b="0"/>
-      </a:fillRef>
-      <a:effectRef idx="0">
-        <a:scrgbClr r="0" g="0" b="0"/>
-      </a:effectRef>
-      <a:fontRef idx="minor"/>
-    </dgm:style>
-  </dgm:styleLbl>
-  <dgm:styleLbl name="bgShp">
-    <dgm:scene3d>
-      <a:camera prst="orthographicFront"/>
-      <a:lightRig rig="threePt" dir="t"/>
-    </dgm:scene3d>
-    <dgm:sp3d/>
-    <dgm:txPr/>
-    <dgm:style>
-      <a:lnRef idx="0">
-        <a:scrgbClr r="0" g="0" b="0"/>
-      </a:lnRef>
-      <a:fillRef idx="1">
-        <a:scrgbClr r="0" g="0" b="0"/>
-      </a:fillRef>
-      <a:effectRef idx="2">
-        <a:scrgbClr r="0" g="0" b="0"/>
-      </a:effectRef>
-      <a:fontRef idx="minor"/>
-    </dgm:style>
-  </dgm:styleLbl>
-  <dgm:styleLbl name="dkBgShp">
-    <dgm:scene3d>
-      <a:camera prst="orthographicFront"/>
-      <a:lightRig rig="threePt" dir="t"/>
-    </dgm:scene3d>
-    <dgm:sp3d/>
-    <dgm:txPr/>
-    <dgm:style>
-      <a:lnRef idx="0">
-        <a:scrgbClr r="0" g="0" b="0"/>
-      </a:lnRef>
-      <a:fillRef idx="1">
-        <a:scrgbClr r="0" g="0" b="0"/>
-      </a:fillRef>
-      <a:effectRef idx="2">
-        <a:scrgbClr r="0" g="0" b="0"/>
-      </a:effectRef>
-      <a:fontRef idx="minor"/>
-    </dgm:style>
-  </dgm:styleLbl>
-  <dgm:styleLbl name="trBgShp">
-    <dgm:scene3d>
-      <a:camera prst="orthographicFront"/>
-      <a:lightRig rig="threePt" dir="t"/>
-    </dgm:scene3d>
-    <dgm:sp3d/>
-    <dgm:txPr/>
-    <dgm:style>
-      <a:lnRef idx="0">
-        <a:scrgbClr r="0" g="0" b="0"/>
-      </a:lnRef>
-      <a:fillRef idx="1">
-        <a:scrgbClr r="0" g="0" b="0"/>
-      </a:fillRef>
-      <a:effectRef idx="0">
-        <a:scrgbClr r="0" g="0" b="0"/>
-      </a:effectRef>
-      <a:fontRef idx="minor"/>
-    </dgm:style>
-  </dgm:styleLbl>
-  <dgm:styleLbl name="fgShp">
-    <dgm:scene3d>
-      <a:camera prst="orthographicFront"/>
-      <a:lightRig rig="threePt" dir="t"/>
-    </dgm:scene3d>
-    <dgm:sp3d/>
-    <dgm:txPr/>
-    <dgm:style>
-      <a:lnRef idx="0">
-        <a:scrgbClr r="0" g="0" b="0"/>
-      </a:lnRef>
-      <a:fillRef idx="3">
-        <a:scrgbClr r="0" g="0" b="0"/>
-      </a:fillRef>
-      <a:effectRef idx="2">
-        <a:scrgbClr r="0" g="0" b="0"/>
-      </a:effectRef>
-      <a:fontRef idx="minor"/>
-    </dgm:style>
-  </dgm:styleLbl>
-  <dgm:styleLbl name="revTx">
-    <dgm:scene3d>
-      <a:camera prst="orthographicFront"/>
-      <a:lightRig rig="threePt" dir="t"/>
-    </dgm:scene3d>
-    <dgm:sp3d/>
-    <dgm:txPr/>
-    <dgm:style>
-      <a:lnRef idx="0">
-        <a:scrgbClr r="0" g="0" b="0"/>
-      </a:lnRef>
-      <a:fillRef idx="0">
-        <a:scrgbClr r="0" g="0" b="0"/>
-      </a:fillRef>
-      <a:effectRef idx="0">
-        <a:scrgbClr r="0" g="0" b="0"/>
-      </a:effectRef>
-      <a:fontRef idx="minor"/>
-    </dgm:style>
-  </dgm:styleLbl>
-</dgm:styleDef>
-</file>
-
-<file path=ppt/diagrams/quickStyle6.xml><?xml version="1.0" encoding="utf-8"?>
 <dgm:styleDef xmlns:dgm="http://schemas.openxmlformats.org/drawingml/2006/diagram" xmlns:a="http://schemas.openxmlformats.org/drawingml/2006/main" uniqueId="urn:microsoft.com/office/officeart/2005/8/quickstyle/simple4">
   <dgm:title val=""/>
   <dgm:desc val=""/>
@@ -17274,7 +11901,7 @@
             <a:fld id="{3ACDA2C4-2F6D-B046-ACF4-04F0ED078194}" type="datetimeFigureOut">
               <a:rPr lang="es-ES_tradnl" smtClean="0"/>
               <a:pPr/>
-              <a:t>25/02/14</a:t>
+              <a:t>11/04/14</a:t>
             </a:fld>
             <a:endParaRPr lang="es-ES_tradnl"/>
           </a:p>
@@ -17934,7 +12561,7 @@
             <a:fld id="{8CA4469D-5CB2-4D32-B676-ED75984310ED}" type="slidenum">
               <a:rPr lang="en-US" smtClean="0"/>
               <a:pPr/>
-              <a:t>13</a:t>
+              <a:t>16</a:t>
             </a:fld>
             <a:endParaRPr lang="en-US" smtClean="0"/>
           </a:p>
@@ -18022,7 +12649,7 @@
             <a:fld id="{67D2F7E1-72AD-4225-B0A0-266F8181CD50}" type="slidenum">
               <a:rPr lang="en-US" smtClean="0"/>
               <a:pPr/>
-              <a:t>14</a:t>
+              <a:t>17</a:t>
             </a:fld>
             <a:endParaRPr lang="en-US" smtClean="0"/>
           </a:p>
@@ -18295,7 +12922,7 @@
               <a:pPr>
                 <a:defRPr/>
               </a:pPr>
-              <a:t>25 febrero 2014</a:t>
+              <a:t>11 abril 2014</a:t>
             </a:fld>
             <a:endParaRPr lang="en-US"/>
           </a:p>
@@ -22271,7 +16898,7 @@
                 </a:spcBef>
                 <a:defRPr/>
               </a:pPr>
-              <a:t>25 febrero 2014</a:t>
+              <a:t>11 abril 2014</a:t>
             </a:fld>
             <a:endParaRPr lang="en-US" sz="900">
               <a:solidFill>
@@ -24294,38 +18921,17 @@
           <a:lstStyle/>
           <a:p>
             <a:r>
+              <a:rPr lang="es-ES_tradnl" dirty="0"/>
+              <a:t>WS EXTRACCION </a:t>
+            </a:r>
+            <a:r>
               <a:rPr lang="es-ES_tradnl" dirty="0" smtClean="0"/>
-              <a:t>Detalle de componentes</a:t>
+              <a:t>DE ENTIDADES</a:t>
             </a:r>
             <a:endParaRPr lang="es-ES_tradnl" dirty="0"/>
           </a:p>
         </p:txBody>
       </p:sp>
-      <p:graphicFrame>
-        <p:nvGraphicFramePr>
-          <p:cNvPr id="5" name="Marcador de contenido 4"/>
-          <p:cNvGraphicFramePr>
-            <a:graphicFrameLocks noGrp="1"/>
-          </p:cNvGraphicFramePr>
-          <p:nvPr>
-            <p:ph idx="1"/>
-            <p:extLst>
-              <p:ext uri="{D42A27DB-BD31-4B8C-83A1-F6EECF244321}">
-                <p14:modId xmlns:p14="http://schemas.microsoft.com/office/powerpoint/2010/main" val="1116439689"/>
-              </p:ext>
-            </p:extLst>
-          </p:nvPr>
-        </p:nvGraphicFramePr>
-        <p:xfrm>
-          <a:off x="342900" y="1337691"/>
-          <a:ext cx="8442325" cy="4690576"/>
-        </p:xfrm>
-        <a:graphic>
-          <a:graphicData uri="http://schemas.openxmlformats.org/drawingml/2006/diagram">
-            <dgm:relIds xmlns:dgm="http://schemas.openxmlformats.org/drawingml/2006/diagram" xmlns:r="http://schemas.openxmlformats.org/officeDocument/2006/relationships" r:dm="rId2" r:lo="rId3" r:qs="rId4" r:cs="rId5"/>
-          </a:graphicData>
-        </a:graphic>
-      </p:graphicFrame>
       <p:sp>
         <p:nvSpPr>
           <p:cNvPr id="4" name="Marcador de número de diapositiva 3"/>
@@ -24355,10 +18961,39 @@
           </a:p>
         </p:txBody>
       </p:sp>
+      <p:pic>
+        <p:nvPicPr>
+          <p:cNvPr id="7" name="Imagen 6" descr="Captura de pantalla 2014-04-11 a la(s) 15.03.53.png"/>
+          <p:cNvPicPr>
+            <a:picLocks noChangeAspect="1"/>
+          </p:cNvPicPr>
+          <p:nvPr/>
+        </p:nvPicPr>
+        <p:blipFill rotWithShape="1">
+          <a:blip r:embed="rId2">
+            <a:extLst>
+              <a:ext uri="{28A0092B-C50C-407E-A947-70E740481C1C}">
+                <a14:useLocalDpi xmlns:a14="http://schemas.microsoft.com/office/drawing/2010/main" val="0"/>
+              </a:ext>
+            </a:extLst>
+          </a:blip>
+          <a:srcRect r="55796"/>
+          <a:stretch/>
+        </p:blipFill>
+        <p:spPr>
+          <a:xfrm>
+            <a:off x="575732" y="1823635"/>
+            <a:ext cx="7840135" cy="3764365"/>
+          </a:xfrm>
+          <a:prstGeom prst="rect">
+            <a:avLst/>
+          </a:prstGeom>
+        </p:spPr>
+      </p:pic>
     </p:spTree>
     <p:extLst>
       <p:ext uri="{BB962C8B-B14F-4D97-AF65-F5344CB8AC3E}">
-        <p14:creationId xmlns:p14="http://schemas.microsoft.com/office/powerpoint/2010/main" val="4081305827"/>
+        <p14:creationId xmlns:p14="http://schemas.microsoft.com/office/powerpoint/2010/main" val="2358220875"/>
       </p:ext>
     </p:extLst>
   </p:cSld>
@@ -24372,6 +19007,410 @@
 </file>
 
 <file path=ppt/slides/slide11.xml><?xml version="1.0" encoding="utf-8"?>
+<p:sld xmlns:a="http://schemas.openxmlformats.org/drawingml/2006/main" xmlns:r="http://schemas.openxmlformats.org/officeDocument/2006/relationships" xmlns:p="http://schemas.openxmlformats.org/presentationml/2006/main">
+  <p:cSld>
+    <p:spTree>
+      <p:nvGrpSpPr>
+        <p:cNvPr id="1" name=""/>
+        <p:cNvGrpSpPr/>
+        <p:nvPr/>
+      </p:nvGrpSpPr>
+      <p:grpSpPr>
+        <a:xfrm>
+          <a:off x="0" y="0"/>
+          <a:ext cx="0" cy="0"/>
+          <a:chOff x="0" y="0"/>
+          <a:chExt cx="0" cy="0"/>
+        </a:xfrm>
+      </p:grpSpPr>
+      <p:sp>
+        <p:nvSpPr>
+          <p:cNvPr id="2" name="Título 1"/>
+          <p:cNvSpPr>
+            <a:spLocks noGrp="1"/>
+          </p:cNvSpPr>
+          <p:nvPr>
+            <p:ph type="title"/>
+          </p:nvPr>
+        </p:nvSpPr>
+        <p:spPr/>
+        <p:txBody>
+          <a:bodyPr/>
+          <a:lstStyle/>
+          <a:p>
+            <a:r>
+              <a:rPr lang="es-ES_tradnl" dirty="0"/>
+              <a:t>WS DESAMBIGUACION</a:t>
+            </a:r>
+            <a:endParaRPr lang="es-ES_tradnl" dirty="0"/>
+          </a:p>
+        </p:txBody>
+      </p:sp>
+      <p:sp>
+        <p:nvSpPr>
+          <p:cNvPr id="4" name="Marcador de número de diapositiva 3"/>
+          <p:cNvSpPr>
+            <a:spLocks noGrp="1"/>
+          </p:cNvSpPr>
+          <p:nvPr>
+            <p:ph type="sldNum" sz="quarter" idx="10"/>
+          </p:nvPr>
+        </p:nvSpPr>
+        <p:spPr/>
+        <p:txBody>
+          <a:bodyPr/>
+          <a:lstStyle/>
+          <a:p>
+            <a:pPr>
+              <a:defRPr/>
+            </a:pPr>
+            <a:fld id="{FC87845B-BADD-498D-85FD-6F17C1205A0E}" type="slidenum">
+              <a:rPr lang="en-US" smtClean="0"/>
+              <a:pPr>
+                <a:defRPr/>
+              </a:pPr>
+              <a:t>11</a:t>
+            </a:fld>
+            <a:endParaRPr lang="en-US"/>
+          </a:p>
+        </p:txBody>
+      </p:sp>
+      <p:pic>
+        <p:nvPicPr>
+          <p:cNvPr id="5" name="Imagen 4" descr="Captura de pantalla 2014-04-11 a la(s) 15.04.43.png"/>
+          <p:cNvPicPr>
+            <a:picLocks noChangeAspect="1"/>
+          </p:cNvPicPr>
+          <p:nvPr/>
+        </p:nvPicPr>
+        <p:blipFill rotWithShape="1">
+          <a:blip r:embed="rId2">
+            <a:extLst>
+              <a:ext uri="{28A0092B-C50C-407E-A947-70E740481C1C}">
+                <a14:useLocalDpi xmlns:a14="http://schemas.microsoft.com/office/drawing/2010/main" val="0"/>
+              </a:ext>
+            </a:extLst>
+          </a:blip>
+          <a:srcRect r="57967"/>
+          <a:stretch/>
+        </p:blipFill>
+        <p:spPr>
+          <a:xfrm>
+            <a:off x="575733" y="1744489"/>
+            <a:ext cx="7755468" cy="3962043"/>
+          </a:xfrm>
+          <a:prstGeom prst="rect">
+            <a:avLst/>
+          </a:prstGeom>
+        </p:spPr>
+      </p:pic>
+    </p:spTree>
+    <p:extLst>
+      <p:ext uri="{BB962C8B-B14F-4D97-AF65-F5344CB8AC3E}">
+        <p14:creationId xmlns:p14="http://schemas.microsoft.com/office/powerpoint/2010/main" val="2358220875"/>
+      </p:ext>
+    </p:extLst>
+  </p:cSld>
+  <p:clrMapOvr>
+    <a:masterClrMapping/>
+  </p:clrMapOvr>
+  <p:transition xmlns:p14="http://schemas.microsoft.com/office/powerpoint/2010/main">
+    <p:fade/>
+  </p:transition>
+</p:sld>
+</file>
+
+<file path=ppt/slides/slide12.xml><?xml version="1.0" encoding="utf-8"?>
+<p:sld xmlns:a="http://schemas.openxmlformats.org/drawingml/2006/main" xmlns:r="http://schemas.openxmlformats.org/officeDocument/2006/relationships" xmlns:p="http://schemas.openxmlformats.org/presentationml/2006/main">
+  <p:cSld>
+    <p:spTree>
+      <p:nvGrpSpPr>
+        <p:cNvPr id="1" name=""/>
+        <p:cNvGrpSpPr/>
+        <p:nvPr/>
+      </p:nvGrpSpPr>
+      <p:grpSpPr>
+        <a:xfrm>
+          <a:off x="0" y="0"/>
+          <a:ext cx="0" cy="0"/>
+          <a:chOff x="0" y="0"/>
+          <a:chExt cx="0" cy="0"/>
+        </a:xfrm>
+      </p:grpSpPr>
+      <p:sp>
+        <p:nvSpPr>
+          <p:cNvPr id="2" name="Título 1"/>
+          <p:cNvSpPr>
+            <a:spLocks noGrp="1"/>
+          </p:cNvSpPr>
+          <p:nvPr>
+            <p:ph type="title"/>
+          </p:nvPr>
+        </p:nvSpPr>
+        <p:spPr/>
+        <p:txBody>
+          <a:bodyPr/>
+          <a:lstStyle/>
+          <a:p>
+            <a:r>
+              <a:rPr lang="es-ES_tradnl" dirty="0"/>
+              <a:t>WS DESAMBIGUACION </a:t>
+            </a:r>
+            <a:r>
+              <a:rPr lang="es-ES_tradnl" dirty="0" smtClean="0"/>
+              <a:t>Y ENLACE</a:t>
+            </a:r>
+            <a:endParaRPr lang="es-ES_tradnl" dirty="0"/>
+          </a:p>
+        </p:txBody>
+      </p:sp>
+      <p:sp>
+        <p:nvSpPr>
+          <p:cNvPr id="4" name="Marcador de número de diapositiva 3"/>
+          <p:cNvSpPr>
+            <a:spLocks noGrp="1"/>
+          </p:cNvSpPr>
+          <p:nvPr>
+            <p:ph type="sldNum" sz="quarter" idx="10"/>
+          </p:nvPr>
+        </p:nvSpPr>
+        <p:spPr/>
+        <p:txBody>
+          <a:bodyPr/>
+          <a:lstStyle/>
+          <a:p>
+            <a:pPr>
+              <a:defRPr/>
+            </a:pPr>
+            <a:fld id="{FC87845B-BADD-498D-85FD-6F17C1205A0E}" type="slidenum">
+              <a:rPr lang="en-US" smtClean="0"/>
+              <a:pPr>
+                <a:defRPr/>
+              </a:pPr>
+              <a:t>12</a:t>
+            </a:fld>
+            <a:endParaRPr lang="en-US"/>
+          </a:p>
+        </p:txBody>
+      </p:sp>
+      <p:pic>
+        <p:nvPicPr>
+          <p:cNvPr id="3" name="Imagen 2" descr="Captura de pantalla 2014-04-11 a la(s) 15.05.57.png"/>
+          <p:cNvPicPr>
+            <a:picLocks noChangeAspect="1"/>
+          </p:cNvPicPr>
+          <p:nvPr/>
+        </p:nvPicPr>
+        <p:blipFill rotWithShape="1">
+          <a:blip r:embed="rId2">
+            <a:extLst>
+              <a:ext uri="{28A0092B-C50C-407E-A947-70E740481C1C}">
+                <a14:useLocalDpi xmlns:a14="http://schemas.microsoft.com/office/drawing/2010/main" val="0"/>
+              </a:ext>
+            </a:extLst>
+          </a:blip>
+          <a:srcRect b="65722"/>
+          <a:stretch/>
+        </p:blipFill>
+        <p:spPr>
+          <a:xfrm>
+            <a:off x="482772" y="1574800"/>
+            <a:ext cx="3475308" cy="2353733"/>
+          </a:xfrm>
+          <a:prstGeom prst="rect">
+            <a:avLst/>
+          </a:prstGeom>
+        </p:spPr>
+      </p:pic>
+      <p:pic>
+        <p:nvPicPr>
+          <p:cNvPr id="6" name="Imagen 5" descr="Captura de pantalla 2014-04-11 a la(s) 15.05.57.png"/>
+          <p:cNvPicPr>
+            <a:picLocks noChangeAspect="1"/>
+          </p:cNvPicPr>
+          <p:nvPr/>
+        </p:nvPicPr>
+        <p:blipFill rotWithShape="1">
+          <a:blip r:embed="rId2">
+            <a:extLst>
+              <a:ext uri="{28A0092B-C50C-407E-A947-70E740481C1C}">
+                <a14:useLocalDpi xmlns:a14="http://schemas.microsoft.com/office/drawing/2010/main" val="0"/>
+              </a:ext>
+            </a:extLst>
+          </a:blip>
+          <a:srcRect l="-705" t="33922" r="705" b="14304"/>
+          <a:stretch/>
+        </p:blipFill>
+        <p:spPr>
+          <a:xfrm>
+            <a:off x="4089573" y="1608667"/>
+            <a:ext cx="4800427" cy="4910666"/>
+          </a:xfrm>
+          <a:prstGeom prst="rect">
+            <a:avLst/>
+          </a:prstGeom>
+        </p:spPr>
+      </p:pic>
+    </p:spTree>
+    <p:extLst>
+      <p:ext uri="{BB962C8B-B14F-4D97-AF65-F5344CB8AC3E}">
+        <p14:creationId xmlns:p14="http://schemas.microsoft.com/office/powerpoint/2010/main" val="2535853410"/>
+      </p:ext>
+    </p:extLst>
+  </p:cSld>
+  <p:clrMapOvr>
+    <a:masterClrMapping/>
+  </p:clrMapOvr>
+  <p:transition xmlns:p14="http://schemas.microsoft.com/office/powerpoint/2010/main">
+    <p:fade/>
+  </p:transition>
+</p:sld>
+</file>
+
+<file path=ppt/slides/slide13.xml><?xml version="1.0" encoding="utf-8"?>
+<p:sld xmlns:a="http://schemas.openxmlformats.org/drawingml/2006/main" xmlns:r="http://schemas.openxmlformats.org/officeDocument/2006/relationships" xmlns:p="http://schemas.openxmlformats.org/presentationml/2006/main">
+  <p:cSld>
+    <p:spTree>
+      <p:nvGrpSpPr>
+        <p:cNvPr id="1" name=""/>
+        <p:cNvGrpSpPr/>
+        <p:nvPr/>
+      </p:nvGrpSpPr>
+      <p:grpSpPr>
+        <a:xfrm>
+          <a:off x="0" y="0"/>
+          <a:ext cx="0" cy="0"/>
+          <a:chOff x="0" y="0"/>
+          <a:chExt cx="0" cy="0"/>
+        </a:xfrm>
+      </p:grpSpPr>
+      <p:sp>
+        <p:nvSpPr>
+          <p:cNvPr id="2" name="Título 1"/>
+          <p:cNvSpPr>
+            <a:spLocks noGrp="1"/>
+          </p:cNvSpPr>
+          <p:nvPr>
+            <p:ph type="title"/>
+          </p:nvPr>
+        </p:nvSpPr>
+        <p:spPr/>
+        <p:txBody>
+          <a:bodyPr/>
+          <a:lstStyle/>
+          <a:p>
+            <a:r>
+              <a:rPr lang="es-ES_tradnl" dirty="0" smtClean="0"/>
+              <a:t>DESAMBIGUACION Y ENLACE</a:t>
+            </a:r>
+            <a:endParaRPr lang="es-ES_tradnl" dirty="0"/>
+          </a:p>
+        </p:txBody>
+      </p:sp>
+      <p:sp>
+        <p:nvSpPr>
+          <p:cNvPr id="4" name="Marcador de número de diapositiva 3"/>
+          <p:cNvSpPr>
+            <a:spLocks noGrp="1"/>
+          </p:cNvSpPr>
+          <p:nvPr>
+            <p:ph type="sldNum" sz="quarter" idx="10"/>
+          </p:nvPr>
+        </p:nvSpPr>
+        <p:spPr/>
+        <p:txBody>
+          <a:bodyPr/>
+          <a:lstStyle/>
+          <a:p>
+            <a:pPr>
+              <a:defRPr/>
+            </a:pPr>
+            <a:fld id="{FC87845B-BADD-498D-85FD-6F17C1205A0E}" type="slidenum">
+              <a:rPr lang="en-US" smtClean="0"/>
+              <a:pPr>
+                <a:defRPr/>
+              </a:pPr>
+              <a:t>13</a:t>
+            </a:fld>
+            <a:endParaRPr lang="en-US"/>
+          </a:p>
+        </p:txBody>
+      </p:sp>
+      <p:pic>
+        <p:nvPicPr>
+          <p:cNvPr id="5" name="Imagen 4" descr="Captura de pantalla 2014-04-11 a la(s) 15.13.26.png"/>
+          <p:cNvPicPr>
+            <a:picLocks noChangeAspect="1"/>
+          </p:cNvPicPr>
+          <p:nvPr/>
+        </p:nvPicPr>
+        <p:blipFill rotWithShape="1">
+          <a:blip r:embed="rId2">
+            <a:extLst>
+              <a:ext uri="{28A0092B-C50C-407E-A947-70E740481C1C}">
+                <a14:useLocalDpi xmlns:a14="http://schemas.microsoft.com/office/drawing/2010/main" val="0"/>
+              </a:ext>
+            </a:extLst>
+          </a:blip>
+          <a:srcRect b="32099"/>
+          <a:stretch/>
+        </p:blipFill>
+        <p:spPr>
+          <a:xfrm>
+            <a:off x="255527" y="1591733"/>
+            <a:ext cx="4027081" cy="4656667"/>
+          </a:xfrm>
+          <a:prstGeom prst="rect">
+            <a:avLst/>
+          </a:prstGeom>
+        </p:spPr>
+      </p:pic>
+      <p:pic>
+        <p:nvPicPr>
+          <p:cNvPr id="7" name="Imagen 6" descr="Captura de pantalla 2014-04-11 a la(s) 15.14.09.png"/>
+          <p:cNvPicPr>
+            <a:picLocks noChangeAspect="1"/>
+          </p:cNvPicPr>
+          <p:nvPr/>
+        </p:nvPicPr>
+        <p:blipFill rotWithShape="1">
+          <a:blip r:embed="rId3">
+            <a:extLst>
+              <a:ext uri="{28A0092B-C50C-407E-A947-70E740481C1C}">
+                <a14:useLocalDpi xmlns:a14="http://schemas.microsoft.com/office/drawing/2010/main" val="0"/>
+              </a:ext>
+            </a:extLst>
+          </a:blip>
+          <a:srcRect b="31358"/>
+          <a:stretch/>
+        </p:blipFill>
+        <p:spPr>
+          <a:xfrm>
+            <a:off x="4570259" y="1591733"/>
+            <a:ext cx="3898151" cy="4707467"/>
+          </a:xfrm>
+          <a:prstGeom prst="rect">
+            <a:avLst/>
+          </a:prstGeom>
+        </p:spPr>
+      </p:pic>
+    </p:spTree>
+    <p:extLst>
+      <p:ext uri="{BB962C8B-B14F-4D97-AF65-F5344CB8AC3E}">
+        <p14:creationId xmlns:p14="http://schemas.microsoft.com/office/powerpoint/2010/main" val="1984172988"/>
+      </p:ext>
+    </p:extLst>
+  </p:cSld>
+  <p:clrMapOvr>
+    <a:masterClrMapping/>
+  </p:clrMapOvr>
+  <p:transition xmlns:p14="http://schemas.microsoft.com/office/powerpoint/2010/main">
+    <p:fade/>
+  </p:transition>
+</p:sld>
+</file>
+
+<file path=ppt/slides/slide14.xml><?xml version="1.0" encoding="utf-8"?>
 <p:sld xmlns:a="http://schemas.openxmlformats.org/drawingml/2006/main" xmlns:r="http://schemas.openxmlformats.org/officeDocument/2006/relationships" xmlns:p="http://schemas.openxmlformats.org/presentationml/2006/main">
   <p:cSld>
     <p:spTree>
@@ -24459,7 +19498,7 @@
               <a:pPr>
                 <a:defRPr/>
               </a:pPr>
-              <a:t>11</a:t>
+              <a:t>14</a:t>
             </a:fld>
             <a:endParaRPr lang="en-US"/>
           </a:p>
@@ -24481,7 +19520,7 @@
 </p:sld>
 </file>
 
-<file path=ppt/slides/slide12.xml><?xml version="1.0" encoding="utf-8"?>
+<file path=ppt/slides/slide15.xml><?xml version="1.0" encoding="utf-8"?>
 <p:sld xmlns:a="http://schemas.openxmlformats.org/drawingml/2006/main" xmlns:r="http://schemas.openxmlformats.org/officeDocument/2006/relationships" xmlns:p="http://schemas.openxmlformats.org/presentationml/2006/main">
   <p:cSld>
     <p:spTree>
@@ -24597,7 +19636,7 @@
             <a:fld id="{FA83D2B2-BC48-4DC3-B052-03180F1392F4}" type="slidenum">
               <a:rPr lang="en-US" smtClean="0"/>
               <a:pPr/>
-              <a:t>12</a:t>
+              <a:t>15</a:t>
             </a:fld>
             <a:endParaRPr lang="en-US"/>
           </a:p>
@@ -24614,7 +19653,7 @@
 </p:sld>
 </file>
 
-<file path=ppt/slides/slide13.xml><?xml version="1.0" encoding="utf-8"?>
+<file path=ppt/slides/slide16.xml><?xml version="1.0" encoding="utf-8"?>
 <p:sld xmlns:a="http://schemas.openxmlformats.org/drawingml/2006/main" xmlns:r="http://schemas.openxmlformats.org/officeDocument/2006/relationships" xmlns:p="http://schemas.openxmlformats.org/presentationml/2006/main" showMasterSp="0">
   <p:cSld>
     <p:spTree>
@@ -24692,7 +19731,7 @@
 </p:sld>
 </file>
 
-<file path=ppt/slides/slide14.xml><?xml version="1.0" encoding="utf-8"?>
+<file path=ppt/slides/slide17.xml><?xml version="1.0" encoding="utf-8"?>
 <p:sld xmlns:a="http://schemas.openxmlformats.org/drawingml/2006/main" xmlns:r="http://schemas.openxmlformats.org/officeDocument/2006/relationships" xmlns:p="http://schemas.openxmlformats.org/presentationml/2006/main" showMasterSp="0">
   <p:cSld>
     <p:spTree>
@@ -24806,126 +19845,6 @@
       </p:grpSpPr>
       <p:sp>
         <p:nvSpPr>
-          <p:cNvPr id="10" name="Título 9"/>
-          <p:cNvSpPr>
-            <a:spLocks noGrp="1"/>
-          </p:cNvSpPr>
-          <p:nvPr>
-            <p:ph type="title"/>
-          </p:nvPr>
-        </p:nvSpPr>
-        <p:spPr/>
-        <p:txBody>
-          <a:bodyPr/>
-          <a:lstStyle/>
-          <a:p>
-            <a:r>
-              <a:rPr lang="es-ES_tradnl" dirty="0" smtClean="0"/>
-              <a:t>Agenda</a:t>
-            </a:r>
-            <a:endParaRPr lang="es-ES_tradnl" dirty="0"/>
-          </a:p>
-        </p:txBody>
-      </p:sp>
-      <p:sp>
-        <p:nvSpPr>
-          <p:cNvPr id="11" name="Marcador de contenido 10"/>
-          <p:cNvSpPr>
-            <a:spLocks noGrp="1"/>
-          </p:cNvSpPr>
-          <p:nvPr>
-            <p:ph idx="1"/>
-          </p:nvPr>
-        </p:nvSpPr>
-        <p:spPr/>
-        <p:txBody>
-          <a:bodyPr/>
-          <a:lstStyle/>
-          <a:p>
-            <a:r>
-              <a:rPr lang="es-ES_tradnl" dirty="0" smtClean="0"/>
-              <a:t>Propósito y Resultados Esperados</a:t>
-            </a:r>
-          </a:p>
-          <a:p>
-            <a:r>
-              <a:rPr lang="es-ES_tradnl" dirty="0" smtClean="0"/>
-              <a:t>Fases del Proyecto</a:t>
-            </a:r>
-          </a:p>
-          <a:p>
-            <a:r>
-              <a:rPr lang="es-ES_tradnl" dirty="0" smtClean="0"/>
-              <a:t>Detalle de componentes</a:t>
-            </a:r>
-          </a:p>
-          <a:p>
-            <a:r>
-              <a:rPr lang="es-ES_tradnl" dirty="0" smtClean="0"/>
-              <a:t>Aportes de la </a:t>
-            </a:r>
-            <a:r>
-              <a:rPr lang="es-ES_tradnl" dirty="0" smtClean="0"/>
-              <a:t>tesis</a:t>
-            </a:r>
-            <a:endParaRPr lang="es-ES_tradnl" dirty="0" smtClean="0"/>
-          </a:p>
-        </p:txBody>
-      </p:sp>
-      <p:sp>
-        <p:nvSpPr>
-          <p:cNvPr id="2" name="Marcador de número de diapositiva 1"/>
-          <p:cNvSpPr>
-            <a:spLocks noGrp="1"/>
-          </p:cNvSpPr>
-          <p:nvPr>
-            <p:ph type="sldNum" sz="quarter" idx="10"/>
-          </p:nvPr>
-        </p:nvSpPr>
-        <p:spPr/>
-        <p:txBody>
-          <a:bodyPr/>
-          <a:lstStyle/>
-          <a:p>
-            <a:fld id="{FA83D2B2-BC48-4DC3-B052-03180F1392F4}" type="slidenum">
-              <a:rPr lang="en-US" smtClean="0"/>
-              <a:pPr/>
-              <a:t>2</a:t>
-            </a:fld>
-            <a:endParaRPr lang="en-US"/>
-          </a:p>
-        </p:txBody>
-      </p:sp>
-    </p:spTree>
-  </p:cSld>
-  <p:clrMapOvr>
-    <a:masterClrMapping/>
-  </p:clrMapOvr>
-  <p:transition xmlns:p14="http://schemas.microsoft.com/office/powerpoint/2010/main">
-    <p:fade/>
-  </p:transition>
-</p:sld>
-</file>
-
-<file path=ppt/slides/slide3.xml><?xml version="1.0" encoding="utf-8"?>
-<p:sld xmlns:a="http://schemas.openxmlformats.org/drawingml/2006/main" xmlns:r="http://schemas.openxmlformats.org/officeDocument/2006/relationships" xmlns:p="http://schemas.openxmlformats.org/presentationml/2006/main">
-  <p:cSld>
-    <p:spTree>
-      <p:nvGrpSpPr>
-        <p:cNvPr id="1" name=""/>
-        <p:cNvGrpSpPr/>
-        <p:nvPr/>
-      </p:nvGrpSpPr>
-      <p:grpSpPr>
-        <a:xfrm>
-          <a:off x="0" y="0"/>
-          <a:ext cx="0" cy="0"/>
-          <a:chOff x="0" y="0"/>
-          <a:chExt cx="0" cy="0"/>
-        </a:xfrm>
-      </p:grpSpPr>
-      <p:sp>
-        <p:nvSpPr>
           <p:cNvPr id="4" name="Título 3"/>
           <p:cNvSpPr>
             <a:spLocks noGrp="1"/>
@@ -24993,7 +19912,7 @@
             <a:fld id="{FA83D2B2-BC48-4DC3-B052-03180F1392F4}" type="slidenum">
               <a:rPr lang="en-US" smtClean="0"/>
               <a:pPr/>
-              <a:t>3</a:t>
+              <a:t>2</a:t>
             </a:fld>
             <a:endParaRPr lang="en-US"/>
           </a:p>
@@ -25017,7 +19936,7 @@
 </p:sld>
 </file>
 
-<file path=ppt/slides/slide4.xml><?xml version="1.0" encoding="utf-8"?>
+<file path=ppt/slides/slide3.xml><?xml version="1.0" encoding="utf-8"?>
 <p:sld xmlns:a="http://schemas.openxmlformats.org/drawingml/2006/main" xmlns:r="http://schemas.openxmlformats.org/officeDocument/2006/relationships" xmlns:p="http://schemas.openxmlformats.org/presentationml/2006/main">
   <p:cSld>
     <p:spTree>
@@ -25078,7 +19997,7 @@
           <a:lstStyle/>
           <a:p>
             <a:r>
-              <a:rPr lang="es-ES_tradnl" sz="2000" dirty="0" smtClean="0"/>
+              <a:rPr lang="es-ES_tradnl" sz="2000" b="1" dirty="0" smtClean="0"/>
               <a:t>Propósito:</a:t>
             </a:r>
           </a:p>
@@ -25087,8 +20006,8 @@
               <a:buNone/>
             </a:pPr>
             <a:r>
-              <a:rPr lang="es-ES_tradnl" sz="2000" dirty="0" smtClean="0"/>
-              <a:t>	Desarrollar </a:t>
+              <a:rPr lang="es-ES_tradnl" sz="2000" smtClean="0"/>
+              <a:t>		Desarrollar </a:t>
             </a:r>
             <a:r>
               <a:rPr lang="es-ES_tradnl" sz="2000" dirty="0"/>
@@ -25096,62 +20015,46 @@
             </a:r>
             <a:r>
               <a:rPr lang="es-ES_tradnl" sz="2000" dirty="0" smtClean="0"/>
-              <a:t>	</a:t>
+              <a:t>	entidades a </a:t>
+            </a:r>
+            <a:r>
+              <a:rPr lang="es-ES_tradnl" sz="2000" dirty="0"/>
+              <a:t>partir </a:t>
+            </a:r>
+            <a:r>
+              <a:rPr lang="es-ES_tradnl" sz="2000"/>
+              <a:t>del </a:t>
+            </a:r>
+            <a:r>
+              <a:rPr lang="es-ES_tradnl" sz="2000" smtClean="0"/>
+              <a:t>		contenido </a:t>
+            </a:r>
+            <a:r>
+              <a:rPr lang="es-ES_tradnl" sz="2000" dirty="0"/>
+              <a:t>HTML, el piloto se </a:t>
             </a:r>
             <a:r>
               <a:rPr lang="es-ES_tradnl" sz="2000" dirty="0" smtClean="0"/>
-              <a:t>entidades a </a:t>
+              <a:t>ejecutará </a:t>
             </a:r>
             <a:r>
               <a:rPr lang="es-ES_tradnl" sz="2000" dirty="0"/>
-              <a:t>partir del contenido HTML, el piloto se </a:t>
+              <a:t>sobre </a:t>
             </a:r>
             <a:r>
-              <a:rPr lang="es-ES_tradnl" sz="2000" dirty="0" smtClean="0"/>
-              <a:t>	ejecutará </a:t>
+              <a:rPr lang="es-ES_tradnl" sz="2000"/>
+              <a:t>contenidos </a:t>
             </a:r>
             <a:r>
-              <a:rPr lang="es-ES_tradnl" sz="2000" dirty="0"/>
-              <a:t>sobre contenidos </a:t>
+              <a:rPr lang="es-ES_tradnl" sz="2000" smtClean="0"/>
+              <a:t>		OCW</a:t>
             </a:r>
-            <a:r>
-              <a:rPr lang="es-ES_tradnl" sz="2000" dirty="0" smtClean="0"/>
-              <a:t>OCW</a:t>
-            </a:r>
+            <a:endParaRPr lang="es-ES_tradnl" sz="2000" dirty="0" smtClean="0"/>
           </a:p>
           <a:p>
             <a:pPr marL="0" indent="0">
               <a:buNone/>
             </a:pPr>
-            <a:endParaRPr lang="es-ES_tradnl" sz="2000" dirty="0"/>
-          </a:p>
-          <a:p>
-            <a:r>
-              <a:rPr lang="es-ES_tradnl" sz="2000" dirty="0" smtClean="0"/>
-              <a:t>Fecha de inicio del Proyecto:</a:t>
-            </a:r>
-          </a:p>
-          <a:p>
-            <a:pPr lvl="1"/>
-            <a:r>
-              <a:rPr lang="es-ES_tradnl" sz="1800" dirty="0" smtClean="0"/>
-              <a:t>28/11/2014</a:t>
-            </a:r>
-          </a:p>
-          <a:p>
-            <a:r>
-              <a:rPr lang="es-ES_tradnl" sz="2000" dirty="0" smtClean="0"/>
-              <a:t>Fecha de finalización del Proyecto:</a:t>
-            </a:r>
-          </a:p>
-          <a:p>
-            <a:pPr lvl="1"/>
-            <a:r>
-              <a:rPr lang="es-ES_tradnl" sz="1800" dirty="0" smtClean="0"/>
-              <a:t>28/05/2014</a:t>
-            </a:r>
-          </a:p>
-          <a:p>
             <a:endParaRPr lang="es-ES_tradnl" sz="2000" dirty="0" smtClean="0"/>
           </a:p>
           <a:p>
@@ -25177,36 +20080,12 @@
             <a:fld id="{FA83D2B2-BC48-4DC3-B052-03180F1392F4}" type="slidenum">
               <a:rPr lang="en-US" smtClean="0"/>
               <a:pPr/>
-              <a:t>4</a:t>
+              <a:t>3</a:t>
             </a:fld>
             <a:endParaRPr lang="en-US"/>
           </a:p>
         </p:txBody>
       </p:sp>
-      <p:pic>
-        <p:nvPicPr>
-          <p:cNvPr id="5" name="image02.png"/>
-          <p:cNvPicPr/>
-          <p:nvPr/>
-        </p:nvPicPr>
-        <p:blipFill>
-          <a:blip r:embed="rId2"/>
-          <a:srcRect/>
-          <a:stretch>
-            <a:fillRect/>
-          </a:stretch>
-        </p:blipFill>
-        <p:spPr>
-          <a:xfrm>
-            <a:off x="1789218" y="4138295"/>
-            <a:ext cx="5396230" cy="2239010"/>
-          </a:xfrm>
-          <a:prstGeom prst="rect">
-            <a:avLst/>
-          </a:prstGeom>
-          <a:ln/>
-        </p:spPr>
-      </p:pic>
     </p:spTree>
   </p:cSld>
   <p:clrMapOvr>
@@ -25225,7 +20104,7 @@
 </p:sld>
 </file>
 
-<file path=ppt/slides/slide5.xml><?xml version="1.0" encoding="utf-8"?>
+<file path=ppt/slides/slide4.xml><?xml version="1.0" encoding="utf-8"?>
 <p:sld xmlns:a="http://schemas.openxmlformats.org/drawingml/2006/main" xmlns:r="http://schemas.openxmlformats.org/officeDocument/2006/relationships" xmlns:p="http://schemas.openxmlformats.org/presentationml/2006/main">
   <p:cSld>
     <p:spTree>
@@ -25359,6 +20238,118 @@
               <a:pPr>
                 <a:defRPr/>
               </a:pPr>
+              <a:t>4</a:t>
+            </a:fld>
+            <a:endParaRPr lang="en-US"/>
+          </a:p>
+        </p:txBody>
+      </p:sp>
+    </p:spTree>
+  </p:cSld>
+  <p:clrMapOvr>
+    <a:masterClrMapping/>
+  </p:clrMapOvr>
+  <p:transition xmlns:p14="http://schemas.microsoft.com/office/powerpoint/2010/main">
+    <p:fade/>
+  </p:transition>
+  <p:timing>
+    <p:tnLst>
+      <p:par>
+        <p:cTn xmlns:p14="http://schemas.microsoft.com/office/powerpoint/2010/main" id="1" dur="indefinite" restart="never" nodeType="tmRoot"/>
+      </p:par>
+    </p:tnLst>
+  </p:timing>
+</p:sld>
+</file>
+
+<file path=ppt/slides/slide5.xml><?xml version="1.0" encoding="utf-8"?>
+<p:sld xmlns:a="http://schemas.openxmlformats.org/drawingml/2006/main" xmlns:r="http://schemas.openxmlformats.org/officeDocument/2006/relationships" xmlns:p="http://schemas.openxmlformats.org/presentationml/2006/main">
+  <p:cSld>
+    <p:spTree>
+      <p:nvGrpSpPr>
+        <p:cNvPr id="1" name=""/>
+        <p:cNvGrpSpPr/>
+        <p:nvPr/>
+      </p:nvGrpSpPr>
+      <p:grpSpPr>
+        <a:xfrm>
+          <a:off x="0" y="0"/>
+          <a:ext cx="0" cy="0"/>
+          <a:chOff x="0" y="0"/>
+          <a:chExt cx="0" cy="0"/>
+        </a:xfrm>
+      </p:grpSpPr>
+      <p:sp>
+        <p:nvSpPr>
+          <p:cNvPr id="2" name="Título 1"/>
+          <p:cNvSpPr>
+            <a:spLocks noGrp="1"/>
+          </p:cNvSpPr>
+          <p:nvPr>
+            <p:ph type="title"/>
+          </p:nvPr>
+        </p:nvSpPr>
+        <p:spPr/>
+        <p:txBody>
+          <a:bodyPr/>
+          <a:lstStyle/>
+          <a:p>
+            <a:r>
+              <a:rPr lang="es-ES_tradnl" dirty="0" smtClean="0"/>
+              <a:t>Fases del Proyecto (Componentes)</a:t>
+            </a:r>
+            <a:endParaRPr lang="es-ES_tradnl" dirty="0"/>
+          </a:p>
+        </p:txBody>
+      </p:sp>
+      <p:graphicFrame>
+        <p:nvGraphicFramePr>
+          <p:cNvPr id="5" name="Marcador de contenido 4"/>
+          <p:cNvGraphicFramePr>
+            <a:graphicFrameLocks noGrp="1"/>
+          </p:cNvGraphicFramePr>
+          <p:nvPr>
+            <p:ph idx="1"/>
+            <p:extLst>
+              <p:ext uri="{D42A27DB-BD31-4B8C-83A1-F6EECF244321}">
+                <p14:modId xmlns:p14="http://schemas.microsoft.com/office/powerpoint/2010/main" val="1819404742"/>
+              </p:ext>
+            </p:extLst>
+          </p:nvPr>
+        </p:nvGraphicFramePr>
+        <p:xfrm>
+          <a:off x="278342" y="1303867"/>
+          <a:ext cx="8442325" cy="4969933"/>
+        </p:xfrm>
+        <a:graphic>
+          <a:graphicData uri="http://schemas.openxmlformats.org/drawingml/2006/diagram">
+            <dgm:relIds xmlns:dgm="http://schemas.openxmlformats.org/drawingml/2006/diagram" xmlns:r="http://schemas.openxmlformats.org/officeDocument/2006/relationships" r:dm="rId2" r:lo="rId3" r:qs="rId4" r:cs="rId5"/>
+          </a:graphicData>
+        </a:graphic>
+      </p:graphicFrame>
+      <p:sp>
+        <p:nvSpPr>
+          <p:cNvPr id="4" name="Marcador de número de diapositiva 3"/>
+          <p:cNvSpPr>
+            <a:spLocks noGrp="1"/>
+          </p:cNvSpPr>
+          <p:nvPr>
+            <p:ph type="sldNum" sz="quarter" idx="10"/>
+          </p:nvPr>
+        </p:nvSpPr>
+        <p:spPr/>
+        <p:txBody>
+          <a:bodyPr/>
+          <a:lstStyle/>
+          <a:p>
+            <a:pPr>
+              <a:defRPr/>
+            </a:pPr>
+            <a:fld id="{FC87845B-BADD-498D-85FD-6F17C1205A0E}" type="slidenum">
+              <a:rPr lang="en-US" smtClean="0"/>
+              <a:pPr>
+                <a:defRPr/>
+              </a:pPr>
               <a:t>5</a:t>
             </a:fld>
             <a:endParaRPr lang="en-US"/>
@@ -25417,7 +20408,7 @@
           <a:p>
             <a:r>
               <a:rPr lang="es-ES_tradnl" dirty="0" smtClean="0"/>
-              <a:t>Fases del Proyecto (Componentes)</a:t>
+              <a:t>Detalle de componentes</a:t>
             </a:r>
             <a:endParaRPr lang="es-ES_tradnl" dirty="0"/>
           </a:p>
@@ -25433,14 +20424,14 @@
             <p:ph idx="1"/>
             <p:extLst>
               <p:ext uri="{D42A27DB-BD31-4B8C-83A1-F6EECF244321}">
-                <p14:modId xmlns:p14="http://schemas.microsoft.com/office/powerpoint/2010/main" val="4215283686"/>
+                <p14:modId xmlns:p14="http://schemas.microsoft.com/office/powerpoint/2010/main" val="3403705539"/>
               </p:ext>
             </p:extLst>
           </p:nvPr>
         </p:nvGraphicFramePr>
         <p:xfrm>
-          <a:off x="278342" y="1303867"/>
-          <a:ext cx="8442325" cy="4969933"/>
+          <a:off x="342900" y="1337691"/>
+          <a:ext cx="8442325" cy="4690576"/>
         </p:xfrm>
         <a:graphic>
           <a:graphicData uri="http://schemas.openxmlformats.org/drawingml/2006/diagram">
@@ -25485,13 +20476,6 @@
   <p:transition xmlns:p14="http://schemas.microsoft.com/office/powerpoint/2010/main">
     <p:fade/>
   </p:transition>
-  <p:timing>
-    <p:tnLst>
-      <p:par>
-        <p:cTn xmlns:p14="http://schemas.microsoft.com/office/powerpoint/2010/main" id="1" dur="indefinite" restart="never" nodeType="tmRoot"/>
-      </p:par>
-    </p:tnLst>
-  </p:timing>
 </p:sld>
 </file>
 
@@ -25512,54 +20496,6 @@
           <a:chExt cx="0" cy="0"/>
         </a:xfrm>
       </p:grpSpPr>
-      <p:sp>
-        <p:nvSpPr>
-          <p:cNvPr id="2" name="Título 1"/>
-          <p:cNvSpPr>
-            <a:spLocks noGrp="1"/>
-          </p:cNvSpPr>
-          <p:nvPr>
-            <p:ph type="title"/>
-          </p:nvPr>
-        </p:nvSpPr>
-        <p:spPr/>
-        <p:txBody>
-          <a:bodyPr/>
-          <a:lstStyle/>
-          <a:p>
-            <a:r>
-              <a:rPr lang="es-ES_tradnl" dirty="0" smtClean="0"/>
-              <a:t>Detalle de componentes</a:t>
-            </a:r>
-            <a:endParaRPr lang="es-ES_tradnl" dirty="0"/>
-          </a:p>
-        </p:txBody>
-      </p:sp>
-      <p:graphicFrame>
-        <p:nvGraphicFramePr>
-          <p:cNvPr id="5" name="Marcador de contenido 4"/>
-          <p:cNvGraphicFramePr>
-            <a:graphicFrameLocks noGrp="1"/>
-          </p:cNvGraphicFramePr>
-          <p:nvPr>
-            <p:ph idx="1"/>
-            <p:extLst>
-              <p:ext uri="{D42A27DB-BD31-4B8C-83A1-F6EECF244321}">
-                <p14:modId xmlns:p14="http://schemas.microsoft.com/office/powerpoint/2010/main" val="2263789816"/>
-              </p:ext>
-            </p:extLst>
-          </p:nvPr>
-        </p:nvGraphicFramePr>
-        <p:xfrm>
-          <a:off x="342900" y="1337691"/>
-          <a:ext cx="8442325" cy="4690576"/>
-        </p:xfrm>
-        <a:graphic>
-          <a:graphicData uri="http://schemas.openxmlformats.org/drawingml/2006/diagram">
-            <dgm:relIds xmlns:dgm="http://schemas.openxmlformats.org/drawingml/2006/diagram" xmlns:r="http://schemas.openxmlformats.org/officeDocument/2006/relationships" r:dm="rId2" r:lo="rId3" r:qs="rId4" r:cs="rId5"/>
-          </a:graphicData>
-        </a:graphic>
-      </p:graphicFrame>
       <p:sp>
         <p:nvSpPr>
           <p:cNvPr id="4" name="Marcador de número de diapositiva 3"/>
@@ -25589,7 +20525,64 @@
           </a:p>
         </p:txBody>
       </p:sp>
+      <p:pic>
+        <p:nvPicPr>
+          <p:cNvPr id="5" name="image02.png"/>
+          <p:cNvPicPr/>
+          <p:nvPr/>
+        </p:nvPicPr>
+        <p:blipFill>
+          <a:blip r:embed="rId2"/>
+          <a:srcRect/>
+          <a:stretch>
+            <a:fillRect/>
+          </a:stretch>
+        </p:blipFill>
+        <p:spPr>
+          <a:xfrm>
+            <a:off x="587801" y="2404534"/>
+            <a:ext cx="7550030" cy="3132667"/>
+          </a:xfrm>
+          <a:prstGeom prst="rect">
+            <a:avLst/>
+          </a:prstGeom>
+          <a:ln/>
+        </p:spPr>
+      </p:pic>
+      <p:sp>
+        <p:nvSpPr>
+          <p:cNvPr id="7" name="Título 1"/>
+          <p:cNvSpPr>
+            <a:spLocks noGrp="1"/>
+          </p:cNvSpPr>
+          <p:nvPr>
+            <p:ph type="title"/>
+          </p:nvPr>
+        </p:nvSpPr>
+        <p:spPr>
+          <a:xfrm>
+            <a:off x="342900" y="274638"/>
+            <a:ext cx="8442325" cy="595312"/>
+          </a:xfrm>
+        </p:spPr>
+        <p:txBody>
+          <a:bodyPr/>
+          <a:lstStyle/>
+          <a:p>
+            <a:r>
+              <a:rPr lang="es-ES_tradnl" dirty="0" smtClean="0"/>
+              <a:t>Detalle de componentes</a:t>
+            </a:r>
+            <a:endParaRPr lang="es-ES_tradnl" dirty="0"/>
+          </a:p>
+        </p:txBody>
+      </p:sp>
     </p:spTree>
+    <p:extLst>
+      <p:ext uri="{BB962C8B-B14F-4D97-AF65-F5344CB8AC3E}">
+        <p14:creationId xmlns:p14="http://schemas.microsoft.com/office/powerpoint/2010/main" val="2539167501"/>
+      </p:ext>
+    </p:extLst>
   </p:cSld>
   <p:clrMapOvr>
     <a:masterClrMapping/>
@@ -25650,7 +20643,7 @@
             <p:ph idx="1"/>
             <p:extLst>
               <p:ext uri="{D42A27DB-BD31-4B8C-83A1-F6EECF244321}">
-                <p14:modId xmlns:p14="http://schemas.microsoft.com/office/powerpoint/2010/main" val="1873452849"/>
+                <p14:modId xmlns:p14="http://schemas.microsoft.com/office/powerpoint/2010/main" val="1461682324"/>
               </p:ext>
             </p:extLst>
           </p:nvPr>
@@ -25697,7 +20690,7 @@
     </p:spTree>
     <p:extLst>
       <p:ext uri="{BB962C8B-B14F-4D97-AF65-F5344CB8AC3E}">
-        <p14:creationId xmlns:p14="http://schemas.microsoft.com/office/powerpoint/2010/main" val="401159780"/>
+        <p14:creationId xmlns:p14="http://schemas.microsoft.com/office/powerpoint/2010/main" val="4081305827"/>
       </p:ext>
     </p:extLst>
   </p:cSld>
@@ -25744,37 +20737,12 @@
           <a:p>
             <a:r>
               <a:rPr lang="es-ES_tradnl" dirty="0" smtClean="0"/>
-              <a:t>Detalle de componentes</a:t>
+              <a:t>WS TOKENIZACION</a:t>
             </a:r>
             <a:endParaRPr lang="es-ES_tradnl" dirty="0"/>
           </a:p>
         </p:txBody>
       </p:sp>
-      <p:graphicFrame>
-        <p:nvGraphicFramePr>
-          <p:cNvPr id="5" name="Marcador de contenido 4"/>
-          <p:cNvGraphicFramePr>
-            <a:graphicFrameLocks noGrp="1"/>
-          </p:cNvGraphicFramePr>
-          <p:nvPr>
-            <p:ph idx="1"/>
-            <p:extLst>
-              <p:ext uri="{D42A27DB-BD31-4B8C-83A1-F6EECF244321}">
-                <p14:modId xmlns:p14="http://schemas.microsoft.com/office/powerpoint/2010/main" val="541576974"/>
-              </p:ext>
-            </p:extLst>
-          </p:nvPr>
-        </p:nvGraphicFramePr>
-        <p:xfrm>
-          <a:off x="342900" y="1337691"/>
-          <a:ext cx="8442325" cy="4690576"/>
-        </p:xfrm>
-        <a:graphic>
-          <a:graphicData uri="http://schemas.openxmlformats.org/drawingml/2006/diagram">
-            <dgm:relIds xmlns:dgm="http://schemas.openxmlformats.org/drawingml/2006/diagram" xmlns:r="http://schemas.openxmlformats.org/officeDocument/2006/relationships" r:dm="rId2" r:lo="rId3" r:qs="rId4" r:cs="rId5"/>
-          </a:graphicData>
-        </a:graphic>
-      </p:graphicFrame>
       <p:sp>
         <p:nvSpPr>
           <p:cNvPr id="4" name="Marcador de número de diapositiva 3"/>
@@ -25804,10 +20772,68 @@
           </a:p>
         </p:txBody>
       </p:sp>
+      <p:pic>
+        <p:nvPicPr>
+          <p:cNvPr id="6" name="Imagen 5" descr="Captura de pantalla 2014-04-11 a la(s) 14.59.10.png"/>
+          <p:cNvPicPr>
+            <a:picLocks noChangeAspect="1"/>
+          </p:cNvPicPr>
+          <p:nvPr/>
+        </p:nvPicPr>
+        <p:blipFill rotWithShape="1">
+          <a:blip r:embed="rId2">
+            <a:extLst>
+              <a:ext uri="{28A0092B-C50C-407E-A947-70E740481C1C}">
+                <a14:useLocalDpi xmlns:a14="http://schemas.microsoft.com/office/drawing/2010/main" val="0"/>
+              </a:ext>
+            </a:extLst>
+          </a:blip>
+          <a:srcRect b="71373"/>
+          <a:stretch/>
+        </p:blipFill>
+        <p:spPr>
+          <a:xfrm>
+            <a:off x="394133" y="1269999"/>
+            <a:ext cx="3161867" cy="5130801"/>
+          </a:xfrm>
+          <a:prstGeom prst="rect">
+            <a:avLst/>
+          </a:prstGeom>
+        </p:spPr>
+      </p:pic>
+      <p:pic>
+        <p:nvPicPr>
+          <p:cNvPr id="7" name="Imagen 6" descr="Captura de pantalla 2014-04-11 a la(s) 14.59.10.png"/>
+          <p:cNvPicPr>
+            <a:picLocks noChangeAspect="1"/>
+          </p:cNvPicPr>
+          <p:nvPr/>
+        </p:nvPicPr>
+        <p:blipFill rotWithShape="1">
+          <a:blip r:embed="rId2">
+            <a:extLst>
+              <a:ext uri="{28A0092B-C50C-407E-A947-70E740481C1C}">
+                <a14:useLocalDpi xmlns:a14="http://schemas.microsoft.com/office/drawing/2010/main" val="0"/>
+              </a:ext>
+            </a:extLst>
+          </a:blip>
+          <a:srcRect l="-3213" t="27777" r="3213" b="43596"/>
+          <a:stretch/>
+        </p:blipFill>
+        <p:spPr>
+          <a:xfrm>
+            <a:off x="4898399" y="1236132"/>
+            <a:ext cx="3161867" cy="5130801"/>
+          </a:xfrm>
+          <a:prstGeom prst="rect">
+            <a:avLst/>
+          </a:prstGeom>
+        </p:spPr>
+      </p:pic>
     </p:spTree>
     <p:extLst>
       <p:ext uri="{BB962C8B-B14F-4D97-AF65-F5344CB8AC3E}">
-        <p14:creationId xmlns:p14="http://schemas.microsoft.com/office/powerpoint/2010/main" val="1333829217"/>
+        <p14:creationId xmlns:p14="http://schemas.microsoft.com/office/powerpoint/2010/main" val="2524192941"/>
       </p:ext>
     </p:extLst>
   </p:cSld>
